--- a/presentation.pptx
+++ b/presentation.pptx
@@ -240,7 +240,7 @@
             <a:pPr rtl="0"/>
             <a:fld id="{3EF2CABD-ADFB-4662-86FE-964DAD288E0E}" type="datetime1">
               <a:rPr lang="ru-RU" smtClean="0"/>
-              <a:t>08.01.2024</a:t>
+              <a:t>16.01.2024</a:t>
             </a:fld>
             <a:endParaRPr lang="ru-RU"/>
           </a:p>
@@ -410,7 +410,7 @@
             <a:fld id="{68B812D4-DBF0-450F-B19D-420CCD76CB60}" type="datetime1">
               <a:rPr lang="ru-RU" smtClean="0"/>
               <a:pPr/>
-              <a:t>08.01.2024</a:t>
+              <a:t>16.01.2024</a:t>
             </a:fld>
             <a:endParaRPr lang="ru-RU" dirty="0"/>
           </a:p>
@@ -1005,7 +1005,7 @@
             <a:pPr rtl="0"/>
             <a:fld id="{0E309820-F966-41D6-9A9E-F094402396DD}" type="datetime1">
               <a:rPr lang="ru-RU" noProof="0" smtClean="0"/>
-              <a:t>08.01.2024</a:t>
+              <a:t>16.01.2024</a:t>
             </a:fld>
             <a:endParaRPr lang="ru-RU" noProof="0" dirty="0"/>
           </a:p>
@@ -1208,7 +1208,7 @@
             <a:pPr rtl="0"/>
             <a:fld id="{0E309820-F966-41D6-9A9E-F094402396DD}" type="datetime1">
               <a:rPr lang="ru-RU" noProof="0" smtClean="0"/>
-              <a:t>08.01.2024</a:t>
+              <a:t>16.01.2024</a:t>
             </a:fld>
             <a:endParaRPr lang="ru-RU" noProof="0" dirty="0"/>
           </a:p>
@@ -1421,7 +1421,7 @@
             <a:pPr rtl="0"/>
             <a:fld id="{0E309820-F966-41D6-9A9E-F094402396DD}" type="datetime1">
               <a:rPr lang="ru-RU" noProof="0" smtClean="0"/>
-              <a:t>08.01.2024</a:t>
+              <a:t>16.01.2024</a:t>
             </a:fld>
             <a:endParaRPr lang="ru-RU" noProof="0" dirty="0"/>
           </a:p>
@@ -1936,7 +1936,7 @@
             <a:pPr rtl="0"/>
             <a:fld id="{94BFA7FF-3CFD-4CAD-BB9E-67BC1F4C890D}" type="datetime1">
               <a:rPr lang="ru-RU" noProof="0" smtClean="0"/>
-              <a:t>08.01.2024</a:t>
+              <a:t>16.01.2024</a:t>
             </a:fld>
             <a:endParaRPr lang="ru-RU" noProof="0"/>
           </a:p>
@@ -2164,7 +2164,7 @@
             <a:pPr rtl="0"/>
             <a:fld id="{0E309820-F966-41D6-9A9E-F094402396DD}" type="datetime1">
               <a:rPr lang="ru-RU" noProof="0" smtClean="0"/>
-              <a:t>08.01.2024</a:t>
+              <a:t>16.01.2024</a:t>
             </a:fld>
             <a:endParaRPr lang="ru-RU" noProof="0" dirty="0"/>
           </a:p>
@@ -2444,7 +2444,7 @@
             <a:pPr rtl="0"/>
             <a:fld id="{0E309820-F966-41D6-9A9E-F094402396DD}" type="datetime1">
               <a:rPr lang="ru-RU" noProof="0" smtClean="0"/>
-              <a:t>08.01.2024</a:t>
+              <a:t>16.01.2024</a:t>
             </a:fld>
             <a:endParaRPr lang="ru-RU" noProof="0" dirty="0"/>
           </a:p>
@@ -2714,7 +2714,7 @@
             <a:pPr rtl="0"/>
             <a:fld id="{0E309820-F966-41D6-9A9E-F094402396DD}" type="datetime1">
               <a:rPr lang="ru-RU" noProof="0" smtClean="0"/>
-              <a:t>08.01.2024</a:t>
+              <a:t>16.01.2024</a:t>
             </a:fld>
             <a:endParaRPr lang="ru-RU" noProof="0" dirty="0"/>
           </a:p>
@@ -3131,7 +3131,7 @@
             <a:pPr rtl="0"/>
             <a:fld id="{0E309820-F966-41D6-9A9E-F094402396DD}" type="datetime1">
               <a:rPr lang="ru-RU" noProof="0" smtClean="0"/>
-              <a:t>08.01.2024</a:t>
+              <a:t>16.01.2024</a:t>
             </a:fld>
             <a:endParaRPr lang="ru-RU" noProof="0" dirty="0"/>
           </a:p>
@@ -3277,7 +3277,7 @@
             <a:pPr rtl="0"/>
             <a:fld id="{0E309820-F966-41D6-9A9E-F094402396DD}" type="datetime1">
               <a:rPr lang="ru-RU" noProof="0" smtClean="0"/>
-              <a:t>08.01.2024</a:t>
+              <a:t>16.01.2024</a:t>
             </a:fld>
             <a:endParaRPr lang="ru-RU" noProof="0" dirty="0"/>
           </a:p>
@@ -3395,7 +3395,7 @@
             <a:pPr rtl="0"/>
             <a:fld id="{0E309820-F966-41D6-9A9E-F094402396DD}" type="datetime1">
               <a:rPr lang="ru-RU" noProof="0" smtClean="0"/>
-              <a:t>08.01.2024</a:t>
+              <a:t>16.01.2024</a:t>
             </a:fld>
             <a:endParaRPr lang="ru-RU" noProof="0" dirty="0"/>
           </a:p>
@@ -3711,7 +3711,7 @@
             <a:pPr rtl="0"/>
             <a:fld id="{0E309820-F966-41D6-9A9E-F094402396DD}" type="datetime1">
               <a:rPr lang="ru-RU" noProof="0" smtClean="0"/>
-              <a:t>08.01.2024</a:t>
+              <a:t>16.01.2024</a:t>
             </a:fld>
             <a:endParaRPr lang="ru-RU" noProof="0" dirty="0"/>
           </a:p>
@@ -4004,7 +4004,7 @@
             <a:pPr rtl="0"/>
             <a:fld id="{0E309820-F966-41D6-9A9E-F094402396DD}" type="datetime1">
               <a:rPr lang="ru-RU" noProof="0" smtClean="0"/>
-              <a:t>08.01.2024</a:t>
+              <a:t>16.01.2024</a:t>
             </a:fld>
             <a:endParaRPr lang="ru-RU" noProof="0" dirty="0"/>
           </a:p>
@@ -4250,7 +4250,7 @@
             <a:pPr rtl="0"/>
             <a:fld id="{0E309820-F966-41D6-9A9E-F094402396DD}" type="datetime1">
               <a:rPr lang="ru-RU" noProof="0" smtClean="0"/>
-              <a:t>08.01.2024</a:t>
+              <a:t>16.01.2024</a:t>
             </a:fld>
             <a:endParaRPr lang="ru-RU" noProof="0" dirty="0"/>
           </a:p>
@@ -4855,8 +4855,8 @@
         </p:blipFill>
         <p:spPr>
           <a:xfrm>
-            <a:off x="3523488" y="10"/>
-            <a:ext cx="8668512" cy="6857990"/>
+            <a:off x="3565320" y="10"/>
+            <a:ext cx="8626679" cy="6857990"/>
           </a:xfrm>
           <a:prstGeom prst="rect">
             <a:avLst/>
@@ -5074,8 +5074,13 @@
                   <a:schemeClr val="bg1"/>
                 </a:solidFill>
               </a:rPr>
-              <a:t> …</a:t>
-            </a:r>
+              <a:t> В</a:t>
+            </a:r>
+            <a:endParaRPr lang="en-US" sz="2000" dirty="0">
+              <a:solidFill>
+                <a:schemeClr val="bg1"/>
+              </a:solidFill>
+            </a:endParaRPr>
           </a:p>
           <a:p>
             <a:pPr marL="0" indent="0">

--- a/presentation.pptx
+++ b/presentation.pptx
@@ -5,14 +5,18 @@
     <p:sldMasterId id="2147483684" r:id="rId1"/>
   </p:sldMasterIdLst>
   <p:notesMasterIdLst>
-    <p:notesMasterId r:id="rId4"/>
+    <p:notesMasterId r:id="rId8"/>
   </p:notesMasterIdLst>
   <p:handoutMasterIdLst>
-    <p:handoutMasterId r:id="rId5"/>
+    <p:handoutMasterId r:id="rId9"/>
   </p:handoutMasterIdLst>
   <p:sldIdLst>
     <p:sldId id="256" r:id="rId2"/>
     <p:sldId id="271" r:id="rId3"/>
+    <p:sldId id="272" r:id="rId4"/>
+    <p:sldId id="273" r:id="rId5"/>
+    <p:sldId id="274" r:id="rId6"/>
+    <p:sldId id="275" r:id="rId7"/>
   </p:sldIdLst>
   <p:sldSz cx="12192000" cy="6858000"/>
   <p:notesSz cx="6858000" cy="9144000"/>
@@ -122,6 +126,10 @@
         <p14:section name="Конструктор, трансформация, добавление заметок, совместная работа, помощник" id="{B9B51309-D148-4332-87C2-07BE32FBCA3B}">
           <p14:sldIdLst>
             <p14:sldId id="271"/>
+            <p14:sldId id="272"/>
+            <p14:sldId id="273"/>
+            <p14:sldId id="274"/>
+            <p14:sldId id="275"/>
           </p14:sldIdLst>
         </p14:section>
         <p14:section name="Подробнее" id="{2CC34DB2-6590-42C0-AD4B-A04C6060184E}">
@@ -5074,7 +5082,7 @@
                   <a:schemeClr val="bg1"/>
                 </a:solidFill>
               </a:rPr>
-              <a:t> В</a:t>
+              <a:t> Владимирович</a:t>
             </a:r>
             <a:endParaRPr lang="en-US" sz="2000" dirty="0">
               <a:solidFill>
@@ -5281,6 +5289,284 @@
   <p:clrMapOvr>
     <a:masterClrMapping/>
   </p:clrMapOvr>
+</p:sld>
+</file>
+
+<file path=ppt/slides/slide2.xml><?xml version="1.0" encoding="utf-8"?>
+<p:sld xmlns:a="http://schemas.openxmlformats.org/drawingml/2006/main" xmlns:r="http://schemas.openxmlformats.org/officeDocument/2006/relationships" xmlns:p="http://schemas.openxmlformats.org/presentationml/2006/main">
+  <p:cSld>
+    <p:bg>
+      <p:bgPr>
+        <a:solidFill>
+          <a:srgbClr val="000000"/>
+        </a:solidFill>
+        <a:effectLst/>
+      </p:bgPr>
+    </p:bg>
+    <p:spTree>
+      <p:nvGrpSpPr>
+        <p:cNvPr id="1" name=""/>
+        <p:cNvGrpSpPr/>
+        <p:nvPr/>
+      </p:nvGrpSpPr>
+      <p:grpSpPr>
+        <a:xfrm>
+          <a:off x="0" y="0"/>
+          <a:ext cx="0" cy="0"/>
+          <a:chOff x="0" y="0"/>
+          <a:chExt cx="0" cy="0"/>
+        </a:xfrm>
+      </p:grpSpPr>
+      <p:sp>
+        <p:nvSpPr>
+          <p:cNvPr id="38" name="Rectangle 33">
+            <a:extLst>
+              <a:ext uri="{FF2B5EF4-FFF2-40B4-BE49-F238E27FC236}">
+                <a16:creationId xmlns:a16="http://schemas.microsoft.com/office/drawing/2014/main" id="{71B2258F-86CA-4D4D-8270-BC05FCDEBFB3}"/>
+              </a:ext>
+              <a:ext uri="{C183D7F6-B498-43B3-948B-1728B52AA6E4}">
+                <adec:decorative xmlns:adec="http://schemas.microsoft.com/office/drawing/2017/decorative" val="1"/>
+              </a:ext>
+            </a:extLst>
+          </p:cNvPr>
+          <p:cNvSpPr>
+            <a:spLocks noGrp="1" noRot="1" noChangeAspect="1" noMove="1" noResize="1" noEditPoints="1" noAdjustHandles="1" noChangeArrowheads="1" noChangeShapeType="1" noTextEdit="1"/>
+          </p:cNvSpPr>
+          <p:nvPr>
+            <p:extLst>
+              <p:ext uri="{386F3935-93C4-4BCD-93E2-E3B085C9AB24}">
+                <p16:designElem xmlns:p16="http://schemas.microsoft.com/office/powerpoint/2015/main" val="1"/>
+              </p:ext>
+            </p:extLst>
+          </p:nvPr>
+        </p:nvSpPr>
+        <p:spPr>
+          <a:xfrm>
+            <a:off x="0" y="0"/>
+            <a:ext cx="12192000" cy="6857999"/>
+          </a:xfrm>
+          <a:prstGeom prst="rect">
+            <a:avLst/>
+          </a:prstGeom>
+          <a:solidFill>
+            <a:srgbClr val="000000"/>
+          </a:solidFill>
+          <a:ln>
+            <a:noFill/>
+          </a:ln>
+        </p:spPr>
+        <p:style>
+          <a:lnRef idx="2">
+            <a:schemeClr val="accent1">
+              <a:shade val="50000"/>
+            </a:schemeClr>
+          </a:lnRef>
+          <a:fillRef idx="1">
+            <a:schemeClr val="accent1"/>
+          </a:fillRef>
+          <a:effectRef idx="0">
+            <a:schemeClr val="accent1"/>
+          </a:effectRef>
+          <a:fontRef idx="minor">
+            <a:schemeClr val="lt1"/>
+          </a:fontRef>
+        </p:style>
+        <p:txBody>
+          <a:bodyPr rtlCol="0" anchor="ctr"/>
+          <a:lstStyle/>
+          <a:p>
+            <a:pPr algn="ctr"/>
+            <a:endParaRPr lang="en-US"/>
+          </a:p>
+        </p:txBody>
+      </p:sp>
+      <p:pic>
+        <p:nvPicPr>
+          <p:cNvPr id="9" name="Рисунок 8" descr="Изображение выглядит как мультфильм, снимок экрана, Цвет Majorelle blue, свет&#10;&#10;Автоматически созданное описание">
+            <a:extLst>
+              <a:ext uri="{FF2B5EF4-FFF2-40B4-BE49-F238E27FC236}">
+                <a16:creationId xmlns:a16="http://schemas.microsoft.com/office/drawing/2014/main" id="{39E12878-546E-B658-22BB-3347C7AFD025}"/>
+              </a:ext>
+            </a:extLst>
+          </p:cNvPr>
+          <p:cNvPicPr>
+            <a:picLocks noChangeAspect="1"/>
+          </p:cNvPicPr>
+          <p:nvPr/>
+        </p:nvPicPr>
+        <p:blipFill rotWithShape="1">
+          <a:blip r:embed="rId3">
+            <a:alphaModFix amt="50000"/>
+          </a:blip>
+          <a:srcRect l="889" r="-1" b="-1"/>
+          <a:stretch/>
+        </p:blipFill>
+        <p:spPr>
+          <a:xfrm>
+            <a:off x="20" y="-1"/>
+            <a:ext cx="12191980" cy="6857999"/>
+          </a:xfrm>
+          <a:prstGeom prst="rect">
+            <a:avLst/>
+          </a:prstGeom>
+        </p:spPr>
+      </p:pic>
+      <p:sp>
+        <p:nvSpPr>
+          <p:cNvPr id="5" name="Заголовок 4">
+            <a:extLst>
+              <a:ext uri="{FF2B5EF4-FFF2-40B4-BE49-F238E27FC236}">
+                <a16:creationId xmlns:a16="http://schemas.microsoft.com/office/drawing/2014/main" id="{A953DF3A-C079-63DF-EF89-05659766C60D}"/>
+              </a:ext>
+            </a:extLst>
+          </p:cNvPr>
+          <p:cNvSpPr>
+            <a:spLocks noGrp="1"/>
+          </p:cNvSpPr>
+          <p:nvPr>
+            <p:ph type="title"/>
+          </p:nvPr>
+        </p:nvSpPr>
+        <p:spPr>
+          <a:xfrm>
+            <a:off x="3592285" y="0"/>
+            <a:ext cx="5007429" cy="981100"/>
+          </a:xfrm>
+        </p:spPr>
+        <p:txBody>
+          <a:bodyPr vert="horz" lIns="91440" tIns="45720" rIns="91440" bIns="45720" rtlCol="0" anchor="b">
+            <a:normAutofit/>
+          </a:bodyPr>
+          <a:lstStyle/>
+          <a:p>
+            <a:pPr algn="ctr"/>
+            <a:r>
+              <a:rPr lang="en-US" sz="6000" dirty="0" err="1">
+                <a:solidFill>
+                  <a:srgbClr val="FFFFFF"/>
+                </a:solidFill>
+              </a:rPr>
+              <a:t>Идея</a:t>
+            </a:r>
+            <a:r>
+              <a:rPr lang="en-US" sz="6000" dirty="0">
+                <a:solidFill>
+                  <a:srgbClr val="FFFFFF"/>
+                </a:solidFill>
+              </a:rPr>
+              <a:t> </a:t>
+            </a:r>
+            <a:r>
+              <a:rPr lang="en-US" sz="6000" dirty="0" err="1">
+                <a:solidFill>
+                  <a:srgbClr val="FFFFFF"/>
+                </a:solidFill>
+              </a:rPr>
+              <a:t>создания</a:t>
+            </a:r>
+            <a:endParaRPr lang="en-US" sz="6000" dirty="0">
+              <a:solidFill>
+                <a:srgbClr val="FFFFFF"/>
+              </a:solidFill>
+            </a:endParaRPr>
+          </a:p>
+        </p:txBody>
+      </p:sp>
+      <p:sp>
+        <p:nvSpPr>
+          <p:cNvPr id="10" name="TextBox 9">
+            <a:extLst>
+              <a:ext uri="{FF2B5EF4-FFF2-40B4-BE49-F238E27FC236}">
+                <a16:creationId xmlns:a16="http://schemas.microsoft.com/office/drawing/2014/main" id="{4CCC0A2D-28D9-8DB4-4341-CCE94B945922}"/>
+              </a:ext>
+            </a:extLst>
+          </p:cNvPr>
+          <p:cNvSpPr txBox="1"/>
+          <p:nvPr/>
+        </p:nvSpPr>
+        <p:spPr>
+          <a:xfrm>
+            <a:off x="3684165" y="1501629"/>
+            <a:ext cx="4813883" cy="830997"/>
+          </a:xfrm>
+          <a:prstGeom prst="rect">
+            <a:avLst/>
+          </a:prstGeom>
+          <a:noFill/>
+        </p:spPr>
+        <p:txBody>
+          <a:bodyPr wrap="square" rtlCol="0">
+            <a:spAutoFit/>
+          </a:bodyPr>
+          <a:lstStyle/>
+          <a:p>
+            <a:r>
+              <a:rPr lang="ru-RU" sz="2400" dirty="0">
+                <a:effectLst/>
+                <a:latin typeface="XO Thames"/>
+                <a:ea typeface="Times New Roman" panose="02020603050405020304" pitchFamily="18" charset="0"/>
+                <a:cs typeface="Times New Roman" panose="02020603050405020304" pitchFamily="18" charset="0"/>
+              </a:rPr>
+              <a:t>Создание пиксельную </a:t>
+            </a:r>
+            <a:r>
+              <a:rPr lang="ru-RU" sz="2400" dirty="0" err="1">
+                <a:effectLst/>
+                <a:latin typeface="XO Thames"/>
+                <a:ea typeface="Times New Roman" panose="02020603050405020304" pitchFamily="18" charset="0"/>
+                <a:cs typeface="Times New Roman" panose="02020603050405020304" pitchFamily="18" charset="0"/>
+              </a:rPr>
+              <a:t>roguelike</a:t>
+            </a:r>
+            <a:r>
+              <a:rPr lang="ru-RU" sz="2400" dirty="0">
+                <a:effectLst/>
+                <a:latin typeface="XO Thames"/>
+                <a:ea typeface="Times New Roman" panose="02020603050405020304" pitchFamily="18" charset="0"/>
+                <a:cs typeface="Times New Roman" panose="02020603050405020304" pitchFamily="18" charset="0"/>
+              </a:rPr>
+              <a:t>-RPG в стиле игры ''</a:t>
+            </a:r>
+            <a:r>
+              <a:rPr lang="ru-RU" sz="2400" dirty="0" err="1">
+                <a:effectLst/>
+                <a:latin typeface="XO Thames"/>
+                <a:ea typeface="Times New Roman" panose="02020603050405020304" pitchFamily="18" charset="0"/>
+                <a:cs typeface="Times New Roman" panose="02020603050405020304" pitchFamily="18" charset="0"/>
+              </a:rPr>
+              <a:t>Soul</a:t>
+            </a:r>
+            <a:r>
+              <a:rPr lang="ru-RU" sz="2400" dirty="0">
+                <a:effectLst/>
+                <a:latin typeface="XO Thames"/>
+                <a:ea typeface="Times New Roman" panose="02020603050405020304" pitchFamily="18" charset="0"/>
+                <a:cs typeface="Times New Roman" panose="02020603050405020304" pitchFamily="18" charset="0"/>
+              </a:rPr>
+              <a:t> Knight''</a:t>
+            </a:r>
+            <a:endParaRPr lang="ru-RU" sz="2400" dirty="0"/>
+          </a:p>
+        </p:txBody>
+      </p:sp>
+    </p:spTree>
+    <p:extLst>
+      <p:ext uri="{BB962C8B-B14F-4D97-AF65-F5344CB8AC3E}">
+        <p14:creationId xmlns:p14="http://schemas.microsoft.com/office/powerpoint/2010/main" val="3457616166"/>
+      </p:ext>
+    </p:extLst>
+  </p:cSld>
+  <p:clrMapOvr>
+    <a:overrideClrMapping bg1="dk1" tx1="lt1" bg2="dk2" tx2="lt2" accent1="accent1" accent2="accent2" accent3="accent3" accent4="accent4" accent5="accent5" accent6="accent6" hlink="hlink" folHlink="folHlink"/>
+  </p:clrMapOvr>
+  <mc:AlternateContent xmlns:mc="http://schemas.openxmlformats.org/markup-compatibility/2006" xmlns:p14="http://schemas.microsoft.com/office/powerpoint/2010/main">
+    <mc:Choice Requires="p14">
+      <p:transition p14:dur="10"/>
+    </mc:Choice>
+    <mc:Fallback xmlns="">
+      <p:transition/>
+    </mc:Fallback>
+  </mc:AlternateContent>
   <p:timing>
     <p:tnLst>
       <p:par>
@@ -5309,7 +5595,7 @@
                                   <p:stCondLst>
                                     <p:cond delay="1000"/>
                                   </p:stCondLst>
-                                  <p:iterate type="lt">
+                                  <p:iterate>
                                     <p:tmPct val="10000"/>
                                   </p:iterate>
                                   <p:childTnLst>
@@ -5321,7 +5607,7 @@
                                           </p:stCondLst>
                                         </p:cTn>
                                         <p:tgtEl>
-                                          <p:spTgt spid="2"/>
+                                          <p:spTgt spid="5"/>
                                         </p:tgtEl>
                                         <p:attrNameLst>
                                           <p:attrName>style.visibility</p:attrName>
@@ -5333,34 +5619,48 @@
                                     </p:set>
                                     <p:animEffect transition="in" filter="fade">
                                       <p:cBhvr>
-                                        <p:cTn id="7" dur="400"/>
+                                        <p:cTn id="7" dur="700"/>
                                         <p:tgtEl>
-                                          <p:spTgt spid="2"/>
+                                          <p:spTgt spid="5"/>
                                         </p:tgtEl>
                                       </p:cBhvr>
                                     </p:animEffect>
                                   </p:childTnLst>
                                 </p:cTn>
                               </p:par>
+                            </p:childTnLst>
+                          </p:cTn>
+                        </p:par>
+                      </p:childTnLst>
+                    </p:cTn>
+                  </p:par>
+                  <p:par>
+                    <p:cTn id="8" fill="hold">
+                      <p:stCondLst>
+                        <p:cond delay="indefinite"/>
+                      </p:stCondLst>
+                      <p:childTnLst>
+                        <p:par>
+                          <p:cTn id="9" fill="hold">
+                            <p:stCondLst>
+                              <p:cond delay="0"/>
+                            </p:stCondLst>
+                            <p:childTnLst>
                               <p:par>
-                                <p:cTn id="8" presetID="10" presetClass="entr" presetSubtype="0" fill="hold" grpId="0" nodeType="withEffect">
+                                <p:cTn id="10" presetID="10" presetClass="entr" presetSubtype="0" fill="hold" grpId="0" nodeType="clickEffect">
                                   <p:stCondLst>
-                                    <p:cond delay="2000"/>
+                                    <p:cond delay="0"/>
                                   </p:stCondLst>
                                   <p:childTnLst>
                                     <p:set>
                                       <p:cBhvr>
-                                        <p:cTn id="9" dur="1" fill="hold">
+                                        <p:cTn id="11" dur="1" fill="hold">
                                           <p:stCondLst>
                                             <p:cond delay="0"/>
                                           </p:stCondLst>
                                         </p:cTn>
                                         <p:tgtEl>
-                                          <p:spTgt spid="3">
-                                            <p:txEl>
-                                              <p:pRg st="0" end="0"/>
-                                            </p:txEl>
-                                          </p:spTgt>
+                                          <p:spTgt spid="10"/>
                                         </p:tgtEl>
                                         <p:attrNameLst>
                                           <p:attrName>style.visibility</p:attrName>
@@ -5372,99 +5672,9 @@
                                     </p:set>
                                     <p:animEffect transition="in" filter="fade">
                                       <p:cBhvr>
-                                        <p:cTn id="10" dur="500"/>
+                                        <p:cTn id="12" dur="500"/>
                                         <p:tgtEl>
-                                          <p:spTgt spid="3">
-                                            <p:txEl>
-                                              <p:pRg st="0" end="0"/>
-                                            </p:txEl>
-                                          </p:spTgt>
-                                        </p:tgtEl>
-                                      </p:cBhvr>
-                                    </p:animEffect>
-                                  </p:childTnLst>
-                                </p:cTn>
-                              </p:par>
-                              <p:par>
-                                <p:cTn id="11" presetID="10" presetClass="entr" presetSubtype="0" fill="hold" grpId="0" nodeType="withEffect">
-                                  <p:stCondLst>
-                                    <p:cond delay="2000"/>
-                                  </p:stCondLst>
-                                  <p:childTnLst>
-                                    <p:set>
-                                      <p:cBhvr>
-                                        <p:cTn id="12" dur="1" fill="hold">
-                                          <p:stCondLst>
-                                            <p:cond delay="0"/>
-                                          </p:stCondLst>
-                                        </p:cTn>
-                                        <p:tgtEl>
-                                          <p:spTgt spid="3">
-                                            <p:txEl>
-                                              <p:pRg st="1" end="1"/>
-                                            </p:txEl>
-                                          </p:spTgt>
-                                        </p:tgtEl>
-                                        <p:attrNameLst>
-                                          <p:attrName>style.visibility</p:attrName>
-                                        </p:attrNameLst>
-                                      </p:cBhvr>
-                                      <p:to>
-                                        <p:strVal val="visible"/>
-                                      </p:to>
-                                    </p:set>
-                                    <p:animEffect transition="in" filter="fade">
-                                      <p:cBhvr>
-                                        <p:cTn id="13" dur="500"/>
-                                        <p:tgtEl>
-                                          <p:spTgt spid="3">
-                                            <p:txEl>
-                                              <p:pRg st="1" end="1"/>
-                                            </p:txEl>
-                                          </p:spTgt>
-                                        </p:tgtEl>
-                                      </p:cBhvr>
-                                    </p:animEffect>
-                                  </p:childTnLst>
-                                </p:cTn>
-                              </p:par>
-                              <p:par>
-                                <p:cTn id="14" presetID="10" presetClass="entr" presetSubtype="0" fill="hold" grpId="0" nodeType="withEffect">
-                                  <p:stCondLst>
-                                    <p:cond delay="2000"/>
-                                  </p:stCondLst>
-                                  <p:childTnLst>
-                                    <p:set>
-                                      <p:cBhvr>
-                                        <p:cTn id="15" dur="1" fill="hold">
-                                          <p:stCondLst>
-                                            <p:cond delay="0"/>
-                                          </p:stCondLst>
-                                        </p:cTn>
-                                        <p:tgtEl>
-                                          <p:spTgt spid="3">
-                                            <p:txEl>
-                                              <p:pRg st="2" end="2"/>
-                                            </p:txEl>
-                                          </p:spTgt>
-                                        </p:tgtEl>
-                                        <p:attrNameLst>
-                                          <p:attrName>style.visibility</p:attrName>
-                                        </p:attrNameLst>
-                                      </p:cBhvr>
-                                      <p:to>
-                                        <p:strVal val="visible"/>
-                                      </p:to>
-                                    </p:set>
-                                    <p:animEffect transition="in" filter="fade">
-                                      <p:cBhvr>
-                                        <p:cTn id="16" dur="500"/>
-                                        <p:tgtEl>
-                                          <p:spTgt spid="3">
-                                            <p:txEl>
-                                              <p:pRg st="2" end="2"/>
-                                            </p:txEl>
-                                          </p:spTgt>
+                                          <p:spTgt spid="10"/>
                                         </p:tgtEl>
                                       </p:cBhvr>
                                     </p:animEffect>
@@ -5499,20 +5709,20 @@
       </p:par>
     </p:tnLst>
     <p:bldLst>
-      <p:bldP spid="2" grpId="0"/>
-      <p:bldP spid="3" grpId="0" uiExpand="1" build="p"/>
+      <p:bldP spid="5" grpId="0"/>
+      <p:bldP spid="10" grpId="0"/>
     </p:bldLst>
   </p:timing>
 </p:sld>
 </file>
 
-<file path=ppt/slides/slide2.xml><?xml version="1.0" encoding="utf-8"?>
+<file path=ppt/slides/slide3.xml><?xml version="1.0" encoding="utf-8"?>
 <p:sld xmlns:a="http://schemas.openxmlformats.org/drawingml/2006/main" xmlns:r="http://schemas.openxmlformats.org/officeDocument/2006/relationships" xmlns:p="http://schemas.openxmlformats.org/presentationml/2006/main">
   <p:cSld>
     <p:bg>
       <p:bgPr>
         <a:solidFill>
-          <a:schemeClr val="bg1"/>
+          <a:srgbClr val="000000"/>
         </a:solidFill>
         <a:effectLst/>
       </p:bgPr>
@@ -5531,12 +5741,12 @@
           <a:chExt cx="0" cy="0"/>
         </a:xfrm>
       </p:grpSpPr>
-      <p:sp useBgFill="1">
-        <p:nvSpPr>
-          <p:cNvPr id="12" name="Rectangle 11">
-            <a:extLst>
-              <a:ext uri="{FF2B5EF4-FFF2-40B4-BE49-F238E27FC236}">
-                <a16:creationId xmlns:a16="http://schemas.microsoft.com/office/drawing/2014/main" id="{53B021B3-DE93-4AB7-8A18-CF5F1CED88B8}"/>
+      <p:sp>
+        <p:nvSpPr>
+          <p:cNvPr id="1051" name="Rectangle 1050">
+            <a:extLst>
+              <a:ext uri="{FF2B5EF4-FFF2-40B4-BE49-F238E27FC236}">
+                <a16:creationId xmlns:a16="http://schemas.microsoft.com/office/drawing/2014/main" id="{71B2258F-86CA-4D4D-8270-BC05FCDEBFB3}"/>
               </a:ext>
               <a:ext uri="{C183D7F6-B498-43B3-948B-1728B52AA6E4}">
                 <adec:decorative xmlns:adec="http://schemas.microsoft.com/office/drawing/2017/decorative" val="1"/>
@@ -5557,203 +5767,13 @@
         <p:spPr>
           <a:xfrm>
             <a:off x="0" y="0"/>
-            <a:ext cx="12192000" cy="6858000"/>
-          </a:xfrm>
-          <a:prstGeom prst="rect">
-            <a:avLst/>
-          </a:prstGeom>
-          <a:ln>
-            <a:noFill/>
-          </a:ln>
-        </p:spPr>
-        <p:style>
-          <a:lnRef idx="2">
-            <a:schemeClr val="accent1">
-              <a:shade val="50000"/>
-            </a:schemeClr>
-          </a:lnRef>
-          <a:fillRef idx="1">
-            <a:schemeClr val="accent1"/>
-          </a:fillRef>
-          <a:effectRef idx="0">
-            <a:schemeClr val="accent1"/>
-          </a:effectRef>
-          <a:fontRef idx="minor">
-            <a:schemeClr val="lt1"/>
-          </a:fontRef>
-        </p:style>
-        <p:txBody>
-          <a:bodyPr rtlCol="0" anchor="ctr"/>
-          <a:lstStyle/>
-          <a:p>
-            <a:pPr algn="ctr"/>
-            <a:endParaRPr lang="en-US"/>
-          </a:p>
-        </p:txBody>
-      </p:sp>
-      <p:sp>
-        <p:nvSpPr>
-          <p:cNvPr id="3" name="Заголовок 2">
-            <a:extLst>
-              <a:ext uri="{FF2B5EF4-FFF2-40B4-BE49-F238E27FC236}">
-                <a16:creationId xmlns:a16="http://schemas.microsoft.com/office/drawing/2014/main" id="{1F7A4DF1-3181-E828-F7E8-BEF34A468223}"/>
-              </a:ext>
-            </a:extLst>
-          </p:cNvPr>
-          <p:cNvSpPr>
-            <a:spLocks noGrp="1"/>
-          </p:cNvSpPr>
-          <p:nvPr>
-            <p:ph type="title"/>
-          </p:nvPr>
-        </p:nvSpPr>
-        <p:spPr>
-          <a:xfrm>
-            <a:off x="841247" y="256032"/>
-            <a:ext cx="2685724" cy="1014984"/>
-          </a:xfrm>
-        </p:spPr>
-        <p:txBody>
-          <a:bodyPr vert="horz" lIns="91440" tIns="45720" rIns="91440" bIns="45720" rtlCol="0" anchor="b">
-            <a:normAutofit fontScale="90000"/>
-          </a:bodyPr>
-          <a:lstStyle/>
-          <a:p>
-            <a:r>
-              <a:rPr lang="en-US" sz="4400" kern="1200" dirty="0" err="1">
-                <a:solidFill>
-                  <a:schemeClr val="tx1"/>
-                </a:solidFill>
-                <a:latin typeface="+mj-lt"/>
-                <a:ea typeface="+mj-ea"/>
-                <a:cs typeface="+mj-cs"/>
-              </a:rPr>
-              <a:t>Идея</a:t>
-            </a:r>
-            <a:r>
-              <a:rPr lang="ru-RU" sz="4400" kern="1200" dirty="0">
-                <a:solidFill>
-                  <a:schemeClr val="tx1"/>
-                </a:solidFill>
-                <a:latin typeface="+mj-lt"/>
-                <a:ea typeface="+mj-ea"/>
-                <a:cs typeface="+mj-cs"/>
-              </a:rPr>
-              <a:t> создания</a:t>
-            </a:r>
-            <a:endParaRPr lang="en-US" sz="4400" kern="1200" dirty="0">
-              <a:solidFill>
-                <a:schemeClr val="tx1"/>
-              </a:solidFill>
-              <a:latin typeface="+mj-lt"/>
-              <a:ea typeface="+mj-ea"/>
-              <a:cs typeface="+mj-cs"/>
-            </a:endParaRPr>
-          </a:p>
-        </p:txBody>
-      </p:sp>
-      <p:sp>
-        <p:nvSpPr>
-          <p:cNvPr id="14" name="Rectangle 13">
-            <a:extLst>
-              <a:ext uri="{FF2B5EF4-FFF2-40B4-BE49-F238E27FC236}">
-                <a16:creationId xmlns:a16="http://schemas.microsoft.com/office/drawing/2014/main" id="{52D502E5-F6B4-4D58-B4AE-FC466FF15EE8}"/>
-              </a:ext>
-              <a:ext uri="{C183D7F6-B498-43B3-948B-1728B52AA6E4}">
-                <adec:decorative xmlns:adec="http://schemas.microsoft.com/office/drawing/2017/decorative" val="1"/>
-              </a:ext>
-            </a:extLst>
-          </p:cNvPr>
-          <p:cNvSpPr>
-            <a:spLocks noGrp="1" noRot="1" noChangeAspect="1" noMove="1" noResize="1" noEditPoints="1" noAdjustHandles="1" noChangeArrowheads="1" noChangeShapeType="1" noTextEdit="1"/>
-          </p:cNvSpPr>
-          <p:nvPr>
-            <p:extLst>
-              <p:ext uri="{386F3935-93C4-4BCD-93E2-E3B085C9AB24}">
-                <p16:designElem xmlns:p16="http://schemas.microsoft.com/office/powerpoint/2015/main" val="1"/>
-              </p:ext>
-            </p:extLst>
-          </p:nvPr>
-        </p:nvSpPr>
-        <p:spPr>
-          <a:xfrm>
-            <a:off x="865953" y="1634502"/>
-            <a:ext cx="10451592" cy="18288"/>
+            <a:ext cx="12192000" cy="6857999"/>
           </a:xfrm>
           <a:prstGeom prst="rect">
             <a:avLst/>
           </a:prstGeom>
           <a:solidFill>
-            <a:srgbClr val="D5D5D5"/>
-          </a:solidFill>
-          <a:ln w="3175">
-            <a:noFill/>
-          </a:ln>
-          <a:effectLst/>
-        </p:spPr>
-        <p:style>
-          <a:lnRef idx="2">
-            <a:schemeClr val="accent1">
-              <a:shade val="50000"/>
-            </a:schemeClr>
-          </a:lnRef>
-          <a:fillRef idx="1">
-            <a:schemeClr val="accent1"/>
-          </a:fillRef>
-          <a:effectRef idx="0">
-            <a:schemeClr val="accent1"/>
-          </a:effectRef>
-          <a:fontRef idx="minor">
-            <a:schemeClr val="lt1"/>
-          </a:fontRef>
-        </p:style>
-        <p:txBody>
-          <a:bodyPr rtlCol="0" anchor="ctr"/>
-          <a:lstStyle/>
-          <a:p>
-            <a:pPr algn="ctr"/>
-            <a:endParaRPr lang="en-US">
-              <a:solidFill>
-                <a:prstClr val="white"/>
-              </a:solidFill>
-              <a:latin typeface="Calibri" panose="020F0502020204030204"/>
-            </a:endParaRPr>
-          </a:p>
-        </p:txBody>
-      </p:sp>
-      <p:sp>
-        <p:nvSpPr>
-          <p:cNvPr id="16" name="Rectangle 15">
-            <a:extLst>
-              <a:ext uri="{FF2B5EF4-FFF2-40B4-BE49-F238E27FC236}">
-                <a16:creationId xmlns:a16="http://schemas.microsoft.com/office/drawing/2014/main" id="{9DECDBF4-02B6-4BB4-B65B-B8107AD6A9E8}"/>
-              </a:ext>
-              <a:ext uri="{C183D7F6-B498-43B3-948B-1728B52AA6E4}">
-                <adec:decorative xmlns:adec="http://schemas.microsoft.com/office/drawing/2017/decorative" val="1"/>
-              </a:ext>
-            </a:extLst>
-          </p:cNvPr>
-          <p:cNvSpPr>
-            <a:spLocks noGrp="1" noRot="1" noChangeAspect="1" noMove="1" noResize="1" noEditPoints="1" noAdjustHandles="1" noChangeArrowheads="1" noChangeShapeType="1" noTextEdit="1"/>
-          </p:cNvSpPr>
-          <p:nvPr>
-            <p:extLst>
-              <p:ext uri="{386F3935-93C4-4BCD-93E2-E3B085C9AB24}">
-                <p16:designElem xmlns:p16="http://schemas.microsoft.com/office/powerpoint/2015/main" val="1"/>
-              </p:ext>
-            </p:extLst>
-          </p:nvPr>
-        </p:nvSpPr>
-        <p:spPr>
-          <a:xfrm flipV="1">
-            <a:off x="841248" y="1538176"/>
-            <a:ext cx="1873457" cy="109814"/>
-          </a:xfrm>
-          <a:prstGeom prst="rect">
-            <a:avLst/>
-          </a:prstGeom>
-          <a:solidFill>
-            <a:schemeClr val="accent2"/>
+            <a:srgbClr val="000000"/>
           </a:solidFill>
           <a:ln>
             <a:noFill/>
@@ -5780,21 +5800,368 @@
           <a:lstStyle/>
           <a:p>
             <a:pPr algn="ctr"/>
-            <a:endParaRPr lang="en-US">
+            <a:endParaRPr lang="en-US"/>
+          </a:p>
+        </p:txBody>
+      </p:sp>
+      <p:pic>
+        <p:nvPicPr>
+          <p:cNvPr id="7" name="Объект 6" descr="Изображение выглядит как графическая вставка, Графика, символ, мультфильм&#10;&#10;Автоматически созданное описание">
+            <a:extLst>
+              <a:ext uri="{FF2B5EF4-FFF2-40B4-BE49-F238E27FC236}">
+                <a16:creationId xmlns:a16="http://schemas.microsoft.com/office/drawing/2014/main" id="{F412A128-BE10-0DDC-C265-72E7893A86BF}"/>
+              </a:ext>
+            </a:extLst>
+          </p:cNvPr>
+          <p:cNvPicPr>
+            <a:picLocks noChangeAspect="1"/>
+          </p:cNvPicPr>
+          <p:nvPr/>
+        </p:nvPicPr>
+        <p:blipFill rotWithShape="1">
+          <a:blip r:embed="rId2">
+            <a:alphaModFix amt="50000"/>
+          </a:blip>
+          <a:srcRect t="32882" r="1" b="15791"/>
+          <a:stretch/>
+        </p:blipFill>
+        <p:spPr>
+          <a:xfrm>
+            <a:off x="20" y="1"/>
+            <a:ext cx="12191980" cy="6857999"/>
+          </a:xfrm>
+          <a:prstGeom prst="rect">
+            <a:avLst/>
+          </a:prstGeom>
+        </p:spPr>
+      </p:pic>
+      <p:sp>
+        <p:nvSpPr>
+          <p:cNvPr id="2" name="Заголовок 1">
+            <a:extLst>
+              <a:ext uri="{FF2B5EF4-FFF2-40B4-BE49-F238E27FC236}">
+                <a16:creationId xmlns:a16="http://schemas.microsoft.com/office/drawing/2014/main" id="{223514A8-92CA-6A2B-975C-BA0A76A3E57F}"/>
+              </a:ext>
+            </a:extLst>
+          </p:cNvPr>
+          <p:cNvSpPr>
+            <a:spLocks noGrp="1"/>
+          </p:cNvSpPr>
+          <p:nvPr>
+            <p:ph type="title"/>
+          </p:nvPr>
+        </p:nvSpPr>
+        <p:spPr>
+          <a:xfrm>
+            <a:off x="1524000" y="1122362"/>
+            <a:ext cx="9144000" cy="2900518"/>
+          </a:xfrm>
+        </p:spPr>
+        <p:txBody>
+          <a:bodyPr vert="horz" lIns="91440" tIns="45720" rIns="91440" bIns="45720" rtlCol="0" anchor="b">
+            <a:normAutofit/>
+          </a:bodyPr>
+          <a:lstStyle/>
+          <a:p>
+            <a:pPr algn="ctr"/>
+            <a:r>
+              <a:rPr lang="ru-RU" sz="6000" dirty="0">
+                <a:solidFill>
+                  <a:srgbClr val="FFFFFF"/>
+                </a:solidFill>
+              </a:rPr>
+              <a:t>Основные </a:t>
+            </a:r>
+            <a:r>
+              <a:rPr lang="ru-RU" sz="6000" dirty="0" err="1">
+                <a:solidFill>
+                  <a:srgbClr val="FFFFFF"/>
+                </a:solidFill>
+              </a:rPr>
+              <a:t>библеотеки</a:t>
+            </a:r>
+            <a:endParaRPr lang="en-US" sz="6000" dirty="0">
               <a:solidFill>
-                <a:prstClr val="white"/>
+                <a:srgbClr val="FFFFFF"/>
               </a:solidFill>
-              <a:latin typeface="Calibri" panose="020F0502020204030204"/>
             </a:endParaRPr>
           </a:p>
         </p:txBody>
       </p:sp>
-      <p:sp>
-        <p:nvSpPr>
-          <p:cNvPr id="4" name="TextBox 3">
-            <a:extLst>
-              <a:ext uri="{FF2B5EF4-FFF2-40B4-BE49-F238E27FC236}">
-                <a16:creationId xmlns:a16="http://schemas.microsoft.com/office/drawing/2014/main" id="{FD66C458-68BD-EF05-DA36-EFFB50932357}"/>
+    </p:spTree>
+    <p:extLst>
+      <p:ext uri="{BB962C8B-B14F-4D97-AF65-F5344CB8AC3E}">
+        <p14:creationId xmlns:p14="http://schemas.microsoft.com/office/powerpoint/2010/main" val="1712980117"/>
+      </p:ext>
+    </p:extLst>
+  </p:cSld>
+  <p:clrMapOvr>
+    <a:overrideClrMapping bg1="dk1" tx1="lt1" bg2="dk2" tx2="lt2" accent1="accent1" accent2="accent2" accent3="accent3" accent4="accent4" accent5="accent5" accent6="accent6" hlink="hlink" folHlink="folHlink"/>
+  </p:clrMapOvr>
+</p:sld>
+</file>
+
+<file path=ppt/slides/slide4.xml><?xml version="1.0" encoding="utf-8"?>
+<p:sld xmlns:a="http://schemas.openxmlformats.org/drawingml/2006/main" xmlns:r="http://schemas.openxmlformats.org/officeDocument/2006/relationships" xmlns:p="http://schemas.openxmlformats.org/presentationml/2006/main">
+  <p:cSld>
+    <p:bg>
+      <p:bgPr>
+        <a:solidFill>
+          <a:srgbClr val="000000"/>
+        </a:solidFill>
+        <a:effectLst/>
+      </p:bgPr>
+    </p:bg>
+    <p:spTree>
+      <p:nvGrpSpPr>
+        <p:cNvPr id="1" name=""/>
+        <p:cNvGrpSpPr/>
+        <p:nvPr/>
+      </p:nvGrpSpPr>
+      <p:grpSpPr>
+        <a:xfrm>
+          <a:off x="0" y="0"/>
+          <a:ext cx="0" cy="0"/>
+          <a:chOff x="0" y="0"/>
+          <a:chExt cx="0" cy="0"/>
+        </a:xfrm>
+      </p:grpSpPr>
+      <p:sp>
+        <p:nvSpPr>
+          <p:cNvPr id="2102" name="Rectangle 2097">
+            <a:extLst>
+              <a:ext uri="{FF2B5EF4-FFF2-40B4-BE49-F238E27FC236}">
+                <a16:creationId xmlns:a16="http://schemas.microsoft.com/office/drawing/2014/main" id="{71B2258F-86CA-4D4D-8270-BC05FCDEBFB3}"/>
+              </a:ext>
+              <a:ext uri="{C183D7F6-B498-43B3-948B-1728B52AA6E4}">
+                <adec:decorative xmlns:adec="http://schemas.microsoft.com/office/drawing/2017/decorative" val="1"/>
+              </a:ext>
+            </a:extLst>
+          </p:cNvPr>
+          <p:cNvSpPr>
+            <a:spLocks noGrp="1" noRot="1" noChangeAspect="1" noMove="1" noResize="1" noEditPoints="1" noAdjustHandles="1" noChangeArrowheads="1" noChangeShapeType="1" noTextEdit="1"/>
+          </p:cNvSpPr>
+          <p:nvPr>
+            <p:extLst>
+              <p:ext uri="{386F3935-93C4-4BCD-93E2-E3B085C9AB24}">
+                <p16:designElem xmlns:p16="http://schemas.microsoft.com/office/powerpoint/2015/main" val="1"/>
+              </p:ext>
+            </p:extLst>
+          </p:nvPr>
+        </p:nvSpPr>
+        <p:spPr>
+          <a:xfrm>
+            <a:off x="0" y="0"/>
+            <a:ext cx="12192000" cy="6857999"/>
+          </a:xfrm>
+          <a:prstGeom prst="rect">
+            <a:avLst/>
+          </a:prstGeom>
+          <a:solidFill>
+            <a:srgbClr val="000000"/>
+          </a:solidFill>
+          <a:ln>
+            <a:noFill/>
+          </a:ln>
+        </p:spPr>
+        <p:style>
+          <a:lnRef idx="2">
+            <a:schemeClr val="accent1">
+              <a:shade val="50000"/>
+            </a:schemeClr>
+          </a:lnRef>
+          <a:fillRef idx="1">
+            <a:schemeClr val="accent1"/>
+          </a:fillRef>
+          <a:effectRef idx="0">
+            <a:schemeClr val="accent1"/>
+          </a:effectRef>
+          <a:fontRef idx="minor">
+            <a:schemeClr val="lt1"/>
+          </a:fontRef>
+        </p:style>
+        <p:txBody>
+          <a:bodyPr rtlCol="0" anchor="ctr"/>
+          <a:lstStyle/>
+          <a:p>
+            <a:pPr algn="ctr"/>
+            <a:endParaRPr lang="en-US"/>
+          </a:p>
+        </p:txBody>
+      </p:sp>
+      <p:pic>
+        <p:nvPicPr>
+          <p:cNvPr id="2052" name="Picture 4" descr="Getting Started With PyGame For Kids in 2023">
+            <a:extLst>
+              <a:ext uri="{FF2B5EF4-FFF2-40B4-BE49-F238E27FC236}">
+                <a16:creationId xmlns:a16="http://schemas.microsoft.com/office/drawing/2014/main" id="{B68A7405-FDFC-0602-846C-BABF03F1EEEF}"/>
+              </a:ext>
+            </a:extLst>
+          </p:cNvPr>
+          <p:cNvPicPr>
+            <a:picLocks noChangeAspect="1" noChangeArrowheads="1"/>
+          </p:cNvPicPr>
+          <p:nvPr/>
+        </p:nvPicPr>
+        <p:blipFill rotWithShape="1">
+          <a:blip r:embed="rId2">
+            <a:alphaModFix amt="50000"/>
+            <a:extLst>
+              <a:ext uri="{28A0092B-C50C-407E-A947-70E740481C1C}">
+                <a14:useLocalDpi xmlns:a14="http://schemas.microsoft.com/office/drawing/2010/main" val="0"/>
+              </a:ext>
+            </a:extLst>
+          </a:blip>
+          <a:srcRect t="12351" b="3380"/>
+          <a:stretch/>
+        </p:blipFill>
+        <p:spPr bwMode="auto">
+          <a:xfrm>
+            <a:off x="20" y="21351"/>
+            <a:ext cx="12191980" cy="6857999"/>
+          </a:xfrm>
+          <a:prstGeom prst="rect">
+            <a:avLst/>
+          </a:prstGeom>
+          <a:noFill/>
+          <a:extLst>
+            <a:ext uri="{909E8E84-426E-40DD-AFC4-6F175D3DCCD1}">
+              <a14:hiddenFill xmlns:a14="http://schemas.microsoft.com/office/drawing/2010/main">
+                <a:solidFill>
+                  <a:srgbClr val="FFFFFF"/>
+                </a:solidFill>
+              </a14:hiddenFill>
+            </a:ext>
+          </a:extLst>
+        </p:spPr>
+      </p:pic>
+      <p:sp>
+        <p:nvSpPr>
+          <p:cNvPr id="3" name="Объект 2">
+            <a:extLst>
+              <a:ext uri="{FF2B5EF4-FFF2-40B4-BE49-F238E27FC236}">
+                <a16:creationId xmlns:a16="http://schemas.microsoft.com/office/drawing/2014/main" id="{EFEA674A-2720-8510-1FF6-6791BDF68420}"/>
+              </a:ext>
+            </a:extLst>
+          </p:cNvPr>
+          <p:cNvSpPr>
+            <a:spLocks noGrp="1"/>
+          </p:cNvSpPr>
+          <p:nvPr>
+            <p:ph sz="quarter" idx="10"/>
+          </p:nvPr>
+        </p:nvSpPr>
+        <p:spPr>
+          <a:xfrm>
+            <a:off x="1524000" y="4653926"/>
+            <a:ext cx="9144000" cy="1098395"/>
+          </a:xfrm>
+        </p:spPr>
+        <p:txBody>
+          <a:bodyPr vert="horz" lIns="91440" tIns="45720" rIns="91440" bIns="45720" rtlCol="0">
+            <a:normAutofit/>
+          </a:bodyPr>
+          <a:lstStyle/>
+          <a:p>
+            <a:pPr marL="0" indent="0" algn="ctr">
+              <a:buNone/>
+            </a:pPr>
+            <a:r>
+              <a:rPr lang="en-US" sz="2400" dirty="0">
+                <a:solidFill>
+                  <a:srgbClr val="FFFFFF"/>
+                </a:solidFill>
+              </a:rPr>
+              <a:t>PYGAME – </a:t>
+            </a:r>
+            <a:r>
+              <a:rPr lang="ru-RU" sz="2000" dirty="0"/>
+              <a:t>набор модулей (библиотек) языка программирования Python, предназначенный для написания компьютерных игр</a:t>
+            </a:r>
+            <a:endParaRPr lang="en-US" sz="2000" dirty="0">
+              <a:solidFill>
+                <a:srgbClr val="FFFFFF"/>
+              </a:solidFill>
+            </a:endParaRPr>
+          </a:p>
+        </p:txBody>
+      </p:sp>
+    </p:spTree>
+    <p:extLst>
+      <p:ext uri="{BB962C8B-B14F-4D97-AF65-F5344CB8AC3E}">
+        <p14:creationId xmlns:p14="http://schemas.microsoft.com/office/powerpoint/2010/main" val="2585472108"/>
+      </p:ext>
+    </p:extLst>
+  </p:cSld>
+  <p:clrMapOvr>
+    <a:overrideClrMapping bg1="dk1" tx1="lt1" bg2="dk2" tx2="lt2" accent1="accent1" accent2="accent2" accent3="accent3" accent4="accent4" accent5="accent5" accent6="accent6" hlink="hlink" folHlink="folHlink"/>
+  </p:clrMapOvr>
+</p:sld>
+</file>
+
+<file path=ppt/slides/slide5.xml><?xml version="1.0" encoding="utf-8"?>
+<p:sld xmlns:a="http://schemas.openxmlformats.org/drawingml/2006/main" xmlns:r="http://schemas.openxmlformats.org/officeDocument/2006/relationships" xmlns:p="http://schemas.openxmlformats.org/presentationml/2006/main" showMasterSp="0">
+  <p:cSld>
+    <p:bg>
+      <p:bgPr>
+        <a:solidFill>
+          <a:schemeClr val="tx1">
+            <a:lumMod val="50000"/>
+            <a:lumOff val="50000"/>
+          </a:schemeClr>
+        </a:solidFill>
+        <a:effectLst/>
+      </p:bgPr>
+    </p:bg>
+    <p:spTree>
+      <p:nvGrpSpPr>
+        <p:cNvPr id="1" name=""/>
+        <p:cNvGrpSpPr/>
+        <p:nvPr/>
+      </p:nvGrpSpPr>
+      <p:grpSpPr>
+        <a:xfrm>
+          <a:off x="0" y="0"/>
+          <a:ext cx="0" cy="0"/>
+          <a:chOff x="0" y="0"/>
+          <a:chExt cx="0" cy="0"/>
+        </a:xfrm>
+      </p:grpSpPr>
+      <p:pic>
+        <p:nvPicPr>
+          <p:cNvPr id="5" name="Объект 4" descr="Изображение выглядит как текст, фантастика, снимок экрана, Компьютерная игра&#10;&#10;Автоматически созданное описание">
+            <a:extLst>
+              <a:ext uri="{FF2B5EF4-FFF2-40B4-BE49-F238E27FC236}">
+                <a16:creationId xmlns:a16="http://schemas.microsoft.com/office/drawing/2014/main" id="{57995619-E02E-B55E-5484-E066EA22A0D7}"/>
+              </a:ext>
+            </a:extLst>
+          </p:cNvPr>
+          <p:cNvPicPr>
+            <a:picLocks noGrp="1" noChangeAspect="1"/>
+          </p:cNvPicPr>
+          <p:nvPr>
+            <p:ph sz="quarter" idx="10"/>
+          </p:nvPr>
+        </p:nvPicPr>
+        <p:blipFill>
+          <a:blip r:embed="rId2"/>
+          <a:stretch>
+            <a:fillRect/>
+          </a:stretch>
+        </p:blipFill>
+        <p:spPr>
+          <a:xfrm>
+            <a:off x="594341" y="1468930"/>
+            <a:ext cx="4635489" cy="4813999"/>
+          </a:xfrm>
+        </p:spPr>
+      </p:pic>
+      <p:sp>
+        <p:nvSpPr>
+          <p:cNvPr id="6" name="TextBox 5">
+            <a:extLst>
+              <a:ext uri="{FF2B5EF4-FFF2-40B4-BE49-F238E27FC236}">
+                <a16:creationId xmlns:a16="http://schemas.microsoft.com/office/drawing/2014/main" id="{F38EBF76-931D-7206-0695-42281DAEDC6A}"/>
               </a:ext>
             </a:extLst>
           </p:cNvPr>
@@ -5803,8 +6170,8 @@
         </p:nvSpPr>
         <p:spPr>
           <a:xfrm>
-            <a:off x="315045" y="3501563"/>
-            <a:ext cx="3725110" cy="1047979"/>
+            <a:off x="594341" y="649716"/>
+            <a:ext cx="4865615" cy="646331"/>
           </a:xfrm>
           <a:prstGeom prst="rect">
             <a:avLst/>
@@ -5817,76 +6184,23 @@
           </a:bodyPr>
           <a:lstStyle/>
           <a:p>
-            <a:pPr defTabSz="1051560">
-              <a:spcAft>
-                <a:spcPts val="600"/>
-              </a:spcAft>
-            </a:pPr>
-            <a:r>
-              <a:rPr lang="ru-RU" sz="2070" kern="1200" dirty="0">
+            <a:r>
+              <a:rPr lang="ru-RU" sz="3600" dirty="0">
                 <a:solidFill>
-                  <a:srgbClr val="000000"/>
+                  <a:schemeClr val="bg1"/>
                 </a:solidFill>
-                <a:latin typeface="Times New Roman" panose="02020603050405020304" pitchFamily="18" charset="0"/>
-                <a:ea typeface="+mn-ea"/>
-                <a:cs typeface="+mn-cs"/>
               </a:rPr>
-              <a:t>Идея: создать пиксельную </a:t>
-            </a:r>
-            <a:r>
-              <a:rPr lang="ru-RU" sz="2070" kern="1200" dirty="0" err="1">
-                <a:solidFill>
-                  <a:srgbClr val="000000"/>
-                </a:solidFill>
-                <a:latin typeface="Times New Roman" panose="02020603050405020304" pitchFamily="18" charset="0"/>
-                <a:ea typeface="+mn-ea"/>
-                <a:cs typeface="+mn-cs"/>
-              </a:rPr>
-              <a:t>roguelike</a:t>
-            </a:r>
-            <a:r>
-              <a:rPr lang="ru-RU" sz="2070" kern="1200" dirty="0">
-                <a:solidFill>
-                  <a:srgbClr val="000000"/>
-                </a:solidFill>
-                <a:latin typeface="Times New Roman" panose="02020603050405020304" pitchFamily="18" charset="0"/>
-                <a:ea typeface="+mn-ea"/>
-                <a:cs typeface="+mn-cs"/>
-              </a:rPr>
-              <a:t>-RPG в стиле игры ''</a:t>
-            </a:r>
-            <a:r>
-              <a:rPr lang="ru-RU" sz="2070" kern="1200" dirty="0" err="1">
-                <a:solidFill>
-                  <a:srgbClr val="000000"/>
-                </a:solidFill>
-                <a:latin typeface="Times New Roman" panose="02020603050405020304" pitchFamily="18" charset="0"/>
-                <a:ea typeface="+mn-ea"/>
-                <a:cs typeface="+mn-cs"/>
-              </a:rPr>
-              <a:t>Soul</a:t>
-            </a:r>
-            <a:r>
-              <a:rPr lang="ru-RU" sz="2070" kern="1200" dirty="0">
-                <a:solidFill>
-                  <a:srgbClr val="000000"/>
-                </a:solidFill>
-                <a:latin typeface="Times New Roman" panose="02020603050405020304" pitchFamily="18" charset="0"/>
-                <a:ea typeface="+mn-ea"/>
-                <a:cs typeface="+mn-cs"/>
-              </a:rPr>
-              <a:t> Knight''</a:t>
-            </a:r>
-            <a:endParaRPr lang="ru-RU" dirty="0"/>
+              <a:t>Реализованы меню</a:t>
+            </a:r>
           </a:p>
         </p:txBody>
       </p:sp>
       <p:pic>
         <p:nvPicPr>
-          <p:cNvPr id="13" name="Рисунок 12" descr="Изображение выглядит как мультфильм, свет, искусство">
-            <a:extLst>
-              <a:ext uri="{FF2B5EF4-FFF2-40B4-BE49-F238E27FC236}">
-                <a16:creationId xmlns:a16="http://schemas.microsoft.com/office/drawing/2014/main" id="{5AB4C9DB-249A-1B1A-86A7-D2F866D65730}"/>
+          <p:cNvPr id="9" name="Рисунок 8" descr="Изображение выглядит как текст, фантастика, Компьютерная игра, снимок экрана&#10;&#10;Автоматически созданное описание">
+            <a:extLst>
+              <a:ext uri="{FF2B5EF4-FFF2-40B4-BE49-F238E27FC236}">
+                <a16:creationId xmlns:a16="http://schemas.microsoft.com/office/drawing/2014/main" id="{121000A8-5EF3-DABC-D9C4-83D3E4C6240D}"/>
               </a:ext>
             </a:extLst>
           </p:cNvPr>
@@ -5903,8 +6217,8 @@
         </p:blipFill>
         <p:spPr>
           <a:xfrm>
-            <a:off x="4355200" y="2294246"/>
-            <a:ext cx="3462612" cy="3462612"/>
+            <a:off x="6096000" y="1509066"/>
+            <a:ext cx="4635490" cy="4773863"/>
           </a:xfrm>
           <a:prstGeom prst="rect">
             <a:avLst/>
@@ -5914,21 +6228,96 @@
     </p:spTree>
     <p:extLst>
       <p:ext uri="{BB962C8B-B14F-4D97-AF65-F5344CB8AC3E}">
-        <p14:creationId xmlns:p14="http://schemas.microsoft.com/office/powerpoint/2010/main" val="3457616166"/>
+        <p14:creationId xmlns:p14="http://schemas.microsoft.com/office/powerpoint/2010/main" val="3032122871"/>
       </p:ext>
     </p:extLst>
   </p:cSld>
   <p:clrMapOvr>
     <a:masterClrMapping/>
   </p:clrMapOvr>
-  <mc:AlternateContent xmlns:mc="http://schemas.openxmlformats.org/markup-compatibility/2006" xmlns:p14="http://schemas.microsoft.com/office/powerpoint/2010/main">
-    <mc:Choice Requires="p14">
-      <p:transition p14:dur="10"/>
-    </mc:Choice>
-    <mc:Fallback xmlns="">
-      <p:transition/>
-    </mc:Fallback>
-  </mc:AlternateContent>
+</p:sld>
+</file>
+
+<file path=ppt/slides/slide6.xml><?xml version="1.0" encoding="utf-8"?>
+<p:sld xmlns:a="http://schemas.openxmlformats.org/drawingml/2006/main" xmlns:r="http://schemas.openxmlformats.org/officeDocument/2006/relationships" xmlns:p="http://schemas.openxmlformats.org/presentationml/2006/main">
+  <p:cSld>
+    <p:spTree>
+      <p:nvGrpSpPr>
+        <p:cNvPr id="1" name=""/>
+        <p:cNvGrpSpPr/>
+        <p:nvPr/>
+      </p:nvGrpSpPr>
+      <p:grpSpPr>
+        <a:xfrm>
+          <a:off x="0" y="0"/>
+          <a:ext cx="0" cy="0"/>
+          <a:chOff x="0" y="0"/>
+          <a:chExt cx="0" cy="0"/>
+        </a:xfrm>
+      </p:grpSpPr>
+      <p:sp>
+        <p:nvSpPr>
+          <p:cNvPr id="2" name="Заголовок 1">
+            <a:extLst>
+              <a:ext uri="{FF2B5EF4-FFF2-40B4-BE49-F238E27FC236}">
+                <a16:creationId xmlns:a16="http://schemas.microsoft.com/office/drawing/2014/main" id="{C098F19B-805A-FAB0-FDB9-98B200434096}"/>
+              </a:ext>
+            </a:extLst>
+          </p:cNvPr>
+          <p:cNvSpPr>
+            <a:spLocks noGrp="1"/>
+          </p:cNvSpPr>
+          <p:nvPr>
+            <p:ph type="title"/>
+          </p:nvPr>
+        </p:nvSpPr>
+        <p:spPr/>
+        <p:txBody>
+          <a:bodyPr/>
+          <a:lstStyle/>
+          <a:p>
+            <a:r>
+              <a:rPr lang="ru-RU" dirty="0"/>
+              <a:t>Вывод</a:t>
+            </a:r>
+          </a:p>
+        </p:txBody>
+      </p:sp>
+      <p:sp>
+        <p:nvSpPr>
+          <p:cNvPr id="3" name="Объект 2">
+            <a:extLst>
+              <a:ext uri="{FF2B5EF4-FFF2-40B4-BE49-F238E27FC236}">
+                <a16:creationId xmlns:a16="http://schemas.microsoft.com/office/drawing/2014/main" id="{C5E96C2F-1C08-6598-C8B7-757FE11843D3}"/>
+              </a:ext>
+            </a:extLst>
+          </p:cNvPr>
+          <p:cNvSpPr>
+            <a:spLocks noGrp="1"/>
+          </p:cNvSpPr>
+          <p:nvPr>
+            <p:ph sz="quarter" idx="10"/>
+          </p:nvPr>
+        </p:nvSpPr>
+        <p:spPr/>
+        <p:txBody>
+          <a:bodyPr/>
+          <a:lstStyle/>
+          <a:p>
+            <a:endParaRPr lang="ru-RU"/>
+          </a:p>
+        </p:txBody>
+      </p:sp>
+    </p:spTree>
+    <p:extLst>
+      <p:ext uri="{BB962C8B-B14F-4D97-AF65-F5344CB8AC3E}">
+        <p14:creationId xmlns:p14="http://schemas.microsoft.com/office/powerpoint/2010/main" val="3845412708"/>
+      </p:ext>
+    </p:extLst>
+  </p:cSld>
+  <p:clrMapOvr>
+    <a:masterClrMapping/>
+  </p:clrMapOvr>
 </p:sld>
 </file>
 

--- a/presentation.pptx
+++ b/presentation.pptx
@@ -5,18 +5,21 @@
     <p:sldMasterId id="2147483684" r:id="rId1"/>
   </p:sldMasterIdLst>
   <p:notesMasterIdLst>
-    <p:notesMasterId r:id="rId8"/>
+    <p:notesMasterId r:id="rId11"/>
   </p:notesMasterIdLst>
   <p:handoutMasterIdLst>
-    <p:handoutMasterId r:id="rId9"/>
+    <p:handoutMasterId r:id="rId12"/>
   </p:handoutMasterIdLst>
   <p:sldIdLst>
     <p:sldId id="256" r:id="rId2"/>
     <p:sldId id="271" r:id="rId3"/>
     <p:sldId id="272" r:id="rId4"/>
-    <p:sldId id="273" r:id="rId5"/>
-    <p:sldId id="274" r:id="rId6"/>
-    <p:sldId id="275" r:id="rId7"/>
+    <p:sldId id="278" r:id="rId5"/>
+    <p:sldId id="273" r:id="rId6"/>
+    <p:sldId id="276" r:id="rId7"/>
+    <p:sldId id="277" r:id="rId8"/>
+    <p:sldId id="274" r:id="rId9"/>
+    <p:sldId id="275" r:id="rId10"/>
   </p:sldIdLst>
   <p:sldSz cx="12192000" cy="6858000"/>
   <p:notesSz cx="6858000" cy="9144000"/>
@@ -127,7 +130,10 @@
           <p14:sldIdLst>
             <p14:sldId id="271"/>
             <p14:sldId id="272"/>
+            <p14:sldId id="278"/>
             <p14:sldId id="273"/>
+            <p14:sldId id="276"/>
+            <p14:sldId id="277"/>
             <p14:sldId id="274"/>
             <p14:sldId id="275"/>
           </p14:sldIdLst>
@@ -248,7 +254,7 @@
             <a:pPr rtl="0"/>
             <a:fld id="{3EF2CABD-ADFB-4662-86FE-964DAD288E0E}" type="datetime1">
               <a:rPr lang="ru-RU" smtClean="0"/>
-              <a:t>16.01.2024</a:t>
+              <a:t>19.01.2024</a:t>
             </a:fld>
             <a:endParaRPr lang="ru-RU"/>
           </a:p>
@@ -418,7 +424,7 @@
             <a:fld id="{68B812D4-DBF0-450F-B19D-420CCD76CB60}" type="datetime1">
               <a:rPr lang="ru-RU" smtClean="0"/>
               <a:pPr/>
-              <a:t>16.01.2024</a:t>
+              <a:t>19.01.2024</a:t>
             </a:fld>
             <a:endParaRPr lang="ru-RU" dirty="0"/>
           </a:p>
@@ -1013,7 +1019,7 @@
             <a:pPr rtl="0"/>
             <a:fld id="{0E309820-F966-41D6-9A9E-F094402396DD}" type="datetime1">
               <a:rPr lang="ru-RU" noProof="0" smtClean="0"/>
-              <a:t>16.01.2024</a:t>
+              <a:t>19.01.2024</a:t>
             </a:fld>
             <a:endParaRPr lang="ru-RU" noProof="0" dirty="0"/>
           </a:p>
@@ -1216,7 +1222,7 @@
             <a:pPr rtl="0"/>
             <a:fld id="{0E309820-F966-41D6-9A9E-F094402396DD}" type="datetime1">
               <a:rPr lang="ru-RU" noProof="0" smtClean="0"/>
-              <a:t>16.01.2024</a:t>
+              <a:t>19.01.2024</a:t>
             </a:fld>
             <a:endParaRPr lang="ru-RU" noProof="0" dirty="0"/>
           </a:p>
@@ -1429,7 +1435,7 @@
             <a:pPr rtl="0"/>
             <a:fld id="{0E309820-F966-41D6-9A9E-F094402396DD}" type="datetime1">
               <a:rPr lang="ru-RU" noProof="0" smtClean="0"/>
-              <a:t>16.01.2024</a:t>
+              <a:t>19.01.2024</a:t>
             </a:fld>
             <a:endParaRPr lang="ru-RU" noProof="0" dirty="0"/>
           </a:p>
@@ -1944,7 +1950,7 @@
             <a:pPr rtl="0"/>
             <a:fld id="{94BFA7FF-3CFD-4CAD-BB9E-67BC1F4C890D}" type="datetime1">
               <a:rPr lang="ru-RU" noProof="0" smtClean="0"/>
-              <a:t>16.01.2024</a:t>
+              <a:t>19.01.2024</a:t>
             </a:fld>
             <a:endParaRPr lang="ru-RU" noProof="0"/>
           </a:p>
@@ -2172,7 +2178,7 @@
             <a:pPr rtl="0"/>
             <a:fld id="{0E309820-F966-41D6-9A9E-F094402396DD}" type="datetime1">
               <a:rPr lang="ru-RU" noProof="0" smtClean="0"/>
-              <a:t>16.01.2024</a:t>
+              <a:t>19.01.2024</a:t>
             </a:fld>
             <a:endParaRPr lang="ru-RU" noProof="0" dirty="0"/>
           </a:p>
@@ -2452,7 +2458,7 @@
             <a:pPr rtl="0"/>
             <a:fld id="{0E309820-F966-41D6-9A9E-F094402396DD}" type="datetime1">
               <a:rPr lang="ru-RU" noProof="0" smtClean="0"/>
-              <a:t>16.01.2024</a:t>
+              <a:t>19.01.2024</a:t>
             </a:fld>
             <a:endParaRPr lang="ru-RU" noProof="0" dirty="0"/>
           </a:p>
@@ -2722,7 +2728,7 @@
             <a:pPr rtl="0"/>
             <a:fld id="{0E309820-F966-41D6-9A9E-F094402396DD}" type="datetime1">
               <a:rPr lang="ru-RU" noProof="0" smtClean="0"/>
-              <a:t>16.01.2024</a:t>
+              <a:t>19.01.2024</a:t>
             </a:fld>
             <a:endParaRPr lang="ru-RU" noProof="0" dirty="0"/>
           </a:p>
@@ -3139,7 +3145,7 @@
             <a:pPr rtl="0"/>
             <a:fld id="{0E309820-F966-41D6-9A9E-F094402396DD}" type="datetime1">
               <a:rPr lang="ru-RU" noProof="0" smtClean="0"/>
-              <a:t>16.01.2024</a:t>
+              <a:t>19.01.2024</a:t>
             </a:fld>
             <a:endParaRPr lang="ru-RU" noProof="0" dirty="0"/>
           </a:p>
@@ -3285,7 +3291,7 @@
             <a:pPr rtl="0"/>
             <a:fld id="{0E309820-F966-41D6-9A9E-F094402396DD}" type="datetime1">
               <a:rPr lang="ru-RU" noProof="0" smtClean="0"/>
-              <a:t>16.01.2024</a:t>
+              <a:t>19.01.2024</a:t>
             </a:fld>
             <a:endParaRPr lang="ru-RU" noProof="0" dirty="0"/>
           </a:p>
@@ -3403,7 +3409,7 @@
             <a:pPr rtl="0"/>
             <a:fld id="{0E309820-F966-41D6-9A9E-F094402396DD}" type="datetime1">
               <a:rPr lang="ru-RU" noProof="0" smtClean="0"/>
-              <a:t>16.01.2024</a:t>
+              <a:t>19.01.2024</a:t>
             </a:fld>
             <a:endParaRPr lang="ru-RU" noProof="0" dirty="0"/>
           </a:p>
@@ -3719,7 +3725,7 @@
             <a:pPr rtl="0"/>
             <a:fld id="{0E309820-F966-41D6-9A9E-F094402396DD}" type="datetime1">
               <a:rPr lang="ru-RU" noProof="0" smtClean="0"/>
-              <a:t>16.01.2024</a:t>
+              <a:t>19.01.2024</a:t>
             </a:fld>
             <a:endParaRPr lang="ru-RU" noProof="0" dirty="0"/>
           </a:p>
@@ -4012,7 +4018,7 @@
             <a:pPr rtl="0"/>
             <a:fld id="{0E309820-F966-41D6-9A9E-F094402396DD}" type="datetime1">
               <a:rPr lang="ru-RU" noProof="0" smtClean="0"/>
-              <a:t>16.01.2024</a:t>
+              <a:t>19.01.2024</a:t>
             </a:fld>
             <a:endParaRPr lang="ru-RU" noProof="0" dirty="0"/>
           </a:p>
@@ -4258,7 +4264,7 @@
             <a:pPr rtl="0"/>
             <a:fld id="{0E309820-F966-41D6-9A9E-F094402396DD}" type="datetime1">
               <a:rPr lang="ru-RU" noProof="0" smtClean="0"/>
-              <a:t>16.01.2024</a:t>
+              <a:t>19.01.2024</a:t>
             </a:fld>
             <a:endParaRPr lang="ru-RU" noProof="0" dirty="0"/>
           </a:p>
@@ -4975,21 +4981,18 @@
           <a:lstStyle/>
           <a:p>
             <a:r>
-              <a:rPr lang="en-US" sz="4800" dirty="0" err="1">
+              <a:rPr lang="en-US" sz="4800">
                 <a:solidFill>
                   <a:schemeClr val="bg1"/>
                 </a:solidFill>
               </a:rPr>
-              <a:t>Игра</a:t>
+              <a:t>Игра “Dungeon destroyer”</a:t>
             </a:r>
-            <a:r>
-              <a:rPr lang="en-US" sz="4800" dirty="0">
-                <a:solidFill>
-                  <a:schemeClr val="bg1"/>
-                </a:solidFill>
-              </a:rPr>
-              <a:t> “Dungeon destroyer”</a:t>
-            </a:r>
+            <a:endParaRPr lang="en-US" sz="4800" dirty="0">
+              <a:solidFill>
+                <a:schemeClr val="bg1"/>
+              </a:solidFill>
+            </a:endParaRPr>
           </a:p>
         </p:txBody>
       </p:sp>
@@ -5019,72 +5022,35 @@
               <a:buNone/>
             </a:pPr>
             <a:r>
-              <a:rPr lang="en-US" sz="2000" dirty="0" err="1">
+              <a:rPr lang="en-US" sz="2000">
                 <a:solidFill>
                   <a:schemeClr val="bg1"/>
                 </a:solidFill>
               </a:rPr>
-              <a:t>Авторы</a:t>
+              <a:t>Авторы: Руднев Андрей Александрович</a:t>
             </a:r>
+          </a:p>
+          <a:p>
+            <a:pPr marL="0" indent="0">
+              <a:buNone/>
+            </a:pPr>
             <a:r>
-              <a:rPr lang="en-US" sz="2000" dirty="0">
+              <a:rPr lang="en-US" sz="2000">
                 <a:solidFill>
                   <a:schemeClr val="bg1"/>
                 </a:solidFill>
               </a:rPr>
-              <a:t>: Руднев Андрей </a:t>
+              <a:t>Пигузов Арсений</a:t>
             </a:r>
             <a:r>
-              <a:rPr lang="en-US" sz="2000" dirty="0" err="1">
-                <a:solidFill>
-                  <a:schemeClr val="bg1"/>
-                </a:solidFill>
-              </a:rPr>
-              <a:t>Александрович</a:t>
-            </a:r>
-            <a:endParaRPr lang="en-US" sz="2000" dirty="0">
-              <a:solidFill>
-                <a:schemeClr val="bg1"/>
-              </a:solidFill>
-            </a:endParaRPr>
-          </a:p>
-          <a:p>
-            <a:pPr marL="0" indent="0">
-              <a:buNone/>
-            </a:pPr>
-            <a:r>
-              <a:rPr lang="en-US" sz="2000" dirty="0" err="1">
-                <a:solidFill>
-                  <a:schemeClr val="bg1"/>
-                </a:solidFill>
-              </a:rPr>
-              <a:t>Пигузов</a:t>
-            </a:r>
-            <a:r>
-              <a:rPr lang="en-US" sz="2000" dirty="0">
-                <a:solidFill>
-                  <a:schemeClr val="bg1"/>
-                </a:solidFill>
-              </a:rPr>
-              <a:t> </a:t>
-            </a:r>
-            <a:r>
-              <a:rPr lang="en-US" sz="2000" dirty="0" err="1">
-                <a:solidFill>
-                  <a:schemeClr val="bg1"/>
-                </a:solidFill>
-              </a:rPr>
-              <a:t>Арсений</a:t>
-            </a:r>
-            <a:r>
-              <a:rPr lang="ru-RU" sz="2000" dirty="0">
+              <a:rPr lang="ru-RU" sz="2000">
                 <a:solidFill>
                   <a:schemeClr val="bg1"/>
                 </a:solidFill>
               </a:rPr>
               <a:t> Владимирович</a:t>
             </a:r>
-            <a:endParaRPr lang="en-US" sz="2000" dirty="0">
+            <a:endParaRPr lang="en-US" sz="2000">
               <a:solidFill>
                 <a:schemeClr val="bg1"/>
               </a:solidFill>
@@ -5095,20 +5061,12 @@
               <a:buNone/>
             </a:pPr>
             <a:r>
-              <a:rPr lang="ru-RU" sz="2000" dirty="0">
+              <a:rPr lang="ru-RU" sz="2000">
                 <a:solidFill>
                   <a:schemeClr val="bg1"/>
                 </a:solidFill>
               </a:rPr>
-              <a:t>Фурсов Иван </a:t>
-            </a:r>
-            <a:r>
-              <a:rPr lang="ru-RU" sz="2000" dirty="0" err="1">
-                <a:solidFill>
-                  <a:schemeClr val="bg1"/>
-                </a:solidFill>
-              </a:rPr>
-              <a:t>Владимович</a:t>
+              <a:t>Фурсов Иван Владимович</a:t>
             </a:r>
             <a:endParaRPr lang="en-US" sz="2000" dirty="0">
               <a:solidFill>
@@ -5865,20 +5823,12 @@
           <a:p>
             <a:pPr algn="ctr"/>
             <a:r>
-              <a:rPr lang="ru-RU" sz="6000" dirty="0">
+              <a:rPr lang="ru-RU" sz="6000">
                 <a:solidFill>
                   <a:srgbClr val="FFFFFF"/>
                 </a:solidFill>
               </a:rPr>
-              <a:t>Основные </a:t>
-            </a:r>
-            <a:r>
-              <a:rPr lang="ru-RU" sz="6000" dirty="0" err="1">
-                <a:solidFill>
-                  <a:srgbClr val="FFFFFF"/>
-                </a:solidFill>
-              </a:rPr>
-              <a:t>библеотеки</a:t>
+              <a:t>Реализация</a:t>
             </a:r>
             <a:endParaRPr lang="en-US" sz="6000" dirty="0">
               <a:solidFill>
@@ -5902,6 +5852,3106 @@
 </file>
 
 <file path=ppt/slides/slide4.xml><?xml version="1.0" encoding="utf-8"?>
+<p:sld xmlns:a="http://schemas.openxmlformats.org/drawingml/2006/main" xmlns:r="http://schemas.openxmlformats.org/officeDocument/2006/relationships" xmlns:p="http://schemas.openxmlformats.org/presentationml/2006/main">
+  <p:cSld>
+    <p:bg>
+      <p:bgPr>
+        <a:solidFill>
+          <a:schemeClr val="bg1"/>
+        </a:solidFill>
+        <a:effectLst/>
+      </p:bgPr>
+    </p:bg>
+    <p:spTree>
+      <p:nvGrpSpPr>
+        <p:cNvPr id="1" name=""/>
+        <p:cNvGrpSpPr/>
+        <p:nvPr/>
+      </p:nvGrpSpPr>
+      <p:grpSpPr>
+        <a:xfrm>
+          <a:off x="0" y="0"/>
+          <a:ext cx="0" cy="0"/>
+          <a:chOff x="0" y="0"/>
+          <a:chExt cx="0" cy="0"/>
+        </a:xfrm>
+      </p:grpSpPr>
+      <p:sp useBgFill="1">
+        <p:nvSpPr>
+          <p:cNvPr id="51" name="Rectangle 23">
+            <a:extLst>
+              <a:ext uri="{FF2B5EF4-FFF2-40B4-BE49-F238E27FC236}">
+                <a16:creationId xmlns:a16="http://schemas.microsoft.com/office/drawing/2014/main" id="{EDDBB197-D710-4A4F-A9CA-FD2177498BE8}"/>
+              </a:ext>
+              <a:ext uri="{C183D7F6-B498-43B3-948B-1728B52AA6E4}">
+                <adec:decorative xmlns:adec="http://schemas.microsoft.com/office/drawing/2017/decorative" val="1"/>
+              </a:ext>
+            </a:extLst>
+          </p:cNvPr>
+          <p:cNvSpPr>
+            <a:spLocks noGrp="1" noRot="1" noChangeAspect="1" noMove="1" noResize="1" noEditPoints="1" noAdjustHandles="1" noChangeArrowheads="1" noChangeShapeType="1" noTextEdit="1"/>
+          </p:cNvSpPr>
+          <p:nvPr>
+            <p:extLst>
+              <p:ext uri="{386F3935-93C4-4BCD-93E2-E3B085C9AB24}">
+                <p16:designElem xmlns:p16="http://schemas.microsoft.com/office/powerpoint/2015/main" val="1"/>
+              </p:ext>
+            </p:extLst>
+          </p:nvPr>
+        </p:nvSpPr>
+        <p:spPr>
+          <a:xfrm>
+            <a:off x="0" y="0"/>
+            <a:ext cx="12192000" cy="6858000"/>
+          </a:xfrm>
+          <a:prstGeom prst="rect">
+            <a:avLst/>
+          </a:prstGeom>
+          <a:ln>
+            <a:noFill/>
+          </a:ln>
+        </p:spPr>
+        <p:style>
+          <a:lnRef idx="2">
+            <a:schemeClr val="accent1">
+              <a:shade val="50000"/>
+            </a:schemeClr>
+          </a:lnRef>
+          <a:fillRef idx="1">
+            <a:schemeClr val="accent1"/>
+          </a:fillRef>
+          <a:effectRef idx="0">
+            <a:schemeClr val="accent1"/>
+          </a:effectRef>
+          <a:fontRef idx="minor">
+            <a:schemeClr val="lt1"/>
+          </a:fontRef>
+        </p:style>
+        <p:txBody>
+          <a:bodyPr rtlCol="0" anchor="ctr"/>
+          <a:lstStyle/>
+          <a:p>
+            <a:pPr algn="ctr"/>
+            <a:endParaRPr lang="en-US"/>
+          </a:p>
+        </p:txBody>
+      </p:sp>
+      <p:sp>
+        <p:nvSpPr>
+          <p:cNvPr id="26" name="Rectangle 25">
+            <a:extLst>
+              <a:ext uri="{FF2B5EF4-FFF2-40B4-BE49-F238E27FC236}">
+                <a16:creationId xmlns:a16="http://schemas.microsoft.com/office/drawing/2014/main" id="{975D1CFA-2CDB-4B64-BD9F-85744E8DA12F}"/>
+              </a:ext>
+              <a:ext uri="{C183D7F6-B498-43B3-948B-1728B52AA6E4}">
+                <adec:decorative xmlns:adec="http://schemas.microsoft.com/office/drawing/2017/decorative" val="1"/>
+              </a:ext>
+            </a:extLst>
+          </p:cNvPr>
+          <p:cNvSpPr>
+            <a:spLocks noGrp="1" noRot="1" noChangeAspect="1" noMove="1" noResize="1" noEditPoints="1" noAdjustHandles="1" noChangeArrowheads="1" noChangeShapeType="1" noTextEdit="1"/>
+          </p:cNvSpPr>
+          <p:nvPr>
+            <p:extLst>
+              <p:ext uri="{386F3935-93C4-4BCD-93E2-E3B085C9AB24}">
+                <p16:designElem xmlns:p16="http://schemas.microsoft.com/office/powerpoint/2015/main" val="1"/>
+              </p:ext>
+            </p:extLst>
+          </p:nvPr>
+        </p:nvSpPr>
+        <p:spPr>
+          <a:xfrm>
+            <a:off x="305" y="0"/>
+            <a:ext cx="12191695" cy="6858000"/>
+          </a:xfrm>
+          <a:prstGeom prst="rect">
+            <a:avLst/>
+          </a:prstGeom>
+          <a:solidFill>
+            <a:schemeClr val="bg1"/>
+          </a:solidFill>
+          <a:ln>
+            <a:noFill/>
+          </a:ln>
+        </p:spPr>
+        <p:style>
+          <a:lnRef idx="2">
+            <a:schemeClr val="accent1">
+              <a:shade val="50000"/>
+            </a:schemeClr>
+          </a:lnRef>
+          <a:fillRef idx="1">
+            <a:schemeClr val="accent1"/>
+          </a:fillRef>
+          <a:effectRef idx="0">
+            <a:schemeClr val="accent1"/>
+          </a:effectRef>
+          <a:fontRef idx="minor">
+            <a:schemeClr val="lt1"/>
+          </a:fontRef>
+        </p:style>
+        <p:txBody>
+          <a:bodyPr rtlCol="0" anchor="ctr"/>
+          <a:lstStyle/>
+          <a:p>
+            <a:pPr algn="ctr"/>
+            <a:endParaRPr lang="en-US"/>
+          </a:p>
+        </p:txBody>
+      </p:sp>
+      <p:sp>
+        <p:nvSpPr>
+          <p:cNvPr id="2" name="Заголовок 1">
+            <a:extLst>
+              <a:ext uri="{FF2B5EF4-FFF2-40B4-BE49-F238E27FC236}">
+                <a16:creationId xmlns:a16="http://schemas.microsoft.com/office/drawing/2014/main" id="{F7E9425E-8814-4CE7-FB4B-36DF8EB511A6}"/>
+              </a:ext>
+            </a:extLst>
+          </p:cNvPr>
+          <p:cNvSpPr>
+            <a:spLocks noGrp="1"/>
+          </p:cNvSpPr>
+          <p:nvPr>
+            <p:ph type="title"/>
+          </p:nvPr>
+        </p:nvSpPr>
+        <p:spPr>
+          <a:xfrm>
+            <a:off x="804672" y="802955"/>
+            <a:ext cx="4977976" cy="1454051"/>
+          </a:xfrm>
+        </p:spPr>
+        <p:txBody>
+          <a:bodyPr vert="horz" lIns="91440" tIns="45720" rIns="91440" bIns="45720" rtlCol="0" anchor="ctr">
+            <a:normAutofit/>
+          </a:bodyPr>
+          <a:lstStyle/>
+          <a:p>
+            <a:r>
+              <a:rPr lang="en-US" sz="3600" kern="1200">
+                <a:solidFill>
+                  <a:schemeClr val="tx2"/>
+                </a:solidFill>
+                <a:latin typeface="+mj-lt"/>
+                <a:ea typeface="+mj-ea"/>
+                <a:cs typeface="+mj-cs"/>
+              </a:rPr>
+              <a:t>Использованные библиотеки python</a:t>
+            </a:r>
+          </a:p>
+        </p:txBody>
+      </p:sp>
+      <p:sp>
+        <p:nvSpPr>
+          <p:cNvPr id="3" name="Объект 2">
+            <a:extLst>
+              <a:ext uri="{FF2B5EF4-FFF2-40B4-BE49-F238E27FC236}">
+                <a16:creationId xmlns:a16="http://schemas.microsoft.com/office/drawing/2014/main" id="{9BBAD365-DFE4-E2DF-32B7-6D7CB0F060F0}"/>
+              </a:ext>
+            </a:extLst>
+          </p:cNvPr>
+          <p:cNvSpPr>
+            <a:spLocks noGrp="1"/>
+          </p:cNvSpPr>
+          <p:nvPr>
+            <p:ph sz="quarter" idx="10"/>
+          </p:nvPr>
+        </p:nvSpPr>
+        <p:spPr>
+          <a:xfrm>
+            <a:off x="804672" y="2421682"/>
+            <a:ext cx="4977578" cy="3639289"/>
+          </a:xfrm>
+        </p:spPr>
+        <p:txBody>
+          <a:bodyPr vert="horz" lIns="91440" tIns="45720" rIns="91440" bIns="45720" rtlCol="0" anchor="ctr">
+            <a:normAutofit/>
+          </a:bodyPr>
+          <a:lstStyle/>
+          <a:p>
+            <a:r>
+              <a:rPr lang="en-US" sz="1800">
+                <a:solidFill>
+                  <a:schemeClr val="tx2"/>
+                </a:solidFill>
+              </a:rPr>
+              <a:t>Math</a:t>
+            </a:r>
+          </a:p>
+          <a:p>
+            <a:r>
+              <a:rPr lang="en-US" sz="1800">
+                <a:solidFill>
+                  <a:schemeClr val="tx2"/>
+                </a:solidFill>
+              </a:rPr>
+              <a:t>Os</a:t>
+            </a:r>
+          </a:p>
+          <a:p>
+            <a:r>
+              <a:rPr lang="en-US" sz="1800">
+                <a:solidFill>
+                  <a:schemeClr val="tx2"/>
+                </a:solidFill>
+              </a:rPr>
+              <a:t>Sys</a:t>
+            </a:r>
+          </a:p>
+          <a:p>
+            <a:r>
+              <a:rPr lang="en-US" sz="1800">
+                <a:solidFill>
+                  <a:schemeClr val="tx2"/>
+                </a:solidFill>
+              </a:rPr>
+              <a:t>Random</a:t>
+            </a:r>
+          </a:p>
+          <a:p>
+            <a:endParaRPr lang="en-US" sz="1800" dirty="0">
+              <a:solidFill>
+                <a:schemeClr val="tx2"/>
+              </a:solidFill>
+            </a:endParaRPr>
+          </a:p>
+        </p:txBody>
+      </p:sp>
+      <p:grpSp>
+        <p:nvGrpSpPr>
+          <p:cNvPr id="52" name="Group 27">
+            <a:extLst>
+              <a:ext uri="{FF2B5EF4-FFF2-40B4-BE49-F238E27FC236}">
+                <a16:creationId xmlns:a16="http://schemas.microsoft.com/office/drawing/2014/main" id="{25EE5136-01F1-466C-962D-BA9B4C6757AA}"/>
+              </a:ext>
+              <a:ext uri="{C183D7F6-B498-43B3-948B-1728B52AA6E4}">
+                <adec:decorative xmlns:adec="http://schemas.microsoft.com/office/drawing/2017/decorative" val="1"/>
+              </a:ext>
+            </a:extLst>
+          </p:cNvPr>
+          <p:cNvGrpSpPr>
+            <a:grpSpLocks noGrp="1" noUngrp="1" noRot="1" noChangeAspect="1" noMove="1" noResize="1"/>
+          </p:cNvGrpSpPr>
+          <p:nvPr>
+            <p:extLst>
+              <p:ext uri="{386F3935-93C4-4BCD-93E2-E3B085C9AB24}">
+                <p16:designElem xmlns:p16="http://schemas.microsoft.com/office/powerpoint/2015/main" val="1"/>
+              </p:ext>
+            </p:extLst>
+          </p:nvPr>
+        </p:nvGrpSpPr>
+        <p:grpSpPr>
+          <a:xfrm>
+            <a:off x="6369897" y="0"/>
+            <a:ext cx="5822103" cy="6685267"/>
+            <a:chOff x="6357228" y="0"/>
+            <a:chExt cx="5822103" cy="6685267"/>
+          </a:xfrm>
+        </p:grpSpPr>
+        <p:sp>
+          <p:nvSpPr>
+            <p:cNvPr id="53" name="Freeform: Shape 28">
+              <a:extLst>
+                <a:ext uri="{FF2B5EF4-FFF2-40B4-BE49-F238E27FC236}">
+                  <a16:creationId xmlns:a16="http://schemas.microsoft.com/office/drawing/2014/main" id="{E11D3AD4-AF9B-4EB5-8C7B-C45D173B4B56}"/>
+                </a:ext>
+                <a:ext uri="{C183D7F6-B498-43B3-948B-1728B52AA6E4}">
+                  <adec:decorative xmlns:adec="http://schemas.microsoft.com/office/drawing/2017/decorative" val="1"/>
+                </a:ext>
+              </a:extLst>
+            </p:cNvPr>
+            <p:cNvSpPr/>
+            <p:nvPr>
+              <p:extLst>
+                <p:ext uri="{386F3935-93C4-4BCD-93E2-E3B085C9AB24}">
+                  <p16:designElem xmlns:p16="http://schemas.microsoft.com/office/powerpoint/2015/main" val="1"/>
+                </p:ext>
+              </p:extLst>
+            </p:nvPr>
+          </p:nvSpPr>
+          <p:spPr>
+            <a:xfrm>
+              <a:off x="6357228" y="0"/>
+              <a:ext cx="5822102" cy="6685267"/>
+            </a:xfrm>
+            <a:custGeom>
+              <a:avLst/>
+              <a:gdLst>
+                <a:gd name="connsiteX0" fmla="*/ 2605444 w 5822102"/>
+                <a:gd name="connsiteY0" fmla="*/ 0 h 6685267"/>
+                <a:gd name="connsiteX1" fmla="*/ 4757391 w 5822102"/>
+                <a:gd name="connsiteY1" fmla="*/ 0 h 6685267"/>
+                <a:gd name="connsiteX2" fmla="*/ 4913680 w 5822102"/>
+                <a:gd name="connsiteY2" fmla="*/ 56274 h 6685267"/>
+                <a:gd name="connsiteX3" fmla="*/ 5376238 w 5822102"/>
+                <a:gd name="connsiteY3" fmla="*/ 282027 h 6685267"/>
+                <a:gd name="connsiteX4" fmla="*/ 5658024 w 5822102"/>
+                <a:gd name="connsiteY4" fmla="*/ 471014 h 6685267"/>
+                <a:gd name="connsiteX5" fmla="*/ 5822102 w 5822102"/>
+                <a:gd name="connsiteY5" fmla="*/ 609109 h 6685267"/>
+                <a:gd name="connsiteX6" fmla="*/ 5822102 w 5822102"/>
+                <a:gd name="connsiteY6" fmla="*/ 760697 h 6685267"/>
+                <a:gd name="connsiteX7" fmla="*/ 5707785 w 5822102"/>
+                <a:gd name="connsiteY7" fmla="*/ 666601 h 6685267"/>
+                <a:gd name="connsiteX8" fmla="*/ 5577306 w 5822102"/>
+                <a:gd name="connsiteY8" fmla="*/ 571666 h 6685267"/>
+                <a:gd name="connsiteX9" fmla="*/ 5298630 w 5822102"/>
+                <a:gd name="connsiteY9" fmla="*/ 407449 h 6685267"/>
+                <a:gd name="connsiteX10" fmla="*/ 4690768 w 5822102"/>
+                <a:gd name="connsiteY10" fmla="*/ 184979 h 6685267"/>
+                <a:gd name="connsiteX11" fmla="*/ 4048577 w 5822102"/>
+                <a:gd name="connsiteY11" fmla="*/ 99280 h 6685267"/>
+                <a:gd name="connsiteX12" fmla="*/ 3405404 w 5822102"/>
+                <a:gd name="connsiteY12" fmla="*/ 131937 h 6685267"/>
+                <a:gd name="connsiteX13" fmla="*/ 3089702 w 5822102"/>
+                <a:gd name="connsiteY13" fmla="*/ 190190 h 6685267"/>
+                <a:gd name="connsiteX14" fmla="*/ 2780132 w 5822102"/>
+                <a:gd name="connsiteY14" fmla="*/ 273457 h 6685267"/>
+                <a:gd name="connsiteX15" fmla="*/ 2478040 w 5822102"/>
+                <a:gd name="connsiteY15" fmla="*/ 379654 h 6685267"/>
+                <a:gd name="connsiteX16" fmla="*/ 2184897 w 5822102"/>
+                <a:gd name="connsiteY16" fmla="*/ 507972 h 6685267"/>
+                <a:gd name="connsiteX17" fmla="*/ 1629141 w 5822102"/>
+                <a:gd name="connsiteY17" fmla="*/ 823205 h 6685267"/>
+                <a:gd name="connsiteX18" fmla="*/ 1497711 w 5822102"/>
+                <a:gd name="connsiteY18" fmla="*/ 914000 h 6685267"/>
+                <a:gd name="connsiteX19" fmla="*/ 1433099 w 5822102"/>
+                <a:gd name="connsiteY19" fmla="*/ 960903 h 6685267"/>
+                <a:gd name="connsiteX20" fmla="*/ 1369346 w 5822102"/>
+                <a:gd name="connsiteY20" fmla="*/ 1008963 h 6685267"/>
+                <a:gd name="connsiteX21" fmla="*/ 1123406 w 5822102"/>
+                <a:gd name="connsiteY21" fmla="*/ 1212905 h 6685267"/>
+                <a:gd name="connsiteX22" fmla="*/ 684367 w 5822102"/>
+                <a:gd name="connsiteY22" fmla="*/ 1675564 h 6685267"/>
+                <a:gd name="connsiteX23" fmla="*/ 497153 w 5822102"/>
+                <a:gd name="connsiteY23" fmla="*/ 1933588 h 6685267"/>
+                <a:gd name="connsiteX24" fmla="*/ 337770 w 5822102"/>
+                <a:gd name="connsiteY24" fmla="*/ 2208983 h 6685267"/>
+                <a:gd name="connsiteX25" fmla="*/ 302461 w 5822102"/>
+                <a:gd name="connsiteY25" fmla="*/ 2280207 h 6685267"/>
+                <a:gd name="connsiteX26" fmla="*/ 285296 w 5822102"/>
+                <a:gd name="connsiteY26" fmla="*/ 2316107 h 6685267"/>
+                <a:gd name="connsiteX27" fmla="*/ 268991 w 5822102"/>
+                <a:gd name="connsiteY27" fmla="*/ 2352355 h 6685267"/>
+                <a:gd name="connsiteX28" fmla="*/ 237849 w 5822102"/>
+                <a:gd name="connsiteY28" fmla="*/ 2425432 h 6685267"/>
+                <a:gd name="connsiteX29" fmla="*/ 208670 w 5822102"/>
+                <a:gd name="connsiteY29" fmla="*/ 2499319 h 6685267"/>
+                <a:gd name="connsiteX30" fmla="*/ 113775 w 5822102"/>
+                <a:gd name="connsiteY30" fmla="*/ 2801929 h 6685267"/>
+                <a:gd name="connsiteX31" fmla="*/ 36781 w 5822102"/>
+                <a:gd name="connsiteY31" fmla="*/ 3428922 h 6685267"/>
+                <a:gd name="connsiteX32" fmla="*/ 69148 w 5822102"/>
+                <a:gd name="connsiteY32" fmla="*/ 3741955 h 6685267"/>
+                <a:gd name="connsiteX33" fmla="*/ 167966 w 5822102"/>
+                <a:gd name="connsiteY33" fmla="*/ 4041323 h 6685267"/>
+                <a:gd name="connsiteX34" fmla="*/ 202049 w 5822102"/>
+                <a:gd name="connsiteY34" fmla="*/ 4112894 h 6685267"/>
+                <a:gd name="connsiteX35" fmla="*/ 239933 w 5822102"/>
+                <a:gd name="connsiteY35" fmla="*/ 4182843 h 6685267"/>
+                <a:gd name="connsiteX36" fmla="*/ 323916 w 5822102"/>
+                <a:gd name="connsiteY36" fmla="*/ 4318456 h 6685267"/>
+                <a:gd name="connsiteX37" fmla="*/ 416604 w 5822102"/>
+                <a:gd name="connsiteY37" fmla="*/ 4449436 h 6685267"/>
+                <a:gd name="connsiteX38" fmla="*/ 515911 w 5822102"/>
+                <a:gd name="connsiteY38" fmla="*/ 4576711 h 6685267"/>
+                <a:gd name="connsiteX39" fmla="*/ 722619 w 5822102"/>
+                <a:gd name="connsiteY39" fmla="*/ 4828482 h 6685267"/>
+                <a:gd name="connsiteX40" fmla="*/ 825972 w 5822102"/>
+                <a:gd name="connsiteY40" fmla="*/ 4956104 h 6685267"/>
+                <a:gd name="connsiteX41" fmla="*/ 926506 w 5822102"/>
+                <a:gd name="connsiteY41" fmla="*/ 5085347 h 6685267"/>
+                <a:gd name="connsiteX42" fmla="*/ 1027040 w 5822102"/>
+                <a:gd name="connsiteY42" fmla="*/ 5210191 h 6685267"/>
+                <a:gd name="connsiteX43" fmla="*/ 1132110 w 5822102"/>
+                <a:gd name="connsiteY43" fmla="*/ 5330748 h 6685267"/>
+                <a:gd name="connsiteX44" fmla="*/ 1354880 w 5822102"/>
+                <a:gd name="connsiteY44" fmla="*/ 5558083 h 6685267"/>
+                <a:gd name="connsiteX45" fmla="*/ 1855220 w 5822102"/>
+                <a:gd name="connsiteY45" fmla="*/ 5937591 h 6685267"/>
+                <a:gd name="connsiteX46" fmla="*/ 2131810 w 5822102"/>
+                <a:gd name="connsiteY46" fmla="*/ 6080268 h 6685267"/>
+                <a:gd name="connsiteX47" fmla="*/ 2423726 w 5822102"/>
+                <a:gd name="connsiteY47" fmla="*/ 6188087 h 6685267"/>
+                <a:gd name="connsiteX48" fmla="*/ 2727780 w 5822102"/>
+                <a:gd name="connsiteY48" fmla="*/ 6262552 h 6685267"/>
+                <a:gd name="connsiteX49" fmla="*/ 3041276 w 5822102"/>
+                <a:gd name="connsiteY49" fmla="*/ 6304245 h 6685267"/>
+                <a:gd name="connsiteX50" fmla="*/ 3360532 w 5822102"/>
+                <a:gd name="connsiteY50" fmla="*/ 6317331 h 6685267"/>
+                <a:gd name="connsiteX51" fmla="*/ 3439855 w 5822102"/>
+                <a:gd name="connsiteY51" fmla="*/ 6316751 h 6685267"/>
+                <a:gd name="connsiteX52" fmla="*/ 3478721 w 5822102"/>
+                <a:gd name="connsiteY52" fmla="*/ 6315826 h 6685267"/>
+                <a:gd name="connsiteX53" fmla="*/ 3517463 w 5822102"/>
+                <a:gd name="connsiteY53" fmla="*/ 6313971 h 6685267"/>
+                <a:gd name="connsiteX54" fmla="*/ 3671452 w 5822102"/>
+                <a:gd name="connsiteY54" fmla="*/ 6301233 h 6685267"/>
+                <a:gd name="connsiteX55" fmla="*/ 4265460 w 5822102"/>
+                <a:gd name="connsiteY55" fmla="*/ 6149638 h 6685267"/>
+                <a:gd name="connsiteX56" fmla="*/ 4546587 w 5822102"/>
+                <a:gd name="connsiteY56" fmla="*/ 6018079 h 6685267"/>
+                <a:gd name="connsiteX57" fmla="*/ 4818030 w 5822102"/>
+                <a:gd name="connsiteY57" fmla="*/ 5858029 h 6685267"/>
+                <a:gd name="connsiteX58" fmla="*/ 5081870 w 5822102"/>
+                <a:gd name="connsiteY58" fmla="*/ 5676903 h 6685267"/>
+                <a:gd name="connsiteX59" fmla="*/ 5212073 w 5822102"/>
+                <a:gd name="connsiteY59" fmla="*/ 5581013 h 6685267"/>
+                <a:gd name="connsiteX60" fmla="*/ 5343625 w 5822102"/>
+                <a:gd name="connsiteY60" fmla="*/ 5481533 h 6685267"/>
+                <a:gd name="connsiteX61" fmla="*/ 5610378 w 5822102"/>
+                <a:gd name="connsiteY61" fmla="*/ 5284425 h 6685267"/>
+                <a:gd name="connsiteX62" fmla="*/ 5822102 w 5822102"/>
+                <a:gd name="connsiteY62" fmla="*/ 5126414 h 6685267"/>
+                <a:gd name="connsiteX63" fmla="*/ 5822102 w 5822102"/>
+                <a:gd name="connsiteY63" fmla="*/ 5556641 h 6685267"/>
+                <a:gd name="connsiteX64" fmla="*/ 5576325 w 5822102"/>
+                <a:gd name="connsiteY64" fmla="*/ 5749979 h 6685267"/>
+                <a:gd name="connsiteX65" fmla="*/ 5447715 w 5822102"/>
+                <a:gd name="connsiteY65" fmla="*/ 5852818 h 6685267"/>
+                <a:gd name="connsiteX66" fmla="*/ 5315059 w 5822102"/>
+                <a:gd name="connsiteY66" fmla="*/ 5956236 h 6685267"/>
+                <a:gd name="connsiteX67" fmla="*/ 5038468 w 5822102"/>
+                <a:gd name="connsiteY67" fmla="*/ 6155776 h 6685267"/>
+                <a:gd name="connsiteX68" fmla="*/ 4741892 w 5822102"/>
+                <a:gd name="connsiteY68" fmla="*/ 6338292 h 6685267"/>
+                <a:gd name="connsiteX69" fmla="*/ 4420920 w 5822102"/>
+                <a:gd name="connsiteY69" fmla="*/ 6492203 h 6685267"/>
+                <a:gd name="connsiteX70" fmla="*/ 3717672 w 5822102"/>
+                <a:gd name="connsiteY70" fmla="*/ 6670434 h 6685267"/>
+                <a:gd name="connsiteX71" fmla="*/ 3535853 w 5822102"/>
+                <a:gd name="connsiteY71" fmla="*/ 6683289 h 6685267"/>
+                <a:gd name="connsiteX72" fmla="*/ 3490367 w 5822102"/>
+                <a:gd name="connsiteY72" fmla="*/ 6684910 h 6685267"/>
+                <a:gd name="connsiteX73" fmla="*/ 3445005 w 5822102"/>
+                <a:gd name="connsiteY73" fmla="*/ 6685142 h 6685267"/>
+                <a:gd name="connsiteX74" fmla="*/ 3355872 w 5822102"/>
+                <a:gd name="connsiteY74" fmla="*/ 6684100 h 6685267"/>
+                <a:gd name="connsiteX75" fmla="*/ 3179203 w 5822102"/>
+                <a:gd name="connsiteY75" fmla="*/ 6677150 h 6685267"/>
+                <a:gd name="connsiteX76" fmla="*/ 3002410 w 5822102"/>
+                <a:gd name="connsiteY76" fmla="*/ 6661169 h 6685267"/>
+                <a:gd name="connsiteX77" fmla="*/ 2650296 w 5822102"/>
+                <a:gd name="connsiteY77" fmla="*/ 6604191 h 6685267"/>
+                <a:gd name="connsiteX78" fmla="*/ 2306028 w 5822102"/>
+                <a:gd name="connsiteY78" fmla="*/ 6505869 h 6685267"/>
+                <a:gd name="connsiteX79" fmla="*/ 1978803 w 5822102"/>
+                <a:gd name="connsiteY79" fmla="*/ 6363307 h 6685267"/>
+                <a:gd name="connsiteX80" fmla="*/ 1678428 w 5822102"/>
+                <a:gd name="connsiteY80" fmla="*/ 6177779 h 6685267"/>
+                <a:gd name="connsiteX81" fmla="*/ 1175880 w 5822102"/>
+                <a:gd name="connsiteY81" fmla="*/ 5710373 h 6685267"/>
+                <a:gd name="connsiteX82" fmla="*/ 971502 w 5822102"/>
+                <a:gd name="connsiteY82" fmla="*/ 5445399 h 6685267"/>
+                <a:gd name="connsiteX83" fmla="*/ 790909 w 5822102"/>
+                <a:gd name="connsiteY83" fmla="*/ 5169078 h 6685267"/>
+                <a:gd name="connsiteX84" fmla="*/ 706680 w 5822102"/>
+                <a:gd name="connsiteY84" fmla="*/ 5031959 h 6685267"/>
+                <a:gd name="connsiteX85" fmla="*/ 619143 w 5822102"/>
+                <a:gd name="connsiteY85" fmla="*/ 4897157 h 6685267"/>
+                <a:gd name="connsiteX86" fmla="*/ 436465 w 5822102"/>
+                <a:gd name="connsiteY86" fmla="*/ 4628710 h 6685267"/>
+                <a:gd name="connsiteX87" fmla="*/ 347088 w 5822102"/>
+                <a:gd name="connsiteY87" fmla="*/ 4492171 h 6685267"/>
+                <a:gd name="connsiteX88" fmla="*/ 262001 w 5822102"/>
+                <a:gd name="connsiteY88" fmla="*/ 4352619 h 6685267"/>
+                <a:gd name="connsiteX89" fmla="*/ 118679 w 5822102"/>
+                <a:gd name="connsiteY89" fmla="*/ 4059853 h 6685267"/>
+                <a:gd name="connsiteX90" fmla="*/ 28322 w 5822102"/>
+                <a:gd name="connsiteY90" fmla="*/ 3749136 h 6685267"/>
+                <a:gd name="connsiteX91" fmla="*/ 0 w 5822102"/>
+                <a:gd name="connsiteY91" fmla="*/ 3428922 h 6685267"/>
+                <a:gd name="connsiteX92" fmla="*/ 253052 w 5822102"/>
+                <a:gd name="connsiteY92" fmla="*/ 2174356 h 6685267"/>
+                <a:gd name="connsiteX93" fmla="*/ 389141 w 5822102"/>
+                <a:gd name="connsiteY93" fmla="*/ 1877652 h 6685267"/>
+                <a:gd name="connsiteX94" fmla="*/ 552079 w 5822102"/>
+                <a:gd name="connsiteY94" fmla="*/ 1591834 h 6685267"/>
+                <a:gd name="connsiteX95" fmla="*/ 954950 w 5822102"/>
+                <a:gd name="connsiteY95" fmla="*/ 1061773 h 6685267"/>
+                <a:gd name="connsiteX96" fmla="*/ 1192922 w 5822102"/>
+                <a:gd name="connsiteY96" fmla="*/ 822626 h 6685267"/>
+                <a:gd name="connsiteX97" fmla="*/ 1255939 w 5822102"/>
+                <a:gd name="connsiteY97" fmla="*/ 765880 h 6685267"/>
+                <a:gd name="connsiteX98" fmla="*/ 1320183 w 5822102"/>
+                <a:gd name="connsiteY98" fmla="*/ 710291 h 6685267"/>
+                <a:gd name="connsiteX99" fmla="*/ 1452961 w 5822102"/>
+                <a:gd name="connsiteY99" fmla="*/ 603514 h 6685267"/>
+                <a:gd name="connsiteX100" fmla="*/ 2033360 w 5822102"/>
+                <a:gd name="connsiteY100" fmla="*/ 235818 h 6685267"/>
+                <a:gd name="connsiteX101" fmla="*/ 2512513 w 5822102"/>
+                <a:gd name="connsiteY101" fmla="*/ 30012 h 6685267"/>
+              </a:gdLst>
+              <a:ahLst/>
+              <a:cxnLst>
+                <a:cxn ang="0">
+                  <a:pos x="connsiteX0" y="connsiteY0"/>
+                </a:cxn>
+                <a:cxn ang="0">
+                  <a:pos x="connsiteX1" y="connsiteY1"/>
+                </a:cxn>
+                <a:cxn ang="0">
+                  <a:pos x="connsiteX2" y="connsiteY2"/>
+                </a:cxn>
+                <a:cxn ang="0">
+                  <a:pos x="connsiteX3" y="connsiteY3"/>
+                </a:cxn>
+                <a:cxn ang="0">
+                  <a:pos x="connsiteX4" y="connsiteY4"/>
+                </a:cxn>
+                <a:cxn ang="0">
+                  <a:pos x="connsiteX5" y="connsiteY5"/>
+                </a:cxn>
+                <a:cxn ang="0">
+                  <a:pos x="connsiteX6" y="connsiteY6"/>
+                </a:cxn>
+                <a:cxn ang="0">
+                  <a:pos x="connsiteX7" y="connsiteY7"/>
+                </a:cxn>
+                <a:cxn ang="0">
+                  <a:pos x="connsiteX8" y="connsiteY8"/>
+                </a:cxn>
+                <a:cxn ang="0">
+                  <a:pos x="connsiteX9" y="connsiteY9"/>
+                </a:cxn>
+                <a:cxn ang="0">
+                  <a:pos x="connsiteX10" y="connsiteY10"/>
+                </a:cxn>
+                <a:cxn ang="0">
+                  <a:pos x="connsiteX11" y="connsiteY11"/>
+                </a:cxn>
+                <a:cxn ang="0">
+                  <a:pos x="connsiteX12" y="connsiteY12"/>
+                </a:cxn>
+                <a:cxn ang="0">
+                  <a:pos x="connsiteX13" y="connsiteY13"/>
+                </a:cxn>
+                <a:cxn ang="0">
+                  <a:pos x="connsiteX14" y="connsiteY14"/>
+                </a:cxn>
+                <a:cxn ang="0">
+                  <a:pos x="connsiteX15" y="connsiteY15"/>
+                </a:cxn>
+                <a:cxn ang="0">
+                  <a:pos x="connsiteX16" y="connsiteY16"/>
+                </a:cxn>
+                <a:cxn ang="0">
+                  <a:pos x="connsiteX17" y="connsiteY17"/>
+                </a:cxn>
+                <a:cxn ang="0">
+                  <a:pos x="connsiteX18" y="connsiteY18"/>
+                </a:cxn>
+                <a:cxn ang="0">
+                  <a:pos x="connsiteX19" y="connsiteY19"/>
+                </a:cxn>
+                <a:cxn ang="0">
+                  <a:pos x="connsiteX20" y="connsiteY20"/>
+                </a:cxn>
+                <a:cxn ang="0">
+                  <a:pos x="connsiteX21" y="connsiteY21"/>
+                </a:cxn>
+                <a:cxn ang="0">
+                  <a:pos x="connsiteX22" y="connsiteY22"/>
+                </a:cxn>
+                <a:cxn ang="0">
+                  <a:pos x="connsiteX23" y="connsiteY23"/>
+                </a:cxn>
+                <a:cxn ang="0">
+                  <a:pos x="connsiteX24" y="connsiteY24"/>
+                </a:cxn>
+                <a:cxn ang="0">
+                  <a:pos x="connsiteX25" y="connsiteY25"/>
+                </a:cxn>
+                <a:cxn ang="0">
+                  <a:pos x="connsiteX26" y="connsiteY26"/>
+                </a:cxn>
+                <a:cxn ang="0">
+                  <a:pos x="connsiteX27" y="connsiteY27"/>
+                </a:cxn>
+                <a:cxn ang="0">
+                  <a:pos x="connsiteX28" y="connsiteY28"/>
+                </a:cxn>
+                <a:cxn ang="0">
+                  <a:pos x="connsiteX29" y="connsiteY29"/>
+                </a:cxn>
+                <a:cxn ang="0">
+                  <a:pos x="connsiteX30" y="connsiteY30"/>
+                </a:cxn>
+                <a:cxn ang="0">
+                  <a:pos x="connsiteX31" y="connsiteY31"/>
+                </a:cxn>
+                <a:cxn ang="0">
+                  <a:pos x="connsiteX32" y="connsiteY32"/>
+                </a:cxn>
+                <a:cxn ang="0">
+                  <a:pos x="connsiteX33" y="connsiteY33"/>
+                </a:cxn>
+                <a:cxn ang="0">
+                  <a:pos x="connsiteX34" y="connsiteY34"/>
+                </a:cxn>
+                <a:cxn ang="0">
+                  <a:pos x="connsiteX35" y="connsiteY35"/>
+                </a:cxn>
+                <a:cxn ang="0">
+                  <a:pos x="connsiteX36" y="connsiteY36"/>
+                </a:cxn>
+                <a:cxn ang="0">
+                  <a:pos x="connsiteX37" y="connsiteY37"/>
+                </a:cxn>
+                <a:cxn ang="0">
+                  <a:pos x="connsiteX38" y="connsiteY38"/>
+                </a:cxn>
+                <a:cxn ang="0">
+                  <a:pos x="connsiteX39" y="connsiteY39"/>
+                </a:cxn>
+                <a:cxn ang="0">
+                  <a:pos x="connsiteX40" y="connsiteY40"/>
+                </a:cxn>
+                <a:cxn ang="0">
+                  <a:pos x="connsiteX41" y="connsiteY41"/>
+                </a:cxn>
+                <a:cxn ang="0">
+                  <a:pos x="connsiteX42" y="connsiteY42"/>
+                </a:cxn>
+                <a:cxn ang="0">
+                  <a:pos x="connsiteX43" y="connsiteY43"/>
+                </a:cxn>
+                <a:cxn ang="0">
+                  <a:pos x="connsiteX44" y="connsiteY44"/>
+                </a:cxn>
+                <a:cxn ang="0">
+                  <a:pos x="connsiteX45" y="connsiteY45"/>
+                </a:cxn>
+                <a:cxn ang="0">
+                  <a:pos x="connsiteX46" y="connsiteY46"/>
+                </a:cxn>
+                <a:cxn ang="0">
+                  <a:pos x="connsiteX47" y="connsiteY47"/>
+                </a:cxn>
+                <a:cxn ang="0">
+                  <a:pos x="connsiteX48" y="connsiteY48"/>
+                </a:cxn>
+                <a:cxn ang="0">
+                  <a:pos x="connsiteX49" y="connsiteY49"/>
+                </a:cxn>
+                <a:cxn ang="0">
+                  <a:pos x="connsiteX50" y="connsiteY50"/>
+                </a:cxn>
+                <a:cxn ang="0">
+                  <a:pos x="connsiteX51" y="connsiteY51"/>
+                </a:cxn>
+                <a:cxn ang="0">
+                  <a:pos x="connsiteX52" y="connsiteY52"/>
+                </a:cxn>
+                <a:cxn ang="0">
+                  <a:pos x="connsiteX53" y="connsiteY53"/>
+                </a:cxn>
+                <a:cxn ang="0">
+                  <a:pos x="connsiteX54" y="connsiteY54"/>
+                </a:cxn>
+                <a:cxn ang="0">
+                  <a:pos x="connsiteX55" y="connsiteY55"/>
+                </a:cxn>
+                <a:cxn ang="0">
+                  <a:pos x="connsiteX56" y="connsiteY56"/>
+                </a:cxn>
+                <a:cxn ang="0">
+                  <a:pos x="connsiteX57" y="connsiteY57"/>
+                </a:cxn>
+                <a:cxn ang="0">
+                  <a:pos x="connsiteX58" y="connsiteY58"/>
+                </a:cxn>
+                <a:cxn ang="0">
+                  <a:pos x="connsiteX59" y="connsiteY59"/>
+                </a:cxn>
+                <a:cxn ang="0">
+                  <a:pos x="connsiteX60" y="connsiteY60"/>
+                </a:cxn>
+                <a:cxn ang="0">
+                  <a:pos x="connsiteX61" y="connsiteY61"/>
+                </a:cxn>
+                <a:cxn ang="0">
+                  <a:pos x="connsiteX62" y="connsiteY62"/>
+                </a:cxn>
+                <a:cxn ang="0">
+                  <a:pos x="connsiteX63" y="connsiteY63"/>
+                </a:cxn>
+                <a:cxn ang="0">
+                  <a:pos x="connsiteX64" y="connsiteY64"/>
+                </a:cxn>
+                <a:cxn ang="0">
+                  <a:pos x="connsiteX65" y="connsiteY65"/>
+                </a:cxn>
+                <a:cxn ang="0">
+                  <a:pos x="connsiteX66" y="connsiteY66"/>
+                </a:cxn>
+                <a:cxn ang="0">
+                  <a:pos x="connsiteX67" y="connsiteY67"/>
+                </a:cxn>
+                <a:cxn ang="0">
+                  <a:pos x="connsiteX68" y="connsiteY68"/>
+                </a:cxn>
+                <a:cxn ang="0">
+                  <a:pos x="connsiteX69" y="connsiteY69"/>
+                </a:cxn>
+                <a:cxn ang="0">
+                  <a:pos x="connsiteX70" y="connsiteY70"/>
+                </a:cxn>
+                <a:cxn ang="0">
+                  <a:pos x="connsiteX71" y="connsiteY71"/>
+                </a:cxn>
+                <a:cxn ang="0">
+                  <a:pos x="connsiteX72" y="connsiteY72"/>
+                </a:cxn>
+                <a:cxn ang="0">
+                  <a:pos x="connsiteX73" y="connsiteY73"/>
+                </a:cxn>
+                <a:cxn ang="0">
+                  <a:pos x="connsiteX74" y="connsiteY74"/>
+                </a:cxn>
+                <a:cxn ang="0">
+                  <a:pos x="connsiteX75" y="connsiteY75"/>
+                </a:cxn>
+                <a:cxn ang="0">
+                  <a:pos x="connsiteX76" y="connsiteY76"/>
+                </a:cxn>
+                <a:cxn ang="0">
+                  <a:pos x="connsiteX77" y="connsiteY77"/>
+                </a:cxn>
+                <a:cxn ang="0">
+                  <a:pos x="connsiteX78" y="connsiteY78"/>
+                </a:cxn>
+                <a:cxn ang="0">
+                  <a:pos x="connsiteX79" y="connsiteY79"/>
+                </a:cxn>
+                <a:cxn ang="0">
+                  <a:pos x="connsiteX80" y="connsiteY80"/>
+                </a:cxn>
+                <a:cxn ang="0">
+                  <a:pos x="connsiteX81" y="connsiteY81"/>
+                </a:cxn>
+                <a:cxn ang="0">
+                  <a:pos x="connsiteX82" y="connsiteY82"/>
+                </a:cxn>
+                <a:cxn ang="0">
+                  <a:pos x="connsiteX83" y="connsiteY83"/>
+                </a:cxn>
+                <a:cxn ang="0">
+                  <a:pos x="connsiteX84" y="connsiteY84"/>
+                </a:cxn>
+                <a:cxn ang="0">
+                  <a:pos x="connsiteX85" y="connsiteY85"/>
+                </a:cxn>
+                <a:cxn ang="0">
+                  <a:pos x="connsiteX86" y="connsiteY86"/>
+                </a:cxn>
+                <a:cxn ang="0">
+                  <a:pos x="connsiteX87" y="connsiteY87"/>
+                </a:cxn>
+                <a:cxn ang="0">
+                  <a:pos x="connsiteX88" y="connsiteY88"/>
+                </a:cxn>
+                <a:cxn ang="0">
+                  <a:pos x="connsiteX89" y="connsiteY89"/>
+                </a:cxn>
+                <a:cxn ang="0">
+                  <a:pos x="connsiteX90" y="connsiteY90"/>
+                </a:cxn>
+                <a:cxn ang="0">
+                  <a:pos x="connsiteX91" y="connsiteY91"/>
+                </a:cxn>
+                <a:cxn ang="0">
+                  <a:pos x="connsiteX92" y="connsiteY92"/>
+                </a:cxn>
+                <a:cxn ang="0">
+                  <a:pos x="connsiteX93" y="connsiteY93"/>
+                </a:cxn>
+                <a:cxn ang="0">
+                  <a:pos x="connsiteX94" y="connsiteY94"/>
+                </a:cxn>
+                <a:cxn ang="0">
+                  <a:pos x="connsiteX95" y="connsiteY95"/>
+                </a:cxn>
+                <a:cxn ang="0">
+                  <a:pos x="connsiteX96" y="connsiteY96"/>
+                </a:cxn>
+                <a:cxn ang="0">
+                  <a:pos x="connsiteX97" y="connsiteY97"/>
+                </a:cxn>
+                <a:cxn ang="0">
+                  <a:pos x="connsiteX98" y="connsiteY98"/>
+                </a:cxn>
+                <a:cxn ang="0">
+                  <a:pos x="connsiteX99" y="connsiteY99"/>
+                </a:cxn>
+                <a:cxn ang="0">
+                  <a:pos x="connsiteX100" y="connsiteY100"/>
+                </a:cxn>
+                <a:cxn ang="0">
+                  <a:pos x="connsiteX101" y="connsiteY101"/>
+                </a:cxn>
+              </a:cxnLst>
+              <a:rect l="l" t="t" r="r" b="b"/>
+              <a:pathLst>
+                <a:path w="5822102" h="6685267">
+                  <a:moveTo>
+                    <a:pt x="2605444" y="0"/>
+                  </a:moveTo>
+                  <a:lnTo>
+                    <a:pt x="4757391" y="0"/>
+                  </a:lnTo>
+                  <a:lnTo>
+                    <a:pt x="4913680" y="56274"/>
+                  </a:lnTo>
+                  <a:cubicBezTo>
+                    <a:pt x="5074659" y="119278"/>
+                    <a:pt x="5229483" y="195083"/>
+                    <a:pt x="5376238" y="282027"/>
+                  </a:cubicBezTo>
+                  <a:cubicBezTo>
+                    <a:pt x="5474014" y="340105"/>
+                    <a:pt x="5568080" y="403280"/>
+                    <a:pt x="5658024" y="471014"/>
+                  </a:cubicBezTo>
+                  <a:lnTo>
+                    <a:pt x="5822102" y="609109"/>
+                  </a:lnTo>
+                  <a:lnTo>
+                    <a:pt x="5822102" y="760697"/>
+                  </a:lnTo>
+                  <a:lnTo>
+                    <a:pt x="5707785" y="666601"/>
+                  </a:lnTo>
+                  <a:cubicBezTo>
+                    <a:pt x="5665273" y="633682"/>
+                    <a:pt x="5621749" y="602008"/>
+                    <a:pt x="5577306" y="571666"/>
+                  </a:cubicBezTo>
+                  <a:cubicBezTo>
+                    <a:pt x="5487929" y="511562"/>
+                    <a:pt x="5395118" y="456089"/>
+                    <a:pt x="5298630" y="407449"/>
+                  </a:cubicBezTo>
+                  <a:cubicBezTo>
+                    <a:pt x="5106266" y="309010"/>
+                    <a:pt x="4901153" y="235355"/>
+                    <a:pt x="4690768" y="184979"/>
+                  </a:cubicBezTo>
+                  <a:cubicBezTo>
+                    <a:pt x="4480382" y="134486"/>
+                    <a:pt x="4264724" y="106807"/>
+                    <a:pt x="4048577" y="99280"/>
+                  </a:cubicBezTo>
+                  <a:cubicBezTo>
+                    <a:pt x="3832182" y="90709"/>
+                    <a:pt x="3617997" y="102290"/>
+                    <a:pt x="3405404" y="131937"/>
+                  </a:cubicBezTo>
+                  <a:cubicBezTo>
+                    <a:pt x="3299353" y="147340"/>
+                    <a:pt x="3193915" y="166449"/>
+                    <a:pt x="3089702" y="190190"/>
+                  </a:cubicBezTo>
+                  <a:cubicBezTo>
+                    <a:pt x="2985491" y="214278"/>
+                    <a:pt x="2882137" y="241725"/>
+                    <a:pt x="2780132" y="273457"/>
+                  </a:cubicBezTo>
+                  <a:cubicBezTo>
+                    <a:pt x="2678126" y="305073"/>
+                    <a:pt x="2577348" y="340510"/>
+                    <a:pt x="2478040" y="379654"/>
+                  </a:cubicBezTo>
+                  <a:cubicBezTo>
+                    <a:pt x="2378854" y="418914"/>
+                    <a:pt x="2281017" y="461763"/>
+                    <a:pt x="2184897" y="507972"/>
+                  </a:cubicBezTo>
+                  <a:cubicBezTo>
+                    <a:pt x="1992657" y="600271"/>
+                    <a:pt x="1806791" y="705542"/>
+                    <a:pt x="1629141" y="823205"/>
+                  </a:cubicBezTo>
+                  <a:cubicBezTo>
+                    <a:pt x="1584882" y="852736"/>
+                    <a:pt x="1540745" y="882731"/>
+                    <a:pt x="1497711" y="914000"/>
+                  </a:cubicBezTo>
+                  <a:cubicBezTo>
+                    <a:pt x="1475888" y="929286"/>
+                    <a:pt x="1454555" y="945153"/>
+                    <a:pt x="1433099" y="960903"/>
+                  </a:cubicBezTo>
+                  <a:cubicBezTo>
+                    <a:pt x="1411521" y="976537"/>
+                    <a:pt x="1390311" y="992634"/>
+                    <a:pt x="1369346" y="1008963"/>
+                  </a:cubicBezTo>
+                  <a:cubicBezTo>
+                    <a:pt x="1285119" y="1074165"/>
+                    <a:pt x="1202730" y="1141797"/>
+                    <a:pt x="1123406" y="1212905"/>
+                  </a:cubicBezTo>
+                  <a:cubicBezTo>
+                    <a:pt x="964391" y="1354656"/>
+                    <a:pt x="816900" y="1509261"/>
+                    <a:pt x="684367" y="1675564"/>
+                  </a:cubicBezTo>
+                  <a:cubicBezTo>
+                    <a:pt x="618161" y="1758716"/>
+                    <a:pt x="555512" y="1844763"/>
+                    <a:pt x="497153" y="1933588"/>
+                  </a:cubicBezTo>
+                  <a:cubicBezTo>
+                    <a:pt x="439775" y="2022877"/>
+                    <a:pt x="385584" y="2114367"/>
+                    <a:pt x="337770" y="2208983"/>
+                  </a:cubicBezTo>
+                  <a:cubicBezTo>
+                    <a:pt x="325388" y="2232493"/>
+                    <a:pt x="313862" y="2256349"/>
+                    <a:pt x="302461" y="2280207"/>
+                  </a:cubicBezTo>
+                  <a:lnTo>
+                    <a:pt x="285296" y="2316107"/>
+                  </a:lnTo>
+                  <a:lnTo>
+                    <a:pt x="268991" y="2352355"/>
+                  </a:lnTo>
+                  <a:cubicBezTo>
+                    <a:pt x="258324" y="2376560"/>
+                    <a:pt x="247535" y="2400764"/>
+                    <a:pt x="237849" y="2425432"/>
+                  </a:cubicBezTo>
+                  <a:cubicBezTo>
+                    <a:pt x="228163" y="2450099"/>
+                    <a:pt x="217498" y="2474419"/>
+                    <a:pt x="208670" y="2499319"/>
+                  </a:cubicBezTo>
+                  <a:cubicBezTo>
+                    <a:pt x="170909" y="2598219"/>
+                    <a:pt x="138908" y="2699206"/>
+                    <a:pt x="113775" y="2801929"/>
+                  </a:cubicBezTo>
+                  <a:cubicBezTo>
+                    <a:pt x="62773" y="3006911"/>
+                    <a:pt x="36659" y="3217917"/>
+                    <a:pt x="36781" y="3428922"/>
+                  </a:cubicBezTo>
+                  <a:cubicBezTo>
+                    <a:pt x="37394" y="3534078"/>
+                    <a:pt x="47816" y="3639001"/>
+                    <a:pt x="69148" y="3741955"/>
+                  </a:cubicBezTo>
+                  <a:cubicBezTo>
+                    <a:pt x="91585" y="3844679"/>
+                    <a:pt x="124074" y="3945202"/>
+                    <a:pt x="167966" y="4041323"/>
+                  </a:cubicBezTo>
+                  <a:cubicBezTo>
+                    <a:pt x="178387" y="4065528"/>
+                    <a:pt x="190525" y="4089153"/>
+                    <a:pt x="202049" y="4112894"/>
+                  </a:cubicBezTo>
+                  <a:cubicBezTo>
+                    <a:pt x="214555" y="4136288"/>
+                    <a:pt x="226447" y="4159912"/>
+                    <a:pt x="239933" y="4182843"/>
+                  </a:cubicBezTo>
+                  <a:cubicBezTo>
+                    <a:pt x="265680" y="4229167"/>
+                    <a:pt x="294368" y="4274101"/>
+                    <a:pt x="323916" y="4318456"/>
+                  </a:cubicBezTo>
+                  <a:cubicBezTo>
+                    <a:pt x="353341" y="4362927"/>
+                    <a:pt x="384849" y="4406240"/>
+                    <a:pt x="416604" y="4449436"/>
+                  </a:cubicBezTo>
+                  <a:cubicBezTo>
+                    <a:pt x="448847" y="4492286"/>
+                    <a:pt x="482319" y="4534557"/>
+                    <a:pt x="515911" y="4576711"/>
+                  </a:cubicBezTo>
+                  <a:cubicBezTo>
+                    <a:pt x="583219" y="4661137"/>
+                    <a:pt x="653594" y="4743825"/>
+                    <a:pt x="722619" y="4828482"/>
+                  </a:cubicBezTo>
+                  <a:cubicBezTo>
+                    <a:pt x="757315" y="4870637"/>
+                    <a:pt x="791889" y="4913138"/>
+                    <a:pt x="825972" y="4956104"/>
+                  </a:cubicBezTo>
+                  <a:cubicBezTo>
+                    <a:pt x="859934" y="4998722"/>
+                    <a:pt x="893649" y="5044004"/>
+                    <a:pt x="926506" y="5085347"/>
+                  </a:cubicBezTo>
+                  <a:cubicBezTo>
+                    <a:pt x="959119" y="5127734"/>
+                    <a:pt x="993324" y="5168847"/>
+                    <a:pt x="1027040" y="5210191"/>
+                  </a:cubicBezTo>
+                  <a:cubicBezTo>
+                    <a:pt x="1061737" y="5250840"/>
+                    <a:pt x="1096188" y="5291488"/>
+                    <a:pt x="1132110" y="5330748"/>
+                  </a:cubicBezTo>
+                  <a:cubicBezTo>
+                    <a:pt x="1203465" y="5409731"/>
+                    <a:pt x="1277639" y="5485818"/>
+                    <a:pt x="1354880" y="5558083"/>
+                  </a:cubicBezTo>
+                  <a:cubicBezTo>
+                    <a:pt x="1509603" y="5702266"/>
+                    <a:pt x="1676588" y="5830930"/>
+                    <a:pt x="1855220" y="5937591"/>
+                  </a:cubicBezTo>
+                  <a:cubicBezTo>
+                    <a:pt x="1944720" y="5990632"/>
+                    <a:pt x="2036549" y="6039272"/>
+                    <a:pt x="2131810" y="6080268"/>
+                  </a:cubicBezTo>
+                  <a:cubicBezTo>
+                    <a:pt x="2226460" y="6122423"/>
+                    <a:pt x="2324173" y="6157977"/>
+                    <a:pt x="2423726" y="6188087"/>
+                  </a:cubicBezTo>
+                  <a:cubicBezTo>
+                    <a:pt x="2523280" y="6218313"/>
+                    <a:pt x="2624794" y="6242749"/>
+                    <a:pt x="2727780" y="6262552"/>
+                  </a:cubicBezTo>
+                  <a:cubicBezTo>
+                    <a:pt x="2830890" y="6282008"/>
+                    <a:pt x="2935714" y="6295326"/>
+                    <a:pt x="3041276" y="6304245"/>
+                  </a:cubicBezTo>
+                  <a:cubicBezTo>
+                    <a:pt x="3146836" y="6313277"/>
+                    <a:pt x="3253499" y="6317215"/>
+                    <a:pt x="3360532" y="6317331"/>
+                  </a:cubicBezTo>
+                  <a:cubicBezTo>
+                    <a:pt x="3387259" y="6317331"/>
+                    <a:pt x="3414354" y="6317794"/>
+                    <a:pt x="3439855" y="6316751"/>
+                  </a:cubicBezTo>
+                  <a:lnTo>
+                    <a:pt x="3478721" y="6315826"/>
+                  </a:lnTo>
+                  <a:lnTo>
+                    <a:pt x="3517463" y="6313971"/>
+                  </a:lnTo>
+                  <a:cubicBezTo>
+                    <a:pt x="3569078" y="6311772"/>
+                    <a:pt x="3620449" y="6306907"/>
+                    <a:pt x="3671452" y="6301233"/>
+                  </a:cubicBezTo>
+                  <a:cubicBezTo>
+                    <a:pt x="3875707" y="6277608"/>
+                    <a:pt x="4074445" y="6225841"/>
+                    <a:pt x="4265460" y="6149638"/>
+                  </a:cubicBezTo>
+                  <a:cubicBezTo>
+                    <a:pt x="4361212" y="6111884"/>
+                    <a:pt x="4454636" y="6067065"/>
+                    <a:pt x="4546587" y="6018079"/>
+                  </a:cubicBezTo>
+                  <a:cubicBezTo>
+                    <a:pt x="4638662" y="5969322"/>
+                    <a:pt x="4729020" y="5915240"/>
+                    <a:pt x="4818030" y="5858029"/>
+                  </a:cubicBezTo>
+                  <a:cubicBezTo>
+                    <a:pt x="4907038" y="5800703"/>
+                    <a:pt x="4994577" y="5739672"/>
+                    <a:pt x="5081870" y="5676903"/>
+                  </a:cubicBezTo>
+                  <a:cubicBezTo>
+                    <a:pt x="5125392" y="5645519"/>
+                    <a:pt x="5168794" y="5613324"/>
+                    <a:pt x="5212073" y="5581013"/>
+                  </a:cubicBezTo>
+                  <a:lnTo>
+                    <a:pt x="5343625" y="5481533"/>
+                  </a:lnTo>
+                  <a:cubicBezTo>
+                    <a:pt x="5432696" y="5414768"/>
+                    <a:pt x="5521951" y="5349452"/>
+                    <a:pt x="5610378" y="5284425"/>
+                  </a:cubicBezTo>
+                  <a:lnTo>
+                    <a:pt x="5822102" y="5126414"/>
+                  </a:lnTo>
+                  <a:lnTo>
+                    <a:pt x="5822102" y="5556641"/>
+                  </a:lnTo>
+                  <a:lnTo>
+                    <a:pt x="5576325" y="5749979"/>
+                  </a:lnTo>
+                  <a:lnTo>
+                    <a:pt x="5447715" y="5852818"/>
+                  </a:lnTo>
+                  <a:cubicBezTo>
+                    <a:pt x="5403945" y="5887445"/>
+                    <a:pt x="5359932" y="5922073"/>
+                    <a:pt x="5315059" y="5956236"/>
+                  </a:cubicBezTo>
+                  <a:cubicBezTo>
+                    <a:pt x="5225682" y="6024680"/>
+                    <a:pt x="5133976" y="6091734"/>
+                    <a:pt x="5038468" y="6155776"/>
+                  </a:cubicBezTo>
+                  <a:cubicBezTo>
+                    <a:pt x="4943084" y="6219703"/>
+                    <a:pt x="4845002" y="6281777"/>
+                    <a:pt x="4741892" y="6338292"/>
+                  </a:cubicBezTo>
+                  <a:cubicBezTo>
+                    <a:pt x="4638784" y="6394692"/>
+                    <a:pt x="4532120" y="6447038"/>
+                    <a:pt x="4420920" y="6492203"/>
+                  </a:cubicBezTo>
+                  <a:cubicBezTo>
+                    <a:pt x="4199255" y="6583693"/>
+                    <a:pt x="3959813" y="6644840"/>
+                    <a:pt x="3717672" y="6670434"/>
+                  </a:cubicBezTo>
+                  <a:cubicBezTo>
+                    <a:pt x="3657106" y="6676456"/>
+                    <a:pt x="3596419" y="6681321"/>
+                    <a:pt x="3535853" y="6683289"/>
+                  </a:cubicBezTo>
+                  <a:lnTo>
+                    <a:pt x="3490367" y="6684910"/>
+                  </a:lnTo>
+                  <a:lnTo>
+                    <a:pt x="3445005" y="6685142"/>
+                  </a:lnTo>
+                  <a:cubicBezTo>
+                    <a:pt x="3414354" y="6685605"/>
+                    <a:pt x="3385297" y="6684679"/>
+                    <a:pt x="3355872" y="6684100"/>
+                  </a:cubicBezTo>
+                  <a:cubicBezTo>
+                    <a:pt x="3297146" y="6683405"/>
+                    <a:pt x="3238052" y="6680047"/>
+                    <a:pt x="3179203" y="6677150"/>
+                  </a:cubicBezTo>
+                  <a:cubicBezTo>
+                    <a:pt x="3120232" y="6672519"/>
+                    <a:pt x="3061259" y="6668233"/>
+                    <a:pt x="3002410" y="6661169"/>
+                  </a:cubicBezTo>
+                  <a:cubicBezTo>
+                    <a:pt x="2884589" y="6647851"/>
+                    <a:pt x="2766891" y="6629669"/>
+                    <a:pt x="2650296" y="6604191"/>
+                  </a:cubicBezTo>
+                  <a:cubicBezTo>
+                    <a:pt x="2533702" y="6578713"/>
+                    <a:pt x="2418456" y="6545938"/>
+                    <a:pt x="2306028" y="6505869"/>
+                  </a:cubicBezTo>
+                  <a:cubicBezTo>
+                    <a:pt x="2193602" y="6465683"/>
+                    <a:pt x="2084118" y="6417738"/>
+                    <a:pt x="1978803" y="6363307"/>
+                  </a:cubicBezTo>
+                  <a:cubicBezTo>
+                    <a:pt x="1873855" y="6308066"/>
+                    <a:pt x="1773077" y="6246340"/>
+                    <a:pt x="1678428" y="6177779"/>
+                  </a:cubicBezTo>
+                  <a:cubicBezTo>
+                    <a:pt x="1488393" y="6041356"/>
+                    <a:pt x="1321900" y="5881423"/>
+                    <a:pt x="1175880" y="5710373"/>
+                  </a:cubicBezTo>
+                  <a:cubicBezTo>
+                    <a:pt x="1103177" y="5624441"/>
+                    <a:pt x="1035501" y="5535732"/>
+                    <a:pt x="971502" y="5445399"/>
+                  </a:cubicBezTo>
+                  <a:cubicBezTo>
+                    <a:pt x="907380" y="5355069"/>
+                    <a:pt x="847550" y="5262768"/>
+                    <a:pt x="790909" y="5169078"/>
+                  </a:cubicBezTo>
+                  <a:cubicBezTo>
+                    <a:pt x="761974" y="5121712"/>
+                    <a:pt x="735492" y="5077357"/>
+                    <a:pt x="706680" y="5031959"/>
+                  </a:cubicBezTo>
+                  <a:cubicBezTo>
+                    <a:pt x="678114" y="4986910"/>
+                    <a:pt x="649058" y="4941860"/>
+                    <a:pt x="619143" y="4897157"/>
+                  </a:cubicBezTo>
+                  <a:lnTo>
+                    <a:pt x="436465" y="4628710"/>
+                  </a:lnTo>
+                  <a:cubicBezTo>
+                    <a:pt x="406182" y="4583544"/>
+                    <a:pt x="376267" y="4538147"/>
+                    <a:pt x="347088" y="4492171"/>
+                  </a:cubicBezTo>
+                  <a:cubicBezTo>
+                    <a:pt x="317908" y="4446194"/>
+                    <a:pt x="288974" y="4400102"/>
+                    <a:pt x="262001" y="4352619"/>
+                  </a:cubicBezTo>
+                  <a:cubicBezTo>
+                    <a:pt x="207934" y="4258119"/>
+                    <a:pt x="158280" y="4160840"/>
+                    <a:pt x="118679" y="4059853"/>
+                  </a:cubicBezTo>
+                  <a:cubicBezTo>
+                    <a:pt x="78343" y="3959214"/>
+                    <a:pt x="48429" y="3854870"/>
+                    <a:pt x="28322" y="3749136"/>
+                  </a:cubicBezTo>
+                  <a:cubicBezTo>
+                    <a:pt x="9073" y="3643402"/>
+                    <a:pt x="0" y="3536046"/>
+                    <a:pt x="0" y="3428922"/>
+                  </a:cubicBezTo>
+                  <a:cubicBezTo>
+                    <a:pt x="1594" y="3001816"/>
+                    <a:pt x="89010" y="2575868"/>
+                    <a:pt x="253052" y="2174356"/>
+                  </a:cubicBezTo>
+                  <a:cubicBezTo>
+                    <a:pt x="294246" y="2074066"/>
+                    <a:pt x="338873" y="1974700"/>
+                    <a:pt x="389141" y="1877652"/>
+                  </a:cubicBezTo>
+                  <a:cubicBezTo>
+                    <a:pt x="438672" y="1780256"/>
+                    <a:pt x="493230" y="1684945"/>
+                    <a:pt x="552079" y="1591834"/>
+                  </a:cubicBezTo>
+                  <a:cubicBezTo>
+                    <a:pt x="669900" y="1405728"/>
+                    <a:pt x="804394" y="1227729"/>
+                    <a:pt x="954950" y="1061773"/>
+                  </a:cubicBezTo>
+                  <a:cubicBezTo>
+                    <a:pt x="1030597" y="979085"/>
+                    <a:pt x="1109552" y="898829"/>
+                    <a:pt x="1192922" y="822626"/>
+                  </a:cubicBezTo>
+                  <a:cubicBezTo>
+                    <a:pt x="1213642" y="803402"/>
+                    <a:pt x="1234483" y="784409"/>
+                    <a:pt x="1255939" y="765880"/>
+                  </a:cubicBezTo>
+                  <a:cubicBezTo>
+                    <a:pt x="1277273" y="747234"/>
+                    <a:pt x="1298237" y="728241"/>
+                    <a:pt x="1320183" y="710291"/>
+                  </a:cubicBezTo>
+                  <a:cubicBezTo>
+                    <a:pt x="1363585" y="673811"/>
+                    <a:pt x="1408088" y="638489"/>
+                    <a:pt x="1452961" y="603514"/>
+                  </a:cubicBezTo>
+                  <a:cubicBezTo>
+                    <a:pt x="1633310" y="464543"/>
+                    <a:pt x="1828125" y="341437"/>
+                    <a:pt x="2033360" y="235818"/>
+                  </a:cubicBezTo>
+                  <a:cubicBezTo>
+                    <a:pt x="2187242" y="156561"/>
+                    <a:pt x="2347554" y="87597"/>
+                    <a:pt x="2512513" y="30012"/>
+                  </a:cubicBezTo>
+                  <a:close/>
+                </a:path>
+              </a:pathLst>
+            </a:custGeom>
+            <a:gradFill>
+              <a:gsLst>
+                <a:gs pos="2000">
+                  <a:schemeClr val="bg1">
+                    <a:alpha val="10000"/>
+                  </a:schemeClr>
+                </a:gs>
+                <a:gs pos="16000">
+                  <a:schemeClr val="accent6">
+                    <a:alpha val="10000"/>
+                  </a:schemeClr>
+                </a:gs>
+                <a:gs pos="100000">
+                  <a:schemeClr val="bg1">
+                    <a:alpha val="10000"/>
+                  </a:schemeClr>
+                </a:gs>
+                <a:gs pos="85000">
+                  <a:schemeClr val="accent1">
+                    <a:alpha val="10000"/>
+                  </a:schemeClr>
+                </a:gs>
+              </a:gsLst>
+              <a:lin ang="12000000" scaled="0"/>
+            </a:gradFill>
+            <a:ln>
+              <a:noFill/>
+            </a:ln>
+          </p:spPr>
+          <p:style>
+            <a:lnRef idx="2">
+              <a:schemeClr val="accent1">
+                <a:shade val="50000"/>
+              </a:schemeClr>
+            </a:lnRef>
+            <a:fillRef idx="1">
+              <a:schemeClr val="accent1"/>
+            </a:fillRef>
+            <a:effectRef idx="0">
+              <a:schemeClr val="accent1"/>
+            </a:effectRef>
+            <a:fontRef idx="minor">
+              <a:schemeClr val="lt1"/>
+            </a:fontRef>
+          </p:style>
+          <p:txBody>
+            <a:bodyPr rtlCol="0" anchor="ctr"/>
+            <a:lstStyle/>
+            <a:p>
+              <a:pPr algn="ctr"/>
+              <a:endParaRPr lang="en-US"/>
+            </a:p>
+          </p:txBody>
+        </p:sp>
+        <p:sp>
+          <p:nvSpPr>
+            <p:cNvPr id="54" name="Freeform: Shape 29">
+              <a:extLst>
+                <a:ext uri="{FF2B5EF4-FFF2-40B4-BE49-F238E27FC236}">
+                  <a16:creationId xmlns:a16="http://schemas.microsoft.com/office/drawing/2014/main" id="{15102EBE-A80F-4CFF-B1DD-941EF9728B54}"/>
+                </a:ext>
+                <a:ext uri="{C183D7F6-B498-43B3-948B-1728B52AA6E4}">
+                  <adec:decorative xmlns:adec="http://schemas.microsoft.com/office/drawing/2017/decorative" val="1"/>
+                </a:ext>
+              </a:extLst>
+            </p:cNvPr>
+            <p:cNvSpPr/>
+            <p:nvPr>
+              <p:extLst>
+                <p:ext uri="{386F3935-93C4-4BCD-93E2-E3B085C9AB24}">
+                  <p16:designElem xmlns:p16="http://schemas.microsoft.com/office/powerpoint/2015/main" val="1"/>
+                </p:ext>
+              </p:extLst>
+            </p:nvPr>
+          </p:nvSpPr>
+          <p:spPr>
+            <a:xfrm>
+              <a:off x="6404998" y="98659"/>
+              <a:ext cx="5774333" cy="6315453"/>
+            </a:xfrm>
+            <a:custGeom>
+              <a:avLst/>
+              <a:gdLst>
+                <a:gd name="connsiteX0" fmla="*/ 3707237 w 5774333"/>
+                <a:gd name="connsiteY0" fmla="*/ 1489 h 6315453"/>
+                <a:gd name="connsiteX1" fmla="*/ 4037665 w 5774333"/>
+                <a:gd name="connsiteY1" fmla="*/ 6121 h 6315453"/>
+                <a:gd name="connsiteX2" fmla="*/ 4692239 w 5774333"/>
+                <a:gd name="connsiteY2" fmla="*/ 102128 h 6315453"/>
+                <a:gd name="connsiteX3" fmla="*/ 5315059 w 5774333"/>
+                <a:gd name="connsiteY3" fmla="*/ 324945 h 6315453"/>
+                <a:gd name="connsiteX4" fmla="*/ 5738325 w 5774333"/>
+                <a:gd name="connsiteY4" fmla="*/ 578286 h 6315453"/>
+                <a:gd name="connsiteX5" fmla="*/ 5774333 w 5774333"/>
+                <a:gd name="connsiteY5" fmla="*/ 606551 h 6315453"/>
+                <a:gd name="connsiteX6" fmla="*/ 5774333 w 5774333"/>
+                <a:gd name="connsiteY6" fmla="*/ 975490 h 6315453"/>
+                <a:gd name="connsiteX7" fmla="*/ 5676001 w 5774333"/>
+                <a:gd name="connsiteY7" fmla="*/ 889749 h 6315453"/>
+                <a:gd name="connsiteX8" fmla="*/ 5177132 w 5774333"/>
+                <a:gd name="connsiteY8" fmla="*/ 581926 h 6315453"/>
+                <a:gd name="connsiteX9" fmla="*/ 4615735 w 5774333"/>
+                <a:gd name="connsiteY9" fmla="*/ 388640 h 6315453"/>
+                <a:gd name="connsiteX10" fmla="*/ 4020010 w 5774333"/>
+                <a:gd name="connsiteY10" fmla="*/ 308500 h 6315453"/>
+                <a:gd name="connsiteX11" fmla="*/ 3416315 w 5774333"/>
+                <a:gd name="connsiteY11" fmla="*/ 328882 h 6315453"/>
+                <a:gd name="connsiteX12" fmla="*/ 2823779 w 5774333"/>
+                <a:gd name="connsiteY12" fmla="*/ 446545 h 6315453"/>
+                <a:gd name="connsiteX13" fmla="*/ 2256987 w 5774333"/>
+                <a:gd name="connsiteY13" fmla="*/ 651296 h 6315453"/>
+                <a:gd name="connsiteX14" fmla="*/ 1244169 w 5774333"/>
+                <a:gd name="connsiteY14" fmla="*/ 1280374 h 6315453"/>
+                <a:gd name="connsiteX15" fmla="*/ 830141 w 5774333"/>
+                <a:gd name="connsiteY15" fmla="*/ 1700184 h 6315453"/>
+                <a:gd name="connsiteX16" fmla="*/ 502792 w 5774333"/>
+                <a:gd name="connsiteY16" fmla="*/ 2182300 h 6315453"/>
+                <a:gd name="connsiteX17" fmla="*/ 280637 w 5774333"/>
+                <a:gd name="connsiteY17" fmla="*/ 2715256 h 6315453"/>
+                <a:gd name="connsiteX18" fmla="*/ 199843 w 5774333"/>
+                <a:gd name="connsiteY18" fmla="*/ 3283418 h 6315453"/>
+                <a:gd name="connsiteX19" fmla="*/ 233926 w 5774333"/>
+                <a:gd name="connsiteY19" fmla="*/ 3561593 h 6315453"/>
+                <a:gd name="connsiteX20" fmla="*/ 334582 w 5774333"/>
+                <a:gd name="connsiteY20" fmla="*/ 3821816 h 6315453"/>
+                <a:gd name="connsiteX21" fmla="*/ 404834 w 5774333"/>
+                <a:gd name="connsiteY21" fmla="*/ 3944343 h 6315453"/>
+                <a:gd name="connsiteX22" fmla="*/ 485506 w 5774333"/>
+                <a:gd name="connsiteY22" fmla="*/ 4062932 h 6315453"/>
+                <a:gd name="connsiteX23" fmla="*/ 671861 w 5774333"/>
+                <a:gd name="connsiteY23" fmla="*/ 4292120 h 6315453"/>
+                <a:gd name="connsiteX24" fmla="*/ 873542 w 5774333"/>
+                <a:gd name="connsiteY24" fmla="*/ 4523044 h 6315453"/>
+                <a:gd name="connsiteX25" fmla="*/ 973831 w 5774333"/>
+                <a:gd name="connsiteY25" fmla="*/ 4643601 h 6315453"/>
+                <a:gd name="connsiteX26" fmla="*/ 1022014 w 5774333"/>
+                <a:gd name="connsiteY26" fmla="*/ 4702780 h 6315453"/>
+                <a:gd name="connsiteX27" fmla="*/ 1069215 w 5774333"/>
+                <a:gd name="connsiteY27" fmla="*/ 4759411 h 6315453"/>
+                <a:gd name="connsiteX28" fmla="*/ 1474784 w 5774333"/>
+                <a:gd name="connsiteY28" fmla="*/ 5177948 h 6315453"/>
+                <a:gd name="connsiteX29" fmla="*/ 1690442 w 5774333"/>
+                <a:gd name="connsiteY29" fmla="*/ 5366255 h 6315453"/>
+                <a:gd name="connsiteX30" fmla="*/ 1916276 w 5774333"/>
+                <a:gd name="connsiteY30" fmla="*/ 5539852 h 6315453"/>
+                <a:gd name="connsiteX31" fmla="*/ 2420784 w 5774333"/>
+                <a:gd name="connsiteY31" fmla="*/ 5814437 h 6315453"/>
+                <a:gd name="connsiteX32" fmla="*/ 2703015 w 5774333"/>
+                <a:gd name="connsiteY32" fmla="*/ 5892029 h 6315453"/>
+                <a:gd name="connsiteX33" fmla="*/ 2775350 w 5774333"/>
+                <a:gd name="connsiteY33" fmla="*/ 5905695 h 6315453"/>
+                <a:gd name="connsiteX34" fmla="*/ 2848299 w 5774333"/>
+                <a:gd name="connsiteY34" fmla="*/ 5917161 h 6315453"/>
+                <a:gd name="connsiteX35" fmla="*/ 2995544 w 5774333"/>
+                <a:gd name="connsiteY35" fmla="*/ 5933605 h 6315453"/>
+                <a:gd name="connsiteX36" fmla="*/ 3069596 w 5774333"/>
+                <a:gd name="connsiteY36" fmla="*/ 5938933 h 6315453"/>
+                <a:gd name="connsiteX37" fmla="*/ 3143894 w 5774333"/>
+                <a:gd name="connsiteY37" fmla="*/ 5942639 h 6315453"/>
+                <a:gd name="connsiteX38" fmla="*/ 3218436 w 5774333"/>
+                <a:gd name="connsiteY38" fmla="*/ 5944260 h 6315453"/>
+                <a:gd name="connsiteX39" fmla="*/ 3293101 w 5774333"/>
+                <a:gd name="connsiteY39" fmla="*/ 5943913 h 6315453"/>
+                <a:gd name="connsiteX40" fmla="*/ 3330494 w 5774333"/>
+                <a:gd name="connsiteY40" fmla="*/ 5943565 h 6315453"/>
+                <a:gd name="connsiteX41" fmla="*/ 3366540 w 5774333"/>
+                <a:gd name="connsiteY41" fmla="*/ 5942059 h 6315453"/>
+                <a:gd name="connsiteX42" fmla="*/ 3402462 w 5774333"/>
+                <a:gd name="connsiteY42" fmla="*/ 5940323 h 6315453"/>
+                <a:gd name="connsiteX43" fmla="*/ 3438262 w 5774333"/>
+                <a:gd name="connsiteY43" fmla="*/ 5937543 h 6315453"/>
+                <a:gd name="connsiteX44" fmla="*/ 3580236 w 5774333"/>
+                <a:gd name="connsiteY44" fmla="*/ 5920982 h 6315453"/>
+                <a:gd name="connsiteX45" fmla="*/ 4121034 w 5774333"/>
+                <a:gd name="connsiteY45" fmla="*/ 5753290 h 6315453"/>
+                <a:gd name="connsiteX46" fmla="*/ 4620639 w 5774333"/>
+                <a:gd name="connsiteY46" fmla="*/ 5459364 h 6315453"/>
+                <a:gd name="connsiteX47" fmla="*/ 4741771 w 5774333"/>
+                <a:gd name="connsiteY47" fmla="*/ 5372971 h 6315453"/>
+                <a:gd name="connsiteX48" fmla="*/ 4862901 w 5774333"/>
+                <a:gd name="connsiteY48" fmla="*/ 5283682 h 6315453"/>
+                <a:gd name="connsiteX49" fmla="*/ 5108229 w 5774333"/>
+                <a:gd name="connsiteY49" fmla="*/ 5098386 h 6315453"/>
+                <a:gd name="connsiteX50" fmla="*/ 5612493 w 5774333"/>
+                <a:gd name="connsiteY50" fmla="*/ 4739724 h 6315453"/>
+                <a:gd name="connsiteX51" fmla="*/ 5774333 w 5774333"/>
+                <a:gd name="connsiteY51" fmla="*/ 4623488 h 6315453"/>
+                <a:gd name="connsiteX52" fmla="*/ 5774333 w 5774333"/>
+                <a:gd name="connsiteY52" fmla="*/ 5232926 h 6315453"/>
+                <a:gd name="connsiteX53" fmla="*/ 5676492 w 5774333"/>
+                <a:gd name="connsiteY53" fmla="*/ 5306859 h 6315453"/>
+                <a:gd name="connsiteX54" fmla="*/ 5426260 w 5774333"/>
+                <a:gd name="connsiteY54" fmla="*/ 5486233 h 6315453"/>
+                <a:gd name="connsiteX55" fmla="*/ 5300225 w 5774333"/>
+                <a:gd name="connsiteY55" fmla="*/ 5576217 h 6315453"/>
+                <a:gd name="connsiteX56" fmla="*/ 5170757 w 5774333"/>
+                <a:gd name="connsiteY56" fmla="*/ 5666780 h 6315453"/>
+                <a:gd name="connsiteX57" fmla="*/ 5038100 w 5774333"/>
+                <a:gd name="connsiteY57" fmla="*/ 5756185 h 6315453"/>
+                <a:gd name="connsiteX58" fmla="*/ 4901276 w 5774333"/>
+                <a:gd name="connsiteY58" fmla="*/ 5843043 h 6315453"/>
+                <a:gd name="connsiteX59" fmla="*/ 4614019 w 5774333"/>
+                <a:gd name="connsiteY59" fmla="*/ 6006103 h 6315453"/>
+                <a:gd name="connsiteX60" fmla="*/ 4305061 w 5774333"/>
+                <a:gd name="connsiteY60" fmla="*/ 6144726 h 6315453"/>
+                <a:gd name="connsiteX61" fmla="*/ 3632710 w 5774333"/>
+                <a:gd name="connsiteY61" fmla="*/ 6304196 h 6315453"/>
+                <a:gd name="connsiteX62" fmla="*/ 3459594 w 5774333"/>
+                <a:gd name="connsiteY62" fmla="*/ 6314504 h 6315453"/>
+                <a:gd name="connsiteX63" fmla="*/ 3416315 w 5774333"/>
+                <a:gd name="connsiteY63" fmla="*/ 6315429 h 6315453"/>
+                <a:gd name="connsiteX64" fmla="*/ 3373159 w 5774333"/>
+                <a:gd name="connsiteY64" fmla="*/ 6315198 h 6315453"/>
+                <a:gd name="connsiteX65" fmla="*/ 3330127 w 5774333"/>
+                <a:gd name="connsiteY65" fmla="*/ 6314735 h 6315453"/>
+                <a:gd name="connsiteX66" fmla="*/ 3288320 w 5774333"/>
+                <a:gd name="connsiteY66" fmla="*/ 6313230 h 6315453"/>
+                <a:gd name="connsiteX67" fmla="*/ 2954350 w 5774333"/>
+                <a:gd name="connsiteY67" fmla="*/ 6288098 h 6315453"/>
+                <a:gd name="connsiteX68" fmla="*/ 2622466 w 5774333"/>
+                <a:gd name="connsiteY68" fmla="*/ 6232742 h 6315453"/>
+                <a:gd name="connsiteX69" fmla="*/ 2296466 w 5774333"/>
+                <a:gd name="connsiteY69" fmla="*/ 6146001 h 6315453"/>
+                <a:gd name="connsiteX70" fmla="*/ 1672419 w 5774333"/>
+                <a:gd name="connsiteY70" fmla="*/ 5885197 h 6315453"/>
+                <a:gd name="connsiteX71" fmla="*/ 1146578 w 5774333"/>
+                <a:gd name="connsiteY71" fmla="*/ 5479168 h 6315453"/>
+                <a:gd name="connsiteX72" fmla="*/ 933372 w 5774333"/>
+                <a:gd name="connsiteY72" fmla="*/ 5234810 h 6315453"/>
+                <a:gd name="connsiteX73" fmla="*/ 747140 w 5774333"/>
+                <a:gd name="connsiteY73" fmla="*/ 4976091 h 6315453"/>
+                <a:gd name="connsiteX74" fmla="*/ 703616 w 5774333"/>
+                <a:gd name="connsiteY74" fmla="*/ 4910196 h 6315453"/>
+                <a:gd name="connsiteX75" fmla="*/ 662053 w 5774333"/>
+                <a:gd name="connsiteY75" fmla="*/ 4846269 h 6315453"/>
+                <a:gd name="connsiteX76" fmla="*/ 580033 w 5774333"/>
+                <a:gd name="connsiteY76" fmla="*/ 4722352 h 6315453"/>
+                <a:gd name="connsiteX77" fmla="*/ 410105 w 5774333"/>
+                <a:gd name="connsiteY77" fmla="*/ 4469193 h 6315453"/>
+                <a:gd name="connsiteX78" fmla="*/ 244224 w 5774333"/>
+                <a:gd name="connsiteY78" fmla="*/ 4201556 h 6315453"/>
+                <a:gd name="connsiteX79" fmla="*/ 169437 w 5774333"/>
+                <a:gd name="connsiteY79" fmla="*/ 4059690 h 6315453"/>
+                <a:gd name="connsiteX80" fmla="*/ 105929 w 5774333"/>
+                <a:gd name="connsiteY80" fmla="*/ 3911221 h 6315453"/>
+                <a:gd name="connsiteX81" fmla="*/ 57256 w 5774333"/>
+                <a:gd name="connsiteY81" fmla="*/ 3757195 h 6315453"/>
+                <a:gd name="connsiteX82" fmla="*/ 39111 w 5774333"/>
+                <a:gd name="connsiteY82" fmla="*/ 3678677 h 6315453"/>
+                <a:gd name="connsiteX83" fmla="*/ 31142 w 5774333"/>
+                <a:gd name="connsiteY83" fmla="*/ 3639300 h 6315453"/>
+                <a:gd name="connsiteX84" fmla="*/ 24521 w 5774333"/>
+                <a:gd name="connsiteY84" fmla="*/ 3599809 h 6315453"/>
+                <a:gd name="connsiteX85" fmla="*/ 0 w 5774333"/>
+                <a:gd name="connsiteY85" fmla="*/ 3283418 h 6315453"/>
+                <a:gd name="connsiteX86" fmla="*/ 68045 w 5774333"/>
+                <a:gd name="connsiteY86" fmla="*/ 2666963 h 6315453"/>
+                <a:gd name="connsiteX87" fmla="*/ 272546 w 5774333"/>
+                <a:gd name="connsiteY87" fmla="*/ 2076334 h 6315453"/>
+                <a:gd name="connsiteX88" fmla="*/ 1039300 w 5774333"/>
+                <a:gd name="connsiteY88" fmla="*/ 1073307 h 6315453"/>
+                <a:gd name="connsiteX89" fmla="*/ 1547733 w 5774333"/>
+                <a:gd name="connsiteY89" fmla="*/ 680365 h 6315453"/>
+                <a:gd name="connsiteX90" fmla="*/ 2115995 w 5774333"/>
+                <a:gd name="connsiteY90" fmla="*/ 368373 h 6315453"/>
+                <a:gd name="connsiteX91" fmla="*/ 3377451 w 5774333"/>
+                <a:gd name="connsiteY91" fmla="*/ 24304 h 6315453"/>
+                <a:gd name="connsiteX92" fmla="*/ 3707237 w 5774333"/>
+                <a:gd name="connsiteY92" fmla="*/ 1489 h 6315453"/>
+              </a:gdLst>
+              <a:ahLst/>
+              <a:cxnLst>
+                <a:cxn ang="0">
+                  <a:pos x="connsiteX0" y="connsiteY0"/>
+                </a:cxn>
+                <a:cxn ang="0">
+                  <a:pos x="connsiteX1" y="connsiteY1"/>
+                </a:cxn>
+                <a:cxn ang="0">
+                  <a:pos x="connsiteX2" y="connsiteY2"/>
+                </a:cxn>
+                <a:cxn ang="0">
+                  <a:pos x="connsiteX3" y="connsiteY3"/>
+                </a:cxn>
+                <a:cxn ang="0">
+                  <a:pos x="connsiteX4" y="connsiteY4"/>
+                </a:cxn>
+                <a:cxn ang="0">
+                  <a:pos x="connsiteX5" y="connsiteY5"/>
+                </a:cxn>
+                <a:cxn ang="0">
+                  <a:pos x="connsiteX6" y="connsiteY6"/>
+                </a:cxn>
+                <a:cxn ang="0">
+                  <a:pos x="connsiteX7" y="connsiteY7"/>
+                </a:cxn>
+                <a:cxn ang="0">
+                  <a:pos x="connsiteX8" y="connsiteY8"/>
+                </a:cxn>
+                <a:cxn ang="0">
+                  <a:pos x="connsiteX9" y="connsiteY9"/>
+                </a:cxn>
+                <a:cxn ang="0">
+                  <a:pos x="connsiteX10" y="connsiteY10"/>
+                </a:cxn>
+                <a:cxn ang="0">
+                  <a:pos x="connsiteX11" y="connsiteY11"/>
+                </a:cxn>
+                <a:cxn ang="0">
+                  <a:pos x="connsiteX12" y="connsiteY12"/>
+                </a:cxn>
+                <a:cxn ang="0">
+                  <a:pos x="connsiteX13" y="connsiteY13"/>
+                </a:cxn>
+                <a:cxn ang="0">
+                  <a:pos x="connsiteX14" y="connsiteY14"/>
+                </a:cxn>
+                <a:cxn ang="0">
+                  <a:pos x="connsiteX15" y="connsiteY15"/>
+                </a:cxn>
+                <a:cxn ang="0">
+                  <a:pos x="connsiteX16" y="connsiteY16"/>
+                </a:cxn>
+                <a:cxn ang="0">
+                  <a:pos x="connsiteX17" y="connsiteY17"/>
+                </a:cxn>
+                <a:cxn ang="0">
+                  <a:pos x="connsiteX18" y="connsiteY18"/>
+                </a:cxn>
+                <a:cxn ang="0">
+                  <a:pos x="connsiteX19" y="connsiteY19"/>
+                </a:cxn>
+                <a:cxn ang="0">
+                  <a:pos x="connsiteX20" y="connsiteY20"/>
+                </a:cxn>
+                <a:cxn ang="0">
+                  <a:pos x="connsiteX21" y="connsiteY21"/>
+                </a:cxn>
+                <a:cxn ang="0">
+                  <a:pos x="connsiteX22" y="connsiteY22"/>
+                </a:cxn>
+                <a:cxn ang="0">
+                  <a:pos x="connsiteX23" y="connsiteY23"/>
+                </a:cxn>
+                <a:cxn ang="0">
+                  <a:pos x="connsiteX24" y="connsiteY24"/>
+                </a:cxn>
+                <a:cxn ang="0">
+                  <a:pos x="connsiteX25" y="connsiteY25"/>
+                </a:cxn>
+                <a:cxn ang="0">
+                  <a:pos x="connsiteX26" y="connsiteY26"/>
+                </a:cxn>
+                <a:cxn ang="0">
+                  <a:pos x="connsiteX27" y="connsiteY27"/>
+                </a:cxn>
+                <a:cxn ang="0">
+                  <a:pos x="connsiteX28" y="connsiteY28"/>
+                </a:cxn>
+                <a:cxn ang="0">
+                  <a:pos x="connsiteX29" y="connsiteY29"/>
+                </a:cxn>
+                <a:cxn ang="0">
+                  <a:pos x="connsiteX30" y="connsiteY30"/>
+                </a:cxn>
+                <a:cxn ang="0">
+                  <a:pos x="connsiteX31" y="connsiteY31"/>
+                </a:cxn>
+                <a:cxn ang="0">
+                  <a:pos x="connsiteX32" y="connsiteY32"/>
+                </a:cxn>
+                <a:cxn ang="0">
+                  <a:pos x="connsiteX33" y="connsiteY33"/>
+                </a:cxn>
+                <a:cxn ang="0">
+                  <a:pos x="connsiteX34" y="connsiteY34"/>
+                </a:cxn>
+                <a:cxn ang="0">
+                  <a:pos x="connsiteX35" y="connsiteY35"/>
+                </a:cxn>
+                <a:cxn ang="0">
+                  <a:pos x="connsiteX36" y="connsiteY36"/>
+                </a:cxn>
+                <a:cxn ang="0">
+                  <a:pos x="connsiteX37" y="connsiteY37"/>
+                </a:cxn>
+                <a:cxn ang="0">
+                  <a:pos x="connsiteX38" y="connsiteY38"/>
+                </a:cxn>
+                <a:cxn ang="0">
+                  <a:pos x="connsiteX39" y="connsiteY39"/>
+                </a:cxn>
+                <a:cxn ang="0">
+                  <a:pos x="connsiteX40" y="connsiteY40"/>
+                </a:cxn>
+                <a:cxn ang="0">
+                  <a:pos x="connsiteX41" y="connsiteY41"/>
+                </a:cxn>
+                <a:cxn ang="0">
+                  <a:pos x="connsiteX42" y="connsiteY42"/>
+                </a:cxn>
+                <a:cxn ang="0">
+                  <a:pos x="connsiteX43" y="connsiteY43"/>
+                </a:cxn>
+                <a:cxn ang="0">
+                  <a:pos x="connsiteX44" y="connsiteY44"/>
+                </a:cxn>
+                <a:cxn ang="0">
+                  <a:pos x="connsiteX45" y="connsiteY45"/>
+                </a:cxn>
+                <a:cxn ang="0">
+                  <a:pos x="connsiteX46" y="connsiteY46"/>
+                </a:cxn>
+                <a:cxn ang="0">
+                  <a:pos x="connsiteX47" y="connsiteY47"/>
+                </a:cxn>
+                <a:cxn ang="0">
+                  <a:pos x="connsiteX48" y="connsiteY48"/>
+                </a:cxn>
+                <a:cxn ang="0">
+                  <a:pos x="connsiteX49" y="connsiteY49"/>
+                </a:cxn>
+                <a:cxn ang="0">
+                  <a:pos x="connsiteX50" y="connsiteY50"/>
+                </a:cxn>
+                <a:cxn ang="0">
+                  <a:pos x="connsiteX51" y="connsiteY51"/>
+                </a:cxn>
+                <a:cxn ang="0">
+                  <a:pos x="connsiteX52" y="connsiteY52"/>
+                </a:cxn>
+                <a:cxn ang="0">
+                  <a:pos x="connsiteX53" y="connsiteY53"/>
+                </a:cxn>
+                <a:cxn ang="0">
+                  <a:pos x="connsiteX54" y="connsiteY54"/>
+                </a:cxn>
+                <a:cxn ang="0">
+                  <a:pos x="connsiteX55" y="connsiteY55"/>
+                </a:cxn>
+                <a:cxn ang="0">
+                  <a:pos x="connsiteX56" y="connsiteY56"/>
+                </a:cxn>
+                <a:cxn ang="0">
+                  <a:pos x="connsiteX57" y="connsiteY57"/>
+                </a:cxn>
+                <a:cxn ang="0">
+                  <a:pos x="connsiteX58" y="connsiteY58"/>
+                </a:cxn>
+                <a:cxn ang="0">
+                  <a:pos x="connsiteX59" y="connsiteY59"/>
+                </a:cxn>
+                <a:cxn ang="0">
+                  <a:pos x="connsiteX60" y="connsiteY60"/>
+                </a:cxn>
+                <a:cxn ang="0">
+                  <a:pos x="connsiteX61" y="connsiteY61"/>
+                </a:cxn>
+                <a:cxn ang="0">
+                  <a:pos x="connsiteX62" y="connsiteY62"/>
+                </a:cxn>
+                <a:cxn ang="0">
+                  <a:pos x="connsiteX63" y="connsiteY63"/>
+                </a:cxn>
+                <a:cxn ang="0">
+                  <a:pos x="connsiteX64" y="connsiteY64"/>
+                </a:cxn>
+                <a:cxn ang="0">
+                  <a:pos x="connsiteX65" y="connsiteY65"/>
+                </a:cxn>
+                <a:cxn ang="0">
+                  <a:pos x="connsiteX66" y="connsiteY66"/>
+                </a:cxn>
+                <a:cxn ang="0">
+                  <a:pos x="connsiteX67" y="connsiteY67"/>
+                </a:cxn>
+                <a:cxn ang="0">
+                  <a:pos x="connsiteX68" y="connsiteY68"/>
+                </a:cxn>
+                <a:cxn ang="0">
+                  <a:pos x="connsiteX69" y="connsiteY69"/>
+                </a:cxn>
+                <a:cxn ang="0">
+                  <a:pos x="connsiteX70" y="connsiteY70"/>
+                </a:cxn>
+                <a:cxn ang="0">
+                  <a:pos x="connsiteX71" y="connsiteY71"/>
+                </a:cxn>
+                <a:cxn ang="0">
+                  <a:pos x="connsiteX72" y="connsiteY72"/>
+                </a:cxn>
+                <a:cxn ang="0">
+                  <a:pos x="connsiteX73" y="connsiteY73"/>
+                </a:cxn>
+                <a:cxn ang="0">
+                  <a:pos x="connsiteX74" y="connsiteY74"/>
+                </a:cxn>
+                <a:cxn ang="0">
+                  <a:pos x="connsiteX75" y="connsiteY75"/>
+                </a:cxn>
+                <a:cxn ang="0">
+                  <a:pos x="connsiteX76" y="connsiteY76"/>
+                </a:cxn>
+                <a:cxn ang="0">
+                  <a:pos x="connsiteX77" y="connsiteY77"/>
+                </a:cxn>
+                <a:cxn ang="0">
+                  <a:pos x="connsiteX78" y="connsiteY78"/>
+                </a:cxn>
+                <a:cxn ang="0">
+                  <a:pos x="connsiteX79" y="connsiteY79"/>
+                </a:cxn>
+                <a:cxn ang="0">
+                  <a:pos x="connsiteX80" y="connsiteY80"/>
+                </a:cxn>
+                <a:cxn ang="0">
+                  <a:pos x="connsiteX81" y="connsiteY81"/>
+                </a:cxn>
+                <a:cxn ang="0">
+                  <a:pos x="connsiteX82" y="connsiteY82"/>
+                </a:cxn>
+                <a:cxn ang="0">
+                  <a:pos x="connsiteX83" y="connsiteY83"/>
+                </a:cxn>
+                <a:cxn ang="0">
+                  <a:pos x="connsiteX84" y="connsiteY84"/>
+                </a:cxn>
+                <a:cxn ang="0">
+                  <a:pos x="connsiteX85" y="connsiteY85"/>
+                </a:cxn>
+                <a:cxn ang="0">
+                  <a:pos x="connsiteX86" y="connsiteY86"/>
+                </a:cxn>
+                <a:cxn ang="0">
+                  <a:pos x="connsiteX87" y="connsiteY87"/>
+                </a:cxn>
+                <a:cxn ang="0">
+                  <a:pos x="connsiteX88" y="connsiteY88"/>
+                </a:cxn>
+                <a:cxn ang="0">
+                  <a:pos x="connsiteX89" y="connsiteY89"/>
+                </a:cxn>
+                <a:cxn ang="0">
+                  <a:pos x="connsiteX90" y="connsiteY90"/>
+                </a:cxn>
+                <a:cxn ang="0">
+                  <a:pos x="connsiteX91" y="connsiteY91"/>
+                </a:cxn>
+                <a:cxn ang="0">
+                  <a:pos x="connsiteX92" y="connsiteY92"/>
+                </a:cxn>
+              </a:cxnLst>
+              <a:rect l="l" t="t" r="r" b="b"/>
+              <a:pathLst>
+                <a:path w="5774333" h="6315453">
+                  <a:moveTo>
+                    <a:pt x="3707237" y="1489"/>
+                  </a:moveTo>
+                  <a:cubicBezTo>
+                    <a:pt x="3817502" y="-1522"/>
+                    <a:pt x="3927875" y="41"/>
+                    <a:pt x="4037665" y="6121"/>
+                  </a:cubicBezTo>
+                  <a:cubicBezTo>
+                    <a:pt x="4257614" y="18745"/>
+                    <a:pt x="4477439" y="49665"/>
+                    <a:pt x="4692239" y="102128"/>
+                  </a:cubicBezTo>
+                  <a:cubicBezTo>
+                    <a:pt x="4907039" y="154474"/>
+                    <a:pt x="5116811" y="228592"/>
+                    <a:pt x="5315059" y="324945"/>
+                  </a:cubicBezTo>
+                  <a:cubicBezTo>
+                    <a:pt x="5463562" y="397211"/>
+                    <a:pt x="5606133" y="481527"/>
+                    <a:pt x="5738325" y="578286"/>
+                  </a:cubicBezTo>
+                  <a:lnTo>
+                    <a:pt x="5774333" y="606551"/>
+                  </a:lnTo>
+                  <a:lnTo>
+                    <a:pt x="5774333" y="975490"/>
+                  </a:lnTo>
+                  <a:lnTo>
+                    <a:pt x="5676001" y="889749"/>
+                  </a:lnTo>
+                  <a:cubicBezTo>
+                    <a:pt x="5522381" y="769886"/>
+                    <a:pt x="5355519" y="665657"/>
+                    <a:pt x="5177132" y="581926"/>
+                  </a:cubicBezTo>
+                  <a:cubicBezTo>
+                    <a:pt x="4998867" y="497965"/>
+                    <a:pt x="4810183" y="433574"/>
+                    <a:pt x="4615735" y="388640"/>
+                  </a:cubicBezTo>
+                  <a:cubicBezTo>
+                    <a:pt x="4421289" y="343591"/>
+                    <a:pt x="4221446" y="317649"/>
+                    <a:pt x="4020010" y="308500"/>
+                  </a:cubicBezTo>
+                  <a:cubicBezTo>
+                    <a:pt x="3818207" y="298887"/>
+                    <a:pt x="3616649" y="305257"/>
+                    <a:pt x="3416315" y="328882"/>
+                  </a:cubicBezTo>
+                  <a:cubicBezTo>
+                    <a:pt x="3216106" y="352623"/>
+                    <a:pt x="3017736" y="392346"/>
+                    <a:pt x="2823779" y="446545"/>
+                  </a:cubicBezTo>
+                  <a:cubicBezTo>
+                    <a:pt x="2629699" y="500513"/>
+                    <a:pt x="2440401" y="570345"/>
+                    <a:pt x="2256987" y="651296"/>
+                  </a:cubicBezTo>
+                  <a:cubicBezTo>
+                    <a:pt x="1889058" y="811461"/>
+                    <a:pt x="1545527" y="1023856"/>
+                    <a:pt x="1244169" y="1280374"/>
+                  </a:cubicBezTo>
+                  <a:cubicBezTo>
+                    <a:pt x="1093982" y="1409039"/>
+                    <a:pt x="954828" y="1549400"/>
+                    <a:pt x="830141" y="1700184"/>
+                  </a:cubicBezTo>
+                  <a:cubicBezTo>
+                    <a:pt x="705209" y="1850736"/>
+                    <a:pt x="594989" y="2012176"/>
+                    <a:pt x="502792" y="2182300"/>
+                  </a:cubicBezTo>
+                  <a:cubicBezTo>
+                    <a:pt x="410595" y="2352308"/>
+                    <a:pt x="333847" y="2530307"/>
+                    <a:pt x="280637" y="2715256"/>
+                  </a:cubicBezTo>
+                  <a:cubicBezTo>
+                    <a:pt x="227306" y="2899741"/>
+                    <a:pt x="199719" y="3091521"/>
+                    <a:pt x="199843" y="3283418"/>
+                  </a:cubicBezTo>
+                  <a:cubicBezTo>
+                    <a:pt x="200946" y="3377687"/>
+                    <a:pt x="210754" y="3471261"/>
+                    <a:pt x="233926" y="3561593"/>
+                  </a:cubicBezTo>
+                  <a:cubicBezTo>
+                    <a:pt x="256730" y="3652040"/>
+                    <a:pt x="292162" y="3738550"/>
+                    <a:pt x="334582" y="3821816"/>
+                  </a:cubicBezTo>
+                  <a:cubicBezTo>
+                    <a:pt x="356038" y="3863392"/>
+                    <a:pt x="379823" y="3904157"/>
+                    <a:pt x="404834" y="3944343"/>
+                  </a:cubicBezTo>
+                  <a:cubicBezTo>
+                    <a:pt x="430212" y="3984413"/>
+                    <a:pt x="457308" y="4023905"/>
+                    <a:pt x="485506" y="4062932"/>
+                  </a:cubicBezTo>
+                  <a:cubicBezTo>
+                    <a:pt x="542639" y="4140757"/>
+                    <a:pt x="606146" y="4216265"/>
+                    <a:pt x="671861" y="4292120"/>
+                  </a:cubicBezTo>
+                  <a:cubicBezTo>
+                    <a:pt x="737576" y="4368091"/>
+                    <a:pt x="806234" y="4444062"/>
+                    <a:pt x="873542" y="4523044"/>
+                  </a:cubicBezTo>
+                  <a:cubicBezTo>
+                    <a:pt x="907258" y="4562419"/>
+                    <a:pt x="940606" y="4602721"/>
+                    <a:pt x="973831" y="4643601"/>
+                  </a:cubicBezTo>
+                  <a:lnTo>
+                    <a:pt x="1022014" y="4702780"/>
+                  </a:lnTo>
+                  <a:cubicBezTo>
+                    <a:pt x="1037829" y="4721658"/>
+                    <a:pt x="1052910" y="4740998"/>
+                    <a:pt x="1069215" y="4759411"/>
+                  </a:cubicBezTo>
+                  <a:cubicBezTo>
+                    <a:pt x="1196477" y="4909269"/>
+                    <a:pt x="1334527" y="5047199"/>
+                    <a:pt x="1474784" y="5177948"/>
+                  </a:cubicBezTo>
+                  <a:cubicBezTo>
+                    <a:pt x="1545281" y="5243033"/>
+                    <a:pt x="1617003" y="5305917"/>
+                    <a:pt x="1690442" y="5366255"/>
+                  </a:cubicBezTo>
+                  <a:cubicBezTo>
+                    <a:pt x="1763881" y="5426591"/>
+                    <a:pt x="1838668" y="5484959"/>
+                    <a:pt x="1916276" y="5539852"/>
+                  </a:cubicBezTo>
+                  <a:cubicBezTo>
+                    <a:pt x="2070877" y="5649872"/>
+                    <a:pt x="2237617" y="5748194"/>
+                    <a:pt x="2420784" y="5814437"/>
+                  </a:cubicBezTo>
+                  <a:cubicBezTo>
+                    <a:pt x="2512124" y="5847559"/>
+                    <a:pt x="2606773" y="5872921"/>
+                    <a:pt x="2703015" y="5892029"/>
+                  </a:cubicBezTo>
+                  <a:cubicBezTo>
+                    <a:pt x="2727168" y="5896546"/>
+                    <a:pt x="2751075" y="5901758"/>
+                    <a:pt x="2775350" y="5905695"/>
+                  </a:cubicBezTo>
+                  <a:lnTo>
+                    <a:pt x="2848299" y="5917161"/>
+                  </a:lnTo>
+                  <a:cubicBezTo>
+                    <a:pt x="2897218" y="5923298"/>
+                    <a:pt x="2946136" y="5929784"/>
+                    <a:pt x="2995544" y="5933605"/>
+                  </a:cubicBezTo>
+                  <a:cubicBezTo>
+                    <a:pt x="3020188" y="5935806"/>
+                    <a:pt x="3044831" y="5937891"/>
+                    <a:pt x="3069596" y="5938933"/>
+                  </a:cubicBezTo>
+                  <a:cubicBezTo>
+                    <a:pt x="3094362" y="5940090"/>
+                    <a:pt x="3119005" y="5941943"/>
+                    <a:pt x="3143894" y="5942639"/>
+                  </a:cubicBezTo>
+                  <a:lnTo>
+                    <a:pt x="3218436" y="5944260"/>
+                  </a:lnTo>
+                  <a:cubicBezTo>
+                    <a:pt x="3243201" y="5944838"/>
+                    <a:pt x="3268212" y="5944029"/>
+                    <a:pt x="3293101" y="5943913"/>
+                  </a:cubicBezTo>
+                  <a:lnTo>
+                    <a:pt x="3330494" y="5943565"/>
+                  </a:lnTo>
+                  <a:cubicBezTo>
+                    <a:pt x="3342632" y="5943218"/>
+                    <a:pt x="3354524" y="5942523"/>
+                    <a:pt x="3366540" y="5942059"/>
+                  </a:cubicBezTo>
+                  <a:cubicBezTo>
+                    <a:pt x="3378554" y="5941480"/>
+                    <a:pt x="3390570" y="5941134"/>
+                    <a:pt x="3402462" y="5940323"/>
+                  </a:cubicBezTo>
+                  <a:lnTo>
+                    <a:pt x="3438262" y="5937543"/>
+                  </a:lnTo>
+                  <a:cubicBezTo>
+                    <a:pt x="3485954" y="5933953"/>
+                    <a:pt x="3533279" y="5927931"/>
+                    <a:pt x="3580236" y="5920982"/>
+                  </a:cubicBezTo>
+                  <a:cubicBezTo>
+                    <a:pt x="3768185" y="5891567"/>
+                    <a:pt x="3948901" y="5834010"/>
+                    <a:pt x="4121034" y="5753290"/>
+                  </a:cubicBezTo>
+                  <a:cubicBezTo>
+                    <a:pt x="4293782" y="5673497"/>
+                    <a:pt x="4458191" y="5571353"/>
+                    <a:pt x="4620639" y="5459364"/>
+                  </a:cubicBezTo>
+                  <a:cubicBezTo>
+                    <a:pt x="4661221" y="5431455"/>
+                    <a:pt x="4701557" y="5402271"/>
+                    <a:pt x="4741771" y="5372971"/>
+                  </a:cubicBezTo>
+                  <a:cubicBezTo>
+                    <a:pt x="4782230" y="5343672"/>
+                    <a:pt x="4822566" y="5313908"/>
+                    <a:pt x="4862901" y="5283682"/>
+                  </a:cubicBezTo>
+                  <a:lnTo>
+                    <a:pt x="5108229" y="5098386"/>
+                  </a:lnTo>
+                  <a:cubicBezTo>
+                    <a:pt x="5276563" y="4972270"/>
+                    <a:pt x="5446489" y="4854838"/>
+                    <a:pt x="5612493" y="4739724"/>
+                  </a:cubicBezTo>
+                  <a:lnTo>
+                    <a:pt x="5774333" y="4623488"/>
+                  </a:lnTo>
+                  <a:lnTo>
+                    <a:pt x="5774333" y="5232926"/>
+                  </a:lnTo>
+                  <a:lnTo>
+                    <a:pt x="5676492" y="5306859"/>
+                  </a:lnTo>
+                  <a:cubicBezTo>
+                    <a:pt x="5592693" y="5367905"/>
+                    <a:pt x="5508955" y="5427286"/>
+                    <a:pt x="5426260" y="5486233"/>
+                  </a:cubicBezTo>
+                  <a:lnTo>
+                    <a:pt x="5300225" y="5576217"/>
+                  </a:lnTo>
+                  <a:cubicBezTo>
+                    <a:pt x="5257559" y="5606443"/>
+                    <a:pt x="5214525" y="5636901"/>
+                    <a:pt x="5170757" y="5666780"/>
+                  </a:cubicBezTo>
+                  <a:cubicBezTo>
+                    <a:pt x="5127110" y="5696775"/>
+                    <a:pt x="5082973" y="5726654"/>
+                    <a:pt x="5038100" y="5756185"/>
+                  </a:cubicBezTo>
+                  <a:cubicBezTo>
+                    <a:pt x="4993106" y="5785486"/>
+                    <a:pt x="4947743" y="5814553"/>
+                    <a:pt x="4901276" y="5843043"/>
+                  </a:cubicBezTo>
+                  <a:cubicBezTo>
+                    <a:pt x="4808835" y="5900136"/>
+                    <a:pt x="4713449" y="5955494"/>
+                    <a:pt x="4614019" y="6006103"/>
+                  </a:cubicBezTo>
+                  <a:cubicBezTo>
+                    <a:pt x="4514711" y="6056943"/>
+                    <a:pt x="4411971" y="6104192"/>
+                    <a:pt x="4305061" y="6144726"/>
+                  </a:cubicBezTo>
+                  <a:cubicBezTo>
+                    <a:pt x="4092223" y="6226952"/>
+                    <a:pt x="3863569" y="6282424"/>
+                    <a:pt x="3632710" y="6304196"/>
+                  </a:cubicBezTo>
+                  <a:cubicBezTo>
+                    <a:pt x="3574964" y="6309408"/>
+                    <a:pt x="3517218" y="6313345"/>
+                    <a:pt x="3459594" y="6314504"/>
+                  </a:cubicBezTo>
+                  <a:lnTo>
+                    <a:pt x="3416315" y="6315429"/>
+                  </a:lnTo>
+                  <a:cubicBezTo>
+                    <a:pt x="3401971" y="6315546"/>
+                    <a:pt x="3387505" y="6315198"/>
+                    <a:pt x="3373159" y="6315198"/>
+                  </a:cubicBezTo>
+                  <a:lnTo>
+                    <a:pt x="3330127" y="6314735"/>
+                  </a:lnTo>
+                  <a:lnTo>
+                    <a:pt x="3288320" y="6313230"/>
+                  </a:lnTo>
+                  <a:cubicBezTo>
+                    <a:pt x="3176996" y="6309870"/>
+                    <a:pt x="3065428" y="6301533"/>
+                    <a:pt x="2954350" y="6288098"/>
+                  </a:cubicBezTo>
+                  <a:cubicBezTo>
+                    <a:pt x="2843150" y="6275360"/>
+                    <a:pt x="2732194" y="6257061"/>
+                    <a:pt x="2622466" y="6232742"/>
+                  </a:cubicBezTo>
+                  <a:cubicBezTo>
+                    <a:pt x="2512859" y="6208190"/>
+                    <a:pt x="2404110" y="6179122"/>
+                    <a:pt x="2296466" y="6146001"/>
+                  </a:cubicBezTo>
+                  <a:cubicBezTo>
+                    <a:pt x="2081544" y="6079179"/>
+                    <a:pt x="1869073" y="5996027"/>
+                    <a:pt x="1672419" y="5885197"/>
+                  </a:cubicBezTo>
+                  <a:cubicBezTo>
+                    <a:pt x="1475643" y="5774599"/>
+                    <a:pt x="1299954" y="5634353"/>
+                    <a:pt x="1146578" y="5479168"/>
+                  </a:cubicBezTo>
+                  <a:cubicBezTo>
+                    <a:pt x="1069461" y="5401692"/>
+                    <a:pt x="999333" y="5319235"/>
+                    <a:pt x="933372" y="5234810"/>
+                  </a:cubicBezTo>
+                  <a:cubicBezTo>
+                    <a:pt x="867781" y="5150038"/>
+                    <a:pt x="805375" y="5063991"/>
+                    <a:pt x="747140" y="4976091"/>
+                  </a:cubicBezTo>
+                  <a:cubicBezTo>
+                    <a:pt x="732182" y="4954319"/>
+                    <a:pt x="718082" y="4932199"/>
+                    <a:pt x="703616" y="4910196"/>
+                  </a:cubicBezTo>
+                  <a:lnTo>
+                    <a:pt x="662053" y="4846269"/>
+                  </a:lnTo>
+                  <a:cubicBezTo>
+                    <a:pt x="635449" y="4804925"/>
+                    <a:pt x="607864" y="4763928"/>
+                    <a:pt x="580033" y="4722352"/>
+                  </a:cubicBezTo>
+                  <a:lnTo>
+                    <a:pt x="410105" y="4469193"/>
+                  </a:lnTo>
+                  <a:cubicBezTo>
+                    <a:pt x="353095" y="4382915"/>
+                    <a:pt x="296820" y="4294089"/>
+                    <a:pt x="244224" y="4201556"/>
+                  </a:cubicBezTo>
+                  <a:cubicBezTo>
+                    <a:pt x="217987" y="4155232"/>
+                    <a:pt x="192609" y="4108098"/>
+                    <a:pt x="169437" y="4059690"/>
+                  </a:cubicBezTo>
+                  <a:cubicBezTo>
+                    <a:pt x="146388" y="4011165"/>
+                    <a:pt x="124932" y="3961715"/>
+                    <a:pt x="105929" y="3911221"/>
+                  </a:cubicBezTo>
+                  <a:cubicBezTo>
+                    <a:pt x="87293" y="3860613"/>
+                    <a:pt x="70742" y="3809309"/>
+                    <a:pt x="57256" y="3757195"/>
+                  </a:cubicBezTo>
+                  <a:cubicBezTo>
+                    <a:pt x="50881" y="3731138"/>
+                    <a:pt x="44383" y="3704965"/>
+                    <a:pt x="39111" y="3678677"/>
+                  </a:cubicBezTo>
+                  <a:lnTo>
+                    <a:pt x="31142" y="3639300"/>
+                  </a:lnTo>
+                  <a:lnTo>
+                    <a:pt x="24521" y="3599809"/>
+                  </a:lnTo>
+                  <a:cubicBezTo>
+                    <a:pt x="7234" y="3494423"/>
+                    <a:pt x="0" y="3388457"/>
+                    <a:pt x="0" y="3283418"/>
+                  </a:cubicBezTo>
+                  <a:cubicBezTo>
+                    <a:pt x="491" y="3076698"/>
+                    <a:pt x="23418" y="2869978"/>
+                    <a:pt x="68045" y="2666963"/>
+                  </a:cubicBezTo>
+                  <a:cubicBezTo>
+                    <a:pt x="112550" y="2464064"/>
+                    <a:pt x="180717" y="2265104"/>
+                    <a:pt x="272546" y="2076334"/>
+                  </a:cubicBezTo>
+                  <a:cubicBezTo>
+                    <a:pt x="457062" y="1698794"/>
+                    <a:pt x="724457" y="1360978"/>
+                    <a:pt x="1039300" y="1073307"/>
+                  </a:cubicBezTo>
+                  <a:cubicBezTo>
+                    <a:pt x="1197090" y="929472"/>
+                    <a:pt x="1367630" y="798259"/>
+                    <a:pt x="1547733" y="680365"/>
+                  </a:cubicBezTo>
+                  <a:cubicBezTo>
+                    <a:pt x="1728081" y="562587"/>
+                    <a:pt x="1917870" y="457663"/>
+                    <a:pt x="2115995" y="368373"/>
+                  </a:cubicBezTo>
+                  <a:cubicBezTo>
+                    <a:pt x="2512737" y="191070"/>
+                    <a:pt x="2939883" y="73870"/>
+                    <a:pt x="3377451" y="24304"/>
+                  </a:cubicBezTo>
+                  <a:cubicBezTo>
+                    <a:pt x="3486812" y="12086"/>
+                    <a:pt x="3596971" y="4500"/>
+                    <a:pt x="3707237" y="1489"/>
+                  </a:cubicBezTo>
+                  <a:close/>
+                </a:path>
+              </a:pathLst>
+            </a:custGeom>
+            <a:gradFill>
+              <a:gsLst>
+                <a:gs pos="2000">
+                  <a:schemeClr val="bg1">
+                    <a:alpha val="10000"/>
+                  </a:schemeClr>
+                </a:gs>
+                <a:gs pos="16000">
+                  <a:schemeClr val="accent6">
+                    <a:alpha val="10000"/>
+                  </a:schemeClr>
+                </a:gs>
+                <a:gs pos="100000">
+                  <a:schemeClr val="bg1">
+                    <a:alpha val="10000"/>
+                  </a:schemeClr>
+                </a:gs>
+                <a:gs pos="85000">
+                  <a:schemeClr val="accent1">
+                    <a:alpha val="10000"/>
+                  </a:schemeClr>
+                </a:gs>
+              </a:gsLst>
+              <a:lin ang="12000000" scaled="0"/>
+            </a:gradFill>
+            <a:ln>
+              <a:noFill/>
+            </a:ln>
+          </p:spPr>
+          <p:style>
+            <a:lnRef idx="2">
+              <a:schemeClr val="accent1">
+                <a:shade val="50000"/>
+              </a:schemeClr>
+            </a:lnRef>
+            <a:fillRef idx="1">
+              <a:schemeClr val="accent1"/>
+            </a:fillRef>
+            <a:effectRef idx="0">
+              <a:schemeClr val="accent1"/>
+            </a:effectRef>
+            <a:fontRef idx="minor">
+              <a:schemeClr val="lt1"/>
+            </a:fontRef>
+          </p:style>
+          <p:txBody>
+            <a:bodyPr rtlCol="0" anchor="ctr"/>
+            <a:lstStyle/>
+            <a:p>
+              <a:pPr algn="ctr"/>
+              <a:endParaRPr lang="en-US"/>
+            </a:p>
+          </p:txBody>
+        </p:sp>
+        <p:sp>
+          <p:nvSpPr>
+            <p:cNvPr id="55" name="Freeform: Shape 30">
+              <a:extLst>
+                <a:ext uri="{FF2B5EF4-FFF2-40B4-BE49-F238E27FC236}">
+                  <a16:creationId xmlns:a16="http://schemas.microsoft.com/office/drawing/2014/main" id="{EC18CE1F-9DF1-47AF-9E66-6CE348AC2334}"/>
+                </a:ext>
+                <a:ext uri="{C183D7F6-B498-43B3-948B-1728B52AA6E4}">
+                  <adec:decorative xmlns:adec="http://schemas.microsoft.com/office/drawing/2017/decorative" val="1"/>
+                </a:ext>
+              </a:extLst>
+            </p:cNvPr>
+            <p:cNvSpPr/>
+            <p:nvPr>
+              <p:extLst>
+                <p:ext uri="{386F3935-93C4-4BCD-93E2-E3B085C9AB24}">
+                  <p16:designElem xmlns:p16="http://schemas.microsoft.com/office/powerpoint/2015/main" val="1"/>
+                </p:ext>
+              </p:extLst>
+            </p:nvPr>
+          </p:nvSpPr>
+          <p:spPr>
+            <a:xfrm>
+              <a:off x="6410220" y="131729"/>
+              <a:ext cx="5769111" cy="6229400"/>
+            </a:xfrm>
+            <a:custGeom>
+              <a:avLst/>
+              <a:gdLst>
+                <a:gd name="connsiteX0" fmla="*/ 3882695 w 5769111"/>
+                <a:gd name="connsiteY0" fmla="*/ 0 h 6229400"/>
+                <a:gd name="connsiteX1" fmla="*/ 5691883 w 5769111"/>
+                <a:gd name="connsiteY1" fmla="*/ 557381 h 6229400"/>
+                <a:gd name="connsiteX2" fmla="*/ 5769111 w 5769111"/>
+                <a:gd name="connsiteY2" fmla="*/ 620523 h 6229400"/>
+                <a:gd name="connsiteX3" fmla="*/ 5769111 w 5769111"/>
+                <a:gd name="connsiteY3" fmla="*/ 1464911 h 6229400"/>
+                <a:gd name="connsiteX4" fmla="*/ 5660063 w 5769111"/>
+                <a:gd name="connsiteY4" fmla="*/ 1328105 h 6229400"/>
+                <a:gd name="connsiteX5" fmla="*/ 4910471 w 5769111"/>
+                <a:gd name="connsiteY5" fmla="*/ 781599 h 6229400"/>
+                <a:gd name="connsiteX6" fmla="*/ 3882695 w 5769111"/>
+                <a:gd name="connsiteY6" fmla="*/ 579048 h 6229400"/>
+                <a:gd name="connsiteX7" fmla="*/ 2683153 w 5769111"/>
+                <a:gd name="connsiteY7" fmla="*/ 797003 h 6229400"/>
+                <a:gd name="connsiteX8" fmla="*/ 1617493 w 5769111"/>
+                <a:gd name="connsiteY8" fmla="*/ 1395738 h 6229400"/>
+                <a:gd name="connsiteX9" fmla="*/ 880408 w 5769111"/>
+                <a:gd name="connsiteY9" fmla="*/ 2259099 h 6229400"/>
+                <a:gd name="connsiteX10" fmla="*/ 613135 w 5769111"/>
+                <a:gd name="connsiteY10" fmla="*/ 3263863 h 6229400"/>
+                <a:gd name="connsiteX11" fmla="*/ 1055484 w 5769111"/>
+                <a:gd name="connsiteY11" fmla="*/ 4196825 h 6229400"/>
+                <a:gd name="connsiteX12" fmla="*/ 1278376 w 5769111"/>
+                <a:gd name="connsiteY12" fmla="*/ 4492950 h 6229400"/>
+                <a:gd name="connsiteX13" fmla="*/ 3369851 w 5769111"/>
+                <a:gd name="connsiteY13" fmla="*/ 5650468 h 6229400"/>
+                <a:gd name="connsiteX14" fmla="*/ 4957551 w 5769111"/>
+                <a:gd name="connsiteY14" fmla="*/ 4938355 h 6229400"/>
+                <a:gd name="connsiteX15" fmla="*/ 5150773 w 5769111"/>
+                <a:gd name="connsiteY15" fmla="*/ 4796950 h 6229400"/>
+                <a:gd name="connsiteX16" fmla="*/ 5747247 w 5769111"/>
+                <a:gd name="connsiteY16" fmla="*/ 4338176 h 6229400"/>
+                <a:gd name="connsiteX17" fmla="*/ 5769111 w 5769111"/>
+                <a:gd name="connsiteY17" fmla="*/ 4318497 h 6229400"/>
+                <a:gd name="connsiteX18" fmla="*/ 5769111 w 5769111"/>
+                <a:gd name="connsiteY18" fmla="*/ 5074612 h 6229400"/>
+                <a:gd name="connsiteX19" fmla="*/ 5636252 w 5769111"/>
+                <a:gd name="connsiteY19" fmla="*/ 5174208 h 6229400"/>
+                <a:gd name="connsiteX20" fmla="*/ 5334922 w 5769111"/>
+                <a:gd name="connsiteY20" fmla="*/ 5394528 h 6229400"/>
+                <a:gd name="connsiteX21" fmla="*/ 3369727 w 5769111"/>
+                <a:gd name="connsiteY21" fmla="*/ 6229400 h 6229400"/>
+                <a:gd name="connsiteX22" fmla="*/ 771046 w 5769111"/>
+                <a:gd name="connsiteY22" fmla="*/ 4817913 h 6229400"/>
+                <a:gd name="connsiteX23" fmla="*/ 0 w 5769111"/>
+                <a:gd name="connsiteY23" fmla="*/ 3263748 h 6229400"/>
+                <a:gd name="connsiteX24" fmla="*/ 3882695 w 5769111"/>
+                <a:gd name="connsiteY24" fmla="*/ 0 h 6229400"/>
+              </a:gdLst>
+              <a:ahLst/>
+              <a:cxnLst>
+                <a:cxn ang="0">
+                  <a:pos x="connsiteX0" y="connsiteY0"/>
+                </a:cxn>
+                <a:cxn ang="0">
+                  <a:pos x="connsiteX1" y="connsiteY1"/>
+                </a:cxn>
+                <a:cxn ang="0">
+                  <a:pos x="connsiteX2" y="connsiteY2"/>
+                </a:cxn>
+                <a:cxn ang="0">
+                  <a:pos x="connsiteX3" y="connsiteY3"/>
+                </a:cxn>
+                <a:cxn ang="0">
+                  <a:pos x="connsiteX4" y="connsiteY4"/>
+                </a:cxn>
+                <a:cxn ang="0">
+                  <a:pos x="connsiteX5" y="connsiteY5"/>
+                </a:cxn>
+                <a:cxn ang="0">
+                  <a:pos x="connsiteX6" y="connsiteY6"/>
+                </a:cxn>
+                <a:cxn ang="0">
+                  <a:pos x="connsiteX7" y="connsiteY7"/>
+                </a:cxn>
+                <a:cxn ang="0">
+                  <a:pos x="connsiteX8" y="connsiteY8"/>
+                </a:cxn>
+                <a:cxn ang="0">
+                  <a:pos x="connsiteX9" y="connsiteY9"/>
+                </a:cxn>
+                <a:cxn ang="0">
+                  <a:pos x="connsiteX10" y="connsiteY10"/>
+                </a:cxn>
+                <a:cxn ang="0">
+                  <a:pos x="connsiteX11" y="connsiteY11"/>
+                </a:cxn>
+                <a:cxn ang="0">
+                  <a:pos x="connsiteX12" y="connsiteY12"/>
+                </a:cxn>
+                <a:cxn ang="0">
+                  <a:pos x="connsiteX13" y="connsiteY13"/>
+                </a:cxn>
+                <a:cxn ang="0">
+                  <a:pos x="connsiteX14" y="connsiteY14"/>
+                </a:cxn>
+                <a:cxn ang="0">
+                  <a:pos x="connsiteX15" y="connsiteY15"/>
+                </a:cxn>
+                <a:cxn ang="0">
+                  <a:pos x="connsiteX16" y="connsiteY16"/>
+                </a:cxn>
+                <a:cxn ang="0">
+                  <a:pos x="connsiteX17" y="connsiteY17"/>
+                </a:cxn>
+                <a:cxn ang="0">
+                  <a:pos x="connsiteX18" y="connsiteY18"/>
+                </a:cxn>
+                <a:cxn ang="0">
+                  <a:pos x="connsiteX19" y="connsiteY19"/>
+                </a:cxn>
+                <a:cxn ang="0">
+                  <a:pos x="connsiteX20" y="connsiteY20"/>
+                </a:cxn>
+                <a:cxn ang="0">
+                  <a:pos x="connsiteX21" y="connsiteY21"/>
+                </a:cxn>
+                <a:cxn ang="0">
+                  <a:pos x="connsiteX22" y="connsiteY22"/>
+                </a:cxn>
+                <a:cxn ang="0">
+                  <a:pos x="connsiteX23" y="connsiteY23"/>
+                </a:cxn>
+                <a:cxn ang="0">
+                  <a:pos x="connsiteX24" y="connsiteY24"/>
+                </a:cxn>
+              </a:cxnLst>
+              <a:rect l="l" t="t" r="r" b="b"/>
+              <a:pathLst>
+                <a:path w="5769111" h="6229400">
+                  <a:moveTo>
+                    <a:pt x="3882695" y="0"/>
+                  </a:moveTo>
+                  <a:cubicBezTo>
+                    <a:pt x="4601253" y="0"/>
+                    <a:pt x="5210727" y="205477"/>
+                    <a:pt x="5691883" y="557381"/>
+                  </a:cubicBezTo>
+                  <a:lnTo>
+                    <a:pt x="5769111" y="620523"/>
+                  </a:lnTo>
+                  <a:lnTo>
+                    <a:pt x="5769111" y="1464911"/>
+                  </a:lnTo>
+                  <a:lnTo>
+                    <a:pt x="5660063" y="1328105"/>
+                  </a:lnTo>
+                  <a:cubicBezTo>
+                    <a:pt x="5449800" y="1091506"/>
+                    <a:pt x="5197607" y="907600"/>
+                    <a:pt x="4910471" y="781599"/>
+                  </a:cubicBezTo>
+                  <a:cubicBezTo>
+                    <a:pt x="4604088" y="647260"/>
+                    <a:pt x="4258349" y="579048"/>
+                    <a:pt x="3882695" y="579048"/>
+                  </a:cubicBezTo>
+                  <a:cubicBezTo>
+                    <a:pt x="3484238" y="579048"/>
+                    <a:pt x="3080631" y="652240"/>
+                    <a:pt x="2683153" y="797003"/>
+                  </a:cubicBezTo>
+                  <a:cubicBezTo>
+                    <a:pt x="2296098" y="937595"/>
+                    <a:pt x="1927678" y="1144662"/>
+                    <a:pt x="1617493" y="1395738"/>
+                  </a:cubicBezTo>
+                  <a:cubicBezTo>
+                    <a:pt x="1301915" y="1651098"/>
+                    <a:pt x="1053890" y="1941665"/>
+                    <a:pt x="880408" y="2259099"/>
+                  </a:cubicBezTo>
+                  <a:cubicBezTo>
+                    <a:pt x="703125" y="2583597"/>
+                    <a:pt x="613135" y="2921645"/>
+                    <a:pt x="613135" y="3263863"/>
+                  </a:cubicBezTo>
+                  <a:cubicBezTo>
+                    <a:pt x="613135" y="3608512"/>
+                    <a:pt x="756702" y="3809789"/>
+                    <a:pt x="1055484" y="4196825"/>
+                  </a:cubicBezTo>
+                  <a:cubicBezTo>
+                    <a:pt x="1127574" y="4290167"/>
+                    <a:pt x="1202116" y="4386753"/>
+                    <a:pt x="1278376" y="4492950"/>
+                  </a:cubicBezTo>
+                  <a:cubicBezTo>
+                    <a:pt x="1861105" y="5304313"/>
+                    <a:pt x="2486623" y="5650468"/>
+                    <a:pt x="3369851" y="5650468"/>
+                  </a:cubicBezTo>
+                  <a:cubicBezTo>
+                    <a:pt x="3949515" y="5650468"/>
+                    <a:pt x="4374822" y="5368471"/>
+                    <a:pt x="4957551" y="4938355"/>
+                  </a:cubicBezTo>
+                  <a:cubicBezTo>
+                    <a:pt x="5022653" y="4890293"/>
+                    <a:pt x="5087755" y="4842811"/>
+                    <a:pt x="5150773" y="4796950"/>
+                  </a:cubicBezTo>
+                  <a:cubicBezTo>
+                    <a:pt x="5364254" y="4641404"/>
+                    <a:pt x="5570313" y="4491241"/>
+                    <a:pt x="5747247" y="4338176"/>
+                  </a:cubicBezTo>
+                  <a:lnTo>
+                    <a:pt x="5769111" y="4318497"/>
+                  </a:lnTo>
+                  <a:lnTo>
+                    <a:pt x="5769111" y="5074612"/>
+                  </a:lnTo>
+                  <a:lnTo>
+                    <a:pt x="5636252" y="5174208"/>
+                  </a:lnTo>
+                  <a:cubicBezTo>
+                    <a:pt x="5537051" y="5246835"/>
+                    <a:pt x="5436100" y="5319845"/>
+                    <a:pt x="5334922" y="5394528"/>
+                  </a:cubicBezTo>
+                  <a:cubicBezTo>
+                    <a:pt x="4745327" y="5829741"/>
+                    <a:pt x="4177309" y="6229400"/>
+                    <a:pt x="3369727" y="6229400"/>
+                  </a:cubicBezTo>
+                  <a:cubicBezTo>
+                    <a:pt x="2172147" y="6229400"/>
+                    <a:pt x="1394603" y="5686137"/>
+                    <a:pt x="771046" y="4817913"/>
+                  </a:cubicBezTo>
+                  <a:cubicBezTo>
+                    <a:pt x="396864" y="4297000"/>
+                    <a:pt x="0" y="3939728"/>
+                    <a:pt x="0" y="3263748"/>
+                  </a:cubicBezTo>
+                  <a:cubicBezTo>
+                    <a:pt x="0" y="1461170"/>
+                    <a:pt x="1955141" y="0"/>
+                    <a:pt x="3882695" y="0"/>
+                  </a:cubicBezTo>
+                  <a:close/>
+                </a:path>
+              </a:pathLst>
+            </a:custGeom>
+            <a:gradFill>
+              <a:gsLst>
+                <a:gs pos="2000">
+                  <a:schemeClr val="bg1">
+                    <a:alpha val="10000"/>
+                  </a:schemeClr>
+                </a:gs>
+                <a:gs pos="16000">
+                  <a:schemeClr val="accent6">
+                    <a:alpha val="10000"/>
+                  </a:schemeClr>
+                </a:gs>
+                <a:gs pos="100000">
+                  <a:schemeClr val="bg1">
+                    <a:alpha val="10000"/>
+                  </a:schemeClr>
+                </a:gs>
+                <a:gs pos="85000">
+                  <a:schemeClr val="accent1">
+                    <a:alpha val="10000"/>
+                  </a:schemeClr>
+                </a:gs>
+              </a:gsLst>
+              <a:lin ang="12000000" scaled="0"/>
+            </a:gradFill>
+            <a:ln>
+              <a:noFill/>
+            </a:ln>
+          </p:spPr>
+          <p:style>
+            <a:lnRef idx="2">
+              <a:schemeClr val="accent1">
+                <a:shade val="50000"/>
+              </a:schemeClr>
+            </a:lnRef>
+            <a:fillRef idx="1">
+              <a:schemeClr val="accent1"/>
+            </a:fillRef>
+            <a:effectRef idx="0">
+              <a:schemeClr val="accent1"/>
+            </a:effectRef>
+            <a:fontRef idx="minor">
+              <a:schemeClr val="lt1"/>
+            </a:fontRef>
+          </p:style>
+          <p:txBody>
+            <a:bodyPr rtlCol="0" anchor="ctr"/>
+            <a:lstStyle/>
+            <a:p>
+              <a:pPr algn="ctr"/>
+              <a:endParaRPr lang="en-US"/>
+            </a:p>
+          </p:txBody>
+        </p:sp>
+        <p:sp>
+          <p:nvSpPr>
+            <p:cNvPr id="56" name="Freeform: Shape 31">
+              <a:extLst>
+                <a:ext uri="{FF2B5EF4-FFF2-40B4-BE49-F238E27FC236}">
+                  <a16:creationId xmlns:a16="http://schemas.microsoft.com/office/drawing/2014/main" id="{5BD26A8C-8D1D-41E6-A71E-FE9AC75F3F8A}"/>
+                </a:ext>
+                <a:ext uri="{C183D7F6-B498-43B3-948B-1728B52AA6E4}">
+                  <adec:decorative xmlns:adec="http://schemas.microsoft.com/office/drawing/2017/decorative" val="1"/>
+                </a:ext>
+              </a:extLst>
+            </p:cNvPr>
+            <p:cNvSpPr/>
+            <p:nvPr>
+              <p:extLst>
+                <p:ext uri="{386F3935-93C4-4BCD-93E2-E3B085C9AB24}">
+                  <p16:designElem xmlns:p16="http://schemas.microsoft.com/office/powerpoint/2015/main" val="1"/>
+                </p:ext>
+              </p:extLst>
+            </p:nvPr>
+          </p:nvSpPr>
+          <p:spPr>
+            <a:xfrm>
+              <a:off x="6410220" y="131729"/>
+              <a:ext cx="5769111" cy="6229400"/>
+            </a:xfrm>
+            <a:custGeom>
+              <a:avLst/>
+              <a:gdLst>
+                <a:gd name="connsiteX0" fmla="*/ 3882695 w 5769111"/>
+                <a:gd name="connsiteY0" fmla="*/ 0 h 6229400"/>
+                <a:gd name="connsiteX1" fmla="*/ 5691883 w 5769111"/>
+                <a:gd name="connsiteY1" fmla="*/ 557381 h 6229400"/>
+                <a:gd name="connsiteX2" fmla="*/ 5769111 w 5769111"/>
+                <a:gd name="connsiteY2" fmla="*/ 620523 h 6229400"/>
+                <a:gd name="connsiteX3" fmla="*/ 5769111 w 5769111"/>
+                <a:gd name="connsiteY3" fmla="*/ 1675390 h 6229400"/>
+                <a:gd name="connsiteX4" fmla="*/ 5711488 w 5769111"/>
+                <a:gd name="connsiteY4" fmla="*/ 1585205 h 6229400"/>
+                <a:gd name="connsiteX5" fmla="*/ 5566027 w 5769111"/>
+                <a:gd name="connsiteY5" fmla="*/ 1402571 h 6229400"/>
+                <a:gd name="connsiteX6" fmla="*/ 4858734 w 5769111"/>
+                <a:gd name="connsiteY6" fmla="*/ 886639 h 6229400"/>
+                <a:gd name="connsiteX7" fmla="*/ 3882695 w 5769111"/>
+                <a:gd name="connsiteY7" fmla="*/ 694858 h 6229400"/>
+                <a:gd name="connsiteX8" fmla="*/ 2727046 w 5769111"/>
+                <a:gd name="connsiteY8" fmla="*/ 905053 h 6229400"/>
+                <a:gd name="connsiteX9" fmla="*/ 1697186 w 5769111"/>
+                <a:gd name="connsiteY9" fmla="*/ 1483638 h 6229400"/>
+                <a:gd name="connsiteX10" fmla="*/ 989279 w 5769111"/>
+                <a:gd name="connsiteY10" fmla="*/ 2312139 h 6229400"/>
+                <a:gd name="connsiteX11" fmla="*/ 735615 w 5769111"/>
+                <a:gd name="connsiteY11" fmla="*/ 3263863 h 6229400"/>
+                <a:gd name="connsiteX12" fmla="*/ 1154424 w 5769111"/>
+                <a:gd name="connsiteY12" fmla="*/ 4128614 h 6229400"/>
+                <a:gd name="connsiteX13" fmla="*/ 1379768 w 5769111"/>
+                <a:gd name="connsiteY13" fmla="*/ 4427981 h 6229400"/>
+                <a:gd name="connsiteX14" fmla="*/ 2239456 w 5769111"/>
+                <a:gd name="connsiteY14" fmla="*/ 5256947 h 6229400"/>
+                <a:gd name="connsiteX15" fmla="*/ 3369727 w 5769111"/>
+                <a:gd name="connsiteY15" fmla="*/ 5534658 h 6229400"/>
+                <a:gd name="connsiteX16" fmla="*/ 4096760 w 5769111"/>
+                <a:gd name="connsiteY16" fmla="*/ 5357817 h 6229400"/>
+                <a:gd name="connsiteX17" fmla="*/ 4881905 w 5769111"/>
+                <a:gd name="connsiteY17" fmla="*/ 4847212 h 6229400"/>
+                <a:gd name="connsiteX18" fmla="*/ 5075739 w 5769111"/>
+                <a:gd name="connsiteY18" fmla="*/ 4705346 h 6229400"/>
+                <a:gd name="connsiteX19" fmla="*/ 5759930 w 5769111"/>
+                <a:gd name="connsiteY19" fmla="*/ 4166809 h 6229400"/>
+                <a:gd name="connsiteX20" fmla="*/ 5769111 w 5769111"/>
+                <a:gd name="connsiteY20" fmla="*/ 4157764 h 6229400"/>
+                <a:gd name="connsiteX21" fmla="*/ 5769111 w 5769111"/>
+                <a:gd name="connsiteY21" fmla="*/ 5074612 h 6229400"/>
+                <a:gd name="connsiteX22" fmla="*/ 5636252 w 5769111"/>
+                <a:gd name="connsiteY22" fmla="*/ 5174208 h 6229400"/>
+                <a:gd name="connsiteX23" fmla="*/ 5334922 w 5769111"/>
+                <a:gd name="connsiteY23" fmla="*/ 5394528 h 6229400"/>
+                <a:gd name="connsiteX24" fmla="*/ 3369727 w 5769111"/>
+                <a:gd name="connsiteY24" fmla="*/ 6229400 h 6229400"/>
+                <a:gd name="connsiteX25" fmla="*/ 771046 w 5769111"/>
+                <a:gd name="connsiteY25" fmla="*/ 4817913 h 6229400"/>
+                <a:gd name="connsiteX26" fmla="*/ 0 w 5769111"/>
+                <a:gd name="connsiteY26" fmla="*/ 3263748 h 6229400"/>
+                <a:gd name="connsiteX27" fmla="*/ 3882695 w 5769111"/>
+                <a:gd name="connsiteY27" fmla="*/ 0 h 6229400"/>
+              </a:gdLst>
+              <a:ahLst/>
+              <a:cxnLst>
+                <a:cxn ang="0">
+                  <a:pos x="connsiteX0" y="connsiteY0"/>
+                </a:cxn>
+                <a:cxn ang="0">
+                  <a:pos x="connsiteX1" y="connsiteY1"/>
+                </a:cxn>
+                <a:cxn ang="0">
+                  <a:pos x="connsiteX2" y="connsiteY2"/>
+                </a:cxn>
+                <a:cxn ang="0">
+                  <a:pos x="connsiteX3" y="connsiteY3"/>
+                </a:cxn>
+                <a:cxn ang="0">
+                  <a:pos x="connsiteX4" y="connsiteY4"/>
+                </a:cxn>
+                <a:cxn ang="0">
+                  <a:pos x="connsiteX5" y="connsiteY5"/>
+                </a:cxn>
+                <a:cxn ang="0">
+                  <a:pos x="connsiteX6" y="connsiteY6"/>
+                </a:cxn>
+                <a:cxn ang="0">
+                  <a:pos x="connsiteX7" y="connsiteY7"/>
+                </a:cxn>
+                <a:cxn ang="0">
+                  <a:pos x="connsiteX8" y="connsiteY8"/>
+                </a:cxn>
+                <a:cxn ang="0">
+                  <a:pos x="connsiteX9" y="connsiteY9"/>
+                </a:cxn>
+                <a:cxn ang="0">
+                  <a:pos x="connsiteX10" y="connsiteY10"/>
+                </a:cxn>
+                <a:cxn ang="0">
+                  <a:pos x="connsiteX11" y="connsiteY11"/>
+                </a:cxn>
+                <a:cxn ang="0">
+                  <a:pos x="connsiteX12" y="connsiteY12"/>
+                </a:cxn>
+                <a:cxn ang="0">
+                  <a:pos x="connsiteX13" y="connsiteY13"/>
+                </a:cxn>
+                <a:cxn ang="0">
+                  <a:pos x="connsiteX14" y="connsiteY14"/>
+                </a:cxn>
+                <a:cxn ang="0">
+                  <a:pos x="connsiteX15" y="connsiteY15"/>
+                </a:cxn>
+                <a:cxn ang="0">
+                  <a:pos x="connsiteX16" y="connsiteY16"/>
+                </a:cxn>
+                <a:cxn ang="0">
+                  <a:pos x="connsiteX17" y="connsiteY17"/>
+                </a:cxn>
+                <a:cxn ang="0">
+                  <a:pos x="connsiteX18" y="connsiteY18"/>
+                </a:cxn>
+                <a:cxn ang="0">
+                  <a:pos x="connsiteX19" y="connsiteY19"/>
+                </a:cxn>
+                <a:cxn ang="0">
+                  <a:pos x="connsiteX20" y="connsiteY20"/>
+                </a:cxn>
+                <a:cxn ang="0">
+                  <a:pos x="connsiteX21" y="connsiteY21"/>
+                </a:cxn>
+                <a:cxn ang="0">
+                  <a:pos x="connsiteX22" y="connsiteY22"/>
+                </a:cxn>
+                <a:cxn ang="0">
+                  <a:pos x="connsiteX23" y="connsiteY23"/>
+                </a:cxn>
+                <a:cxn ang="0">
+                  <a:pos x="connsiteX24" y="connsiteY24"/>
+                </a:cxn>
+                <a:cxn ang="0">
+                  <a:pos x="connsiteX25" y="connsiteY25"/>
+                </a:cxn>
+                <a:cxn ang="0">
+                  <a:pos x="connsiteX26" y="connsiteY26"/>
+                </a:cxn>
+                <a:cxn ang="0">
+                  <a:pos x="connsiteX27" y="connsiteY27"/>
+                </a:cxn>
+              </a:cxnLst>
+              <a:rect l="l" t="t" r="r" b="b"/>
+              <a:pathLst>
+                <a:path w="5769111" h="6229400">
+                  <a:moveTo>
+                    <a:pt x="3882695" y="0"/>
+                  </a:moveTo>
+                  <a:cubicBezTo>
+                    <a:pt x="4601253" y="0"/>
+                    <a:pt x="5210727" y="205477"/>
+                    <a:pt x="5691883" y="557381"/>
+                  </a:cubicBezTo>
+                  <a:lnTo>
+                    <a:pt x="5769111" y="620523"/>
+                  </a:lnTo>
+                  <a:lnTo>
+                    <a:pt x="5769111" y="1675390"/>
+                  </a:lnTo>
+                  <a:lnTo>
+                    <a:pt x="5711488" y="1585205"/>
+                  </a:lnTo>
+                  <a:cubicBezTo>
+                    <a:pt x="5665942" y="1521390"/>
+                    <a:pt x="5617428" y="1460432"/>
+                    <a:pt x="5566027" y="1402571"/>
+                  </a:cubicBezTo>
+                  <a:cubicBezTo>
+                    <a:pt x="5367411" y="1179058"/>
+                    <a:pt x="5129563" y="1005460"/>
+                    <a:pt x="4858734" y="886639"/>
+                  </a:cubicBezTo>
+                  <a:cubicBezTo>
+                    <a:pt x="4568779" y="759363"/>
+                    <a:pt x="4240327" y="694858"/>
+                    <a:pt x="3882695" y="694858"/>
+                  </a:cubicBezTo>
+                  <a:cubicBezTo>
+                    <a:pt x="3504835" y="694858"/>
+                    <a:pt x="3105151" y="767471"/>
+                    <a:pt x="2727046" y="905053"/>
+                  </a:cubicBezTo>
+                  <a:cubicBezTo>
+                    <a:pt x="2352985" y="1041013"/>
+                    <a:pt x="1996826" y="1241132"/>
+                    <a:pt x="1697186" y="1483638"/>
+                  </a:cubicBezTo>
+                  <a:cubicBezTo>
+                    <a:pt x="1397913" y="1725796"/>
+                    <a:pt x="1153199" y="2012308"/>
+                    <a:pt x="989279" y="2312139"/>
+                  </a:cubicBezTo>
+                  <a:cubicBezTo>
+                    <a:pt x="820946" y="2620077"/>
+                    <a:pt x="735615" y="2940290"/>
+                    <a:pt x="735615" y="3263863"/>
+                  </a:cubicBezTo>
+                  <a:cubicBezTo>
+                    <a:pt x="735615" y="3573074"/>
+                    <a:pt x="863980" y="3752464"/>
+                    <a:pt x="1154424" y="4128614"/>
+                  </a:cubicBezTo>
+                  <a:cubicBezTo>
+                    <a:pt x="1227127" y="4222767"/>
+                    <a:pt x="1302282" y="4320162"/>
+                    <a:pt x="1379768" y="4427981"/>
+                  </a:cubicBezTo>
+                  <a:cubicBezTo>
+                    <a:pt x="1653784" y="4809458"/>
+                    <a:pt x="1934912" y="5080685"/>
+                    <a:pt x="2239456" y="5256947"/>
+                  </a:cubicBezTo>
+                  <a:cubicBezTo>
+                    <a:pt x="2562268" y="5443863"/>
+                    <a:pt x="2932037" y="5534658"/>
+                    <a:pt x="3369727" y="5534658"/>
+                  </a:cubicBezTo>
+                  <a:cubicBezTo>
+                    <a:pt x="3618120" y="5534658"/>
+                    <a:pt x="3849103" y="5478491"/>
+                    <a:pt x="4096760" y="5357817"/>
+                  </a:cubicBezTo>
+                  <a:cubicBezTo>
+                    <a:pt x="4351037" y="5233901"/>
+                    <a:pt x="4602740" y="5053238"/>
+                    <a:pt x="4881905" y="4847212"/>
+                  </a:cubicBezTo>
+                  <a:cubicBezTo>
+                    <a:pt x="4947375" y="4798920"/>
+                    <a:pt x="5012599" y="4751322"/>
+                    <a:pt x="5075739" y="4705346"/>
+                  </a:cubicBezTo>
+                  <a:cubicBezTo>
+                    <a:pt x="5327320" y="4521990"/>
+                    <a:pt x="5568418" y="4346256"/>
+                    <a:pt x="5759930" y="4166809"/>
+                  </a:cubicBezTo>
+                  <a:lnTo>
+                    <a:pt x="5769111" y="4157764"/>
+                  </a:lnTo>
+                  <a:lnTo>
+                    <a:pt x="5769111" y="5074612"/>
+                  </a:lnTo>
+                  <a:lnTo>
+                    <a:pt x="5636252" y="5174208"/>
+                  </a:lnTo>
+                  <a:cubicBezTo>
+                    <a:pt x="5537051" y="5246835"/>
+                    <a:pt x="5436100" y="5319845"/>
+                    <a:pt x="5334922" y="5394528"/>
+                  </a:cubicBezTo>
+                  <a:cubicBezTo>
+                    <a:pt x="4745327" y="5829741"/>
+                    <a:pt x="4177309" y="6229400"/>
+                    <a:pt x="3369727" y="6229400"/>
+                  </a:cubicBezTo>
+                  <a:cubicBezTo>
+                    <a:pt x="2172147" y="6229400"/>
+                    <a:pt x="1394603" y="5686137"/>
+                    <a:pt x="771046" y="4817913"/>
+                  </a:cubicBezTo>
+                  <a:cubicBezTo>
+                    <a:pt x="396864" y="4297000"/>
+                    <a:pt x="0" y="3939728"/>
+                    <a:pt x="0" y="3263748"/>
+                  </a:cubicBezTo>
+                  <a:cubicBezTo>
+                    <a:pt x="0" y="1461170"/>
+                    <a:pt x="1955141" y="0"/>
+                    <a:pt x="3882695" y="0"/>
+                  </a:cubicBezTo>
+                  <a:close/>
+                </a:path>
+              </a:pathLst>
+            </a:custGeom>
+            <a:gradFill>
+              <a:gsLst>
+                <a:gs pos="2000">
+                  <a:schemeClr val="bg1">
+                    <a:alpha val="10000"/>
+                  </a:schemeClr>
+                </a:gs>
+                <a:gs pos="16000">
+                  <a:schemeClr val="accent6">
+                    <a:alpha val="10000"/>
+                  </a:schemeClr>
+                </a:gs>
+                <a:gs pos="100000">
+                  <a:schemeClr val="bg1">
+                    <a:alpha val="10000"/>
+                  </a:schemeClr>
+                </a:gs>
+                <a:gs pos="85000">
+                  <a:schemeClr val="accent1">
+                    <a:alpha val="10000"/>
+                  </a:schemeClr>
+                </a:gs>
+              </a:gsLst>
+              <a:lin ang="12000000" scaled="0"/>
+            </a:gradFill>
+            <a:ln>
+              <a:noFill/>
+            </a:ln>
+          </p:spPr>
+          <p:style>
+            <a:lnRef idx="2">
+              <a:schemeClr val="accent1">
+                <a:shade val="50000"/>
+              </a:schemeClr>
+            </a:lnRef>
+            <a:fillRef idx="1">
+              <a:schemeClr val="accent1"/>
+            </a:fillRef>
+            <a:effectRef idx="0">
+              <a:schemeClr val="accent1"/>
+            </a:effectRef>
+            <a:fontRef idx="minor">
+              <a:schemeClr val="lt1"/>
+            </a:fontRef>
+          </p:style>
+          <p:txBody>
+            <a:bodyPr rtlCol="0" anchor="ctr"/>
+            <a:lstStyle/>
+            <a:p>
+              <a:pPr algn="ctr"/>
+              <a:endParaRPr lang="en-US"/>
+            </a:p>
+          </p:txBody>
+        </p:sp>
+      </p:grpSp>
+      <p:pic>
+        <p:nvPicPr>
+          <p:cNvPr id="21" name="Graphic 20" descr="Книги">
+            <a:extLst>
+              <a:ext uri="{FF2B5EF4-FFF2-40B4-BE49-F238E27FC236}">
+                <a16:creationId xmlns:a16="http://schemas.microsoft.com/office/drawing/2014/main" id="{8F3B60A2-92B2-79E1-0192-4135AA175E59}"/>
+              </a:ext>
+            </a:extLst>
+          </p:cNvPr>
+          <p:cNvPicPr>
+            <a:picLocks noChangeAspect="1"/>
+          </p:cNvPicPr>
+          <p:nvPr/>
+        </p:nvPicPr>
+        <p:blipFill>
+          <a:blip r:embed="rId2">
+            <a:extLst>
+              <a:ext uri="{28A0092B-C50C-407E-A947-70E740481C1C}">
+                <a14:useLocalDpi xmlns:a14="http://schemas.microsoft.com/office/drawing/2010/main" val="0"/>
+              </a:ext>
+              <a:ext uri="{96DAC541-7B7A-43D3-8B79-37D633B846F1}">
+                <asvg:svgBlip xmlns:asvg="http://schemas.microsoft.com/office/drawing/2016/SVG/main" r:embed="rId3"/>
+              </a:ext>
+            </a:extLst>
+          </a:blip>
+          <a:stretch>
+            <a:fillRect/>
+          </a:stretch>
+        </p:blipFill>
+        <p:spPr>
+          <a:xfrm>
+            <a:off x="8121726" y="1629089"/>
+            <a:ext cx="3620021" cy="3620021"/>
+          </a:xfrm>
+          <a:prstGeom prst="rect">
+            <a:avLst/>
+          </a:prstGeom>
+        </p:spPr>
+      </p:pic>
+    </p:spTree>
+    <p:extLst>
+      <p:ext uri="{BB962C8B-B14F-4D97-AF65-F5344CB8AC3E}">
+        <p14:creationId xmlns:p14="http://schemas.microsoft.com/office/powerpoint/2010/main" val="4206094240"/>
+      </p:ext>
+    </p:extLst>
+  </p:cSld>
+  <p:clrMapOvr>
+    <a:masterClrMapping/>
+  </p:clrMapOvr>
+</p:sld>
+</file>
+
+<file path=ppt/slides/slide5.xml><?xml version="1.0" encoding="utf-8"?>
 <p:sld xmlns:a="http://schemas.openxmlformats.org/drawingml/2006/main" xmlns:r="http://schemas.openxmlformats.org/officeDocument/2006/relationships" xmlns:p="http://schemas.openxmlformats.org/presentationml/2006/main">
   <p:cSld>
     <p:bg>
@@ -6099,7 +9149,474 @@
 </p:sld>
 </file>
 
-<file path=ppt/slides/slide5.xml><?xml version="1.0" encoding="utf-8"?>
+<file path=ppt/slides/slide6.xml><?xml version="1.0" encoding="utf-8"?>
+<p:sld xmlns:a="http://schemas.openxmlformats.org/drawingml/2006/main" xmlns:r="http://schemas.openxmlformats.org/officeDocument/2006/relationships" xmlns:p="http://schemas.openxmlformats.org/presentationml/2006/main">
+  <p:cSld>
+    <p:bg>
+      <p:bgPr>
+        <a:solidFill>
+          <a:schemeClr val="bg1"/>
+        </a:solidFill>
+        <a:effectLst/>
+      </p:bgPr>
+    </p:bg>
+    <p:spTree>
+      <p:nvGrpSpPr>
+        <p:cNvPr id="1" name=""/>
+        <p:cNvGrpSpPr/>
+        <p:nvPr/>
+      </p:nvGrpSpPr>
+      <p:grpSpPr>
+        <a:xfrm>
+          <a:off x="0" y="0"/>
+          <a:ext cx="0" cy="0"/>
+          <a:chOff x="0" y="0"/>
+          <a:chExt cx="0" cy="0"/>
+        </a:xfrm>
+      </p:grpSpPr>
+      <p:sp>
+        <p:nvSpPr>
+          <p:cNvPr id="1031" name="Rectangle 1030">
+            <a:extLst>
+              <a:ext uri="{FF2B5EF4-FFF2-40B4-BE49-F238E27FC236}">
+                <a16:creationId xmlns:a16="http://schemas.microsoft.com/office/drawing/2014/main" id="{3AD630B4-4CCC-7B1D-1803-DAED942D7E50}"/>
+              </a:ext>
+              <a:ext uri="{C183D7F6-B498-43B3-948B-1728B52AA6E4}">
+                <adec:decorative xmlns:adec="http://schemas.microsoft.com/office/drawing/2017/decorative" val="1"/>
+              </a:ext>
+            </a:extLst>
+          </p:cNvPr>
+          <p:cNvSpPr>
+            <a:spLocks noGrp="1" noRot="1" noChangeAspect="1" noMove="1" noResize="1" noEditPoints="1" noAdjustHandles="1" noChangeArrowheads="1" noChangeShapeType="1" noTextEdit="1"/>
+          </p:cNvSpPr>
+          <p:nvPr>
+            <p:extLst>
+              <p:ext uri="{386F3935-93C4-4BCD-93E2-E3B085C9AB24}">
+                <p16:designElem xmlns:p16="http://schemas.microsoft.com/office/powerpoint/2015/main" val="1"/>
+              </p:ext>
+            </p:extLst>
+          </p:nvPr>
+        </p:nvSpPr>
+        <p:spPr>
+          <a:xfrm>
+            <a:off x="0" y="0"/>
+            <a:ext cx="12192000" cy="6858000"/>
+          </a:xfrm>
+          <a:prstGeom prst="rect">
+            <a:avLst/>
+          </a:prstGeom>
+          <a:solidFill>
+            <a:srgbClr val="000000"/>
+          </a:solidFill>
+          <a:ln w="12700" cap="flat" cmpd="sng" algn="ctr">
+            <a:noFill/>
+            <a:prstDash val="solid"/>
+            <a:miter lim="800000"/>
+          </a:ln>
+          <a:effectLst/>
+        </p:spPr>
+        <p:style>
+          <a:lnRef idx="2">
+            <a:schemeClr val="accent1">
+              <a:shade val="50000"/>
+            </a:schemeClr>
+          </a:lnRef>
+          <a:fillRef idx="1">
+            <a:schemeClr val="accent1"/>
+          </a:fillRef>
+          <a:effectRef idx="0">
+            <a:schemeClr val="accent1"/>
+          </a:effectRef>
+          <a:fontRef idx="minor">
+            <a:schemeClr val="lt1"/>
+          </a:fontRef>
+        </p:style>
+        <p:txBody>
+          <a:bodyPr rtlCol="0" anchor="ctr"/>
+          <a:lstStyle/>
+          <a:p>
+            <a:pPr algn="ctr"/>
+            <a:endParaRPr lang="en-US"/>
+          </a:p>
+        </p:txBody>
+      </p:sp>
+      <p:pic>
+        <p:nvPicPr>
+          <p:cNvPr id="1026" name="Picture 2" descr="Главные особенности чата GPT-4 и как попробовать его бесплатно / Оффтопик /  iXBT Live">
+            <a:extLst>
+              <a:ext uri="{FF2B5EF4-FFF2-40B4-BE49-F238E27FC236}">
+                <a16:creationId xmlns:a16="http://schemas.microsoft.com/office/drawing/2014/main" id="{572384E8-733A-0E74-9D20-964F2A054F7E}"/>
+              </a:ext>
+            </a:extLst>
+          </p:cNvPr>
+          <p:cNvPicPr>
+            <a:picLocks noChangeAspect="1" noChangeArrowheads="1"/>
+          </p:cNvPicPr>
+          <p:nvPr/>
+        </p:nvPicPr>
+        <p:blipFill rotWithShape="1">
+          <a:blip r:embed="rId2">
+            <a:alphaModFix amt="50000"/>
+            <a:extLst>
+              <a:ext uri="{28A0092B-C50C-407E-A947-70E740481C1C}">
+                <a14:useLocalDpi xmlns:a14="http://schemas.microsoft.com/office/drawing/2010/main" val="0"/>
+              </a:ext>
+            </a:extLst>
+          </a:blip>
+          <a:srcRect/>
+          <a:stretch/>
+        </p:blipFill>
+        <p:spPr bwMode="auto">
+          <a:xfrm>
+            <a:off x="20" y="10"/>
+            <a:ext cx="12191979" cy="6857990"/>
+          </a:xfrm>
+          <a:prstGeom prst="rect">
+            <a:avLst/>
+          </a:prstGeom>
+          <a:noFill/>
+          <a:extLst>
+            <a:ext uri="{909E8E84-426E-40DD-AFC4-6F175D3DCCD1}">
+              <a14:hiddenFill xmlns:a14="http://schemas.microsoft.com/office/drawing/2010/main">
+                <a:solidFill>
+                  <a:srgbClr val="FFFFFF"/>
+                </a:solidFill>
+              </a14:hiddenFill>
+            </a:ext>
+          </a:extLst>
+        </p:spPr>
+      </p:pic>
+      <p:sp>
+        <p:nvSpPr>
+          <p:cNvPr id="2" name="Заголовок 1">
+            <a:extLst>
+              <a:ext uri="{FF2B5EF4-FFF2-40B4-BE49-F238E27FC236}">
+                <a16:creationId xmlns:a16="http://schemas.microsoft.com/office/drawing/2014/main" id="{274587B8-47BF-4641-F452-5EC4EAC199F4}"/>
+              </a:ext>
+            </a:extLst>
+          </p:cNvPr>
+          <p:cNvSpPr>
+            <a:spLocks noGrp="1"/>
+          </p:cNvSpPr>
+          <p:nvPr>
+            <p:ph type="title"/>
+          </p:nvPr>
+        </p:nvSpPr>
+        <p:spPr>
+          <a:xfrm>
+            <a:off x="762000" y="1137434"/>
+            <a:ext cx="7848600" cy="3204429"/>
+          </a:xfrm>
+        </p:spPr>
+        <p:txBody>
+          <a:bodyPr vert="horz" lIns="91440" tIns="45720" rIns="91440" bIns="45720" rtlCol="0" anchor="t">
+            <a:normAutofit/>
+          </a:bodyPr>
+          <a:lstStyle/>
+          <a:p>
+            <a:r>
+              <a:rPr lang="en-US" sz="4000">
+                <a:solidFill>
+                  <a:srgbClr val="FFFFFF"/>
+                </a:solidFill>
+              </a:rPr>
+              <a:t>Модельки и спрайты</a:t>
+            </a:r>
+            <a:br>
+              <a:rPr lang="en-US" sz="4000">
+                <a:solidFill>
+                  <a:srgbClr val="FFFFFF"/>
+                </a:solidFill>
+              </a:rPr>
+            </a:br>
+            <a:endParaRPr lang="en-US" sz="4000">
+              <a:solidFill>
+                <a:srgbClr val="FFFFFF"/>
+              </a:solidFill>
+            </a:endParaRPr>
+          </a:p>
+        </p:txBody>
+      </p:sp>
+      <p:sp>
+        <p:nvSpPr>
+          <p:cNvPr id="3" name="Объект 2">
+            <a:extLst>
+              <a:ext uri="{FF2B5EF4-FFF2-40B4-BE49-F238E27FC236}">
+                <a16:creationId xmlns:a16="http://schemas.microsoft.com/office/drawing/2014/main" id="{FF6E43FC-0234-CE3F-5E23-E3C9A8D1B74D}"/>
+              </a:ext>
+            </a:extLst>
+          </p:cNvPr>
+          <p:cNvSpPr>
+            <a:spLocks noGrp="1"/>
+          </p:cNvSpPr>
+          <p:nvPr>
+            <p:ph sz="quarter" idx="10"/>
+          </p:nvPr>
+        </p:nvSpPr>
+        <p:spPr>
+          <a:xfrm>
+            <a:off x="762000" y="4792531"/>
+            <a:ext cx="5334000" cy="1089423"/>
+          </a:xfrm>
+        </p:spPr>
+        <p:txBody>
+          <a:bodyPr vert="horz" lIns="91440" tIns="45720" rIns="91440" bIns="45720" rtlCol="0" anchor="b">
+            <a:normAutofit/>
+          </a:bodyPr>
+          <a:lstStyle/>
+          <a:p>
+            <a:pPr marL="0" indent="0">
+              <a:buNone/>
+            </a:pPr>
+            <a:r>
+              <a:rPr lang="en-US" sz="1800">
+                <a:solidFill>
+                  <a:srgbClr val="FFFFFF"/>
+                </a:solidFill>
+              </a:rPr>
+              <a:t>Все картинки в игре нарисованы нейро сетью</a:t>
+            </a:r>
+          </a:p>
+        </p:txBody>
+      </p:sp>
+      <p:cxnSp>
+        <p:nvCxnSpPr>
+          <p:cNvPr id="1033" name="Straight Connector 1032">
+            <a:extLst>
+              <a:ext uri="{FF2B5EF4-FFF2-40B4-BE49-F238E27FC236}">
+                <a16:creationId xmlns:a16="http://schemas.microsoft.com/office/drawing/2014/main" id="{49264613-F0F7-08CE-0ADF-98407A64DAE6}"/>
+              </a:ext>
+              <a:ext uri="{C183D7F6-B498-43B3-948B-1728B52AA6E4}">
+                <adec:decorative xmlns:adec="http://schemas.microsoft.com/office/drawing/2017/decorative" val="1"/>
+              </a:ext>
+            </a:extLst>
+          </p:cNvPr>
+          <p:cNvCxnSpPr>
+            <a:cxnSpLocks noGrp="1" noRot="1" noChangeAspect="1" noMove="1" noResize="1" noEditPoints="1" noAdjustHandles="1" noChangeArrowheads="1" noChangeShapeType="1"/>
+          </p:cNvCxnSpPr>
+          <p:nvPr>
+            <p:extLst>
+              <p:ext uri="{386F3935-93C4-4BCD-93E2-E3B085C9AB24}">
+                <p16:designElem xmlns:p16="http://schemas.microsoft.com/office/powerpoint/2015/main" val="1"/>
+              </p:ext>
+            </p:extLst>
+          </p:nvPr>
+        </p:nvCxnSpPr>
+        <p:spPr>
+          <a:xfrm>
+            <a:off x="865140" y="871146"/>
+            <a:ext cx="736939" cy="0"/>
+          </a:xfrm>
+          <a:prstGeom prst="line">
+            <a:avLst/>
+          </a:prstGeom>
+          <a:ln w="57150">
+            <a:solidFill>
+              <a:schemeClr val="accent4"/>
+            </a:solidFill>
+          </a:ln>
+        </p:spPr>
+        <p:style>
+          <a:lnRef idx="1">
+            <a:schemeClr val="accent1"/>
+          </a:lnRef>
+          <a:fillRef idx="0">
+            <a:schemeClr val="accent1"/>
+          </a:fillRef>
+          <a:effectRef idx="0">
+            <a:schemeClr val="accent1"/>
+          </a:effectRef>
+          <a:fontRef idx="minor">
+            <a:schemeClr val="tx1"/>
+          </a:fontRef>
+        </p:style>
+      </p:cxnSp>
+    </p:spTree>
+    <p:extLst>
+      <p:ext uri="{BB962C8B-B14F-4D97-AF65-F5344CB8AC3E}">
+        <p14:creationId xmlns:p14="http://schemas.microsoft.com/office/powerpoint/2010/main" val="3890531565"/>
+      </p:ext>
+    </p:extLst>
+  </p:cSld>
+  <p:clrMapOvr>
+    <a:masterClrMapping/>
+  </p:clrMapOvr>
+  <p:timing>
+    <p:tnLst>
+      <p:par>
+        <p:cTn id="1" dur="indefinite" restart="never" nodeType="tmRoot">
+          <p:childTnLst>
+            <p:seq concurrent="1" nextAc="seek">
+              <p:cTn id="2" dur="indefinite" nodeType="mainSeq">
+                <p:childTnLst>
+                  <p:par>
+                    <p:cTn id="3" fill="hold">
+                      <p:stCondLst>
+                        <p:cond delay="indefinite"/>
+                        <p:cond evt="onBegin" delay="0">
+                          <p:tn val="2"/>
+                        </p:cond>
+                      </p:stCondLst>
+                      <p:childTnLst>
+                        <p:par>
+                          <p:cTn id="4" fill="hold">
+                            <p:stCondLst>
+                              <p:cond delay="0"/>
+                            </p:stCondLst>
+                            <p:childTnLst>
+                              <p:par>
+                                <p:cTn id="5" presetID="10" presetClass="entr" presetSubtype="0" fill="hold" grpId="0" nodeType="withEffect">
+                                  <p:stCondLst>
+                                    <p:cond delay="1000"/>
+                                  </p:stCondLst>
+                                  <p:iterate type="lt">
+                                    <p:tmPct val="10000"/>
+                                  </p:iterate>
+                                  <p:childTnLst>
+                                    <p:set>
+                                      <p:cBhvr>
+                                        <p:cTn id="6" dur="1" fill="hold">
+                                          <p:stCondLst>
+                                            <p:cond delay="0"/>
+                                          </p:stCondLst>
+                                        </p:cTn>
+                                        <p:tgtEl>
+                                          <p:spTgt spid="2"/>
+                                        </p:tgtEl>
+                                        <p:attrNameLst>
+                                          <p:attrName>style.visibility</p:attrName>
+                                        </p:attrNameLst>
+                                      </p:cBhvr>
+                                      <p:to>
+                                        <p:strVal val="visible"/>
+                                      </p:to>
+                                    </p:set>
+                                    <p:animEffect transition="in" filter="fade">
+                                      <p:cBhvr>
+                                        <p:cTn id="7" dur="400"/>
+                                        <p:tgtEl>
+                                          <p:spTgt spid="2"/>
+                                        </p:tgtEl>
+                                      </p:cBhvr>
+                                    </p:animEffect>
+                                  </p:childTnLst>
+                                </p:cTn>
+                              </p:par>
+                            </p:childTnLst>
+                          </p:cTn>
+                        </p:par>
+                      </p:childTnLst>
+                    </p:cTn>
+                  </p:par>
+                </p:childTnLst>
+              </p:cTn>
+              <p:prevCondLst>
+                <p:cond evt="onPrev" delay="0">
+                  <p:tgtEl>
+                    <p:sldTgt/>
+                  </p:tgtEl>
+                </p:cond>
+              </p:prevCondLst>
+              <p:nextCondLst>
+                <p:cond evt="onNext" delay="0">
+                  <p:tgtEl>
+                    <p:sldTgt/>
+                  </p:tgtEl>
+                </p:cond>
+              </p:nextCondLst>
+            </p:seq>
+          </p:childTnLst>
+        </p:cTn>
+      </p:par>
+    </p:tnLst>
+    <p:bldLst>
+      <p:bldP spid="2" grpId="0"/>
+    </p:bldLst>
+  </p:timing>
+</p:sld>
+</file>
+
+<file path=ppt/slides/slide7.xml><?xml version="1.0" encoding="utf-8"?>
+<p:sld xmlns:a="http://schemas.openxmlformats.org/drawingml/2006/main" xmlns:r="http://schemas.openxmlformats.org/officeDocument/2006/relationships" xmlns:p="http://schemas.openxmlformats.org/presentationml/2006/main">
+  <p:cSld>
+    <p:spTree>
+      <p:nvGrpSpPr>
+        <p:cNvPr id="1" name=""/>
+        <p:cNvGrpSpPr/>
+        <p:nvPr/>
+      </p:nvGrpSpPr>
+      <p:grpSpPr>
+        <a:xfrm>
+          <a:off x="0" y="0"/>
+          <a:ext cx="0" cy="0"/>
+          <a:chOff x="0" y="0"/>
+          <a:chExt cx="0" cy="0"/>
+        </a:xfrm>
+      </p:grpSpPr>
+      <p:sp>
+        <p:nvSpPr>
+          <p:cNvPr id="2" name="Заголовок 1">
+            <a:extLst>
+              <a:ext uri="{FF2B5EF4-FFF2-40B4-BE49-F238E27FC236}">
+                <a16:creationId xmlns:a16="http://schemas.microsoft.com/office/drawing/2014/main" id="{683392EF-A0B1-971E-6D02-3C03DF4D7670}"/>
+              </a:ext>
+            </a:extLst>
+          </p:cNvPr>
+          <p:cNvSpPr>
+            <a:spLocks noGrp="1"/>
+          </p:cNvSpPr>
+          <p:nvPr>
+            <p:ph type="title"/>
+          </p:nvPr>
+        </p:nvSpPr>
+        <p:spPr/>
+        <p:txBody>
+          <a:bodyPr/>
+          <a:lstStyle/>
+          <a:p>
+            <a:endParaRPr lang="ru-RU" dirty="0"/>
+          </a:p>
+        </p:txBody>
+      </p:sp>
+      <p:sp>
+        <p:nvSpPr>
+          <p:cNvPr id="3" name="Объект 2">
+            <a:extLst>
+              <a:ext uri="{FF2B5EF4-FFF2-40B4-BE49-F238E27FC236}">
+                <a16:creationId xmlns:a16="http://schemas.microsoft.com/office/drawing/2014/main" id="{C3C9C848-8DAF-7B16-F636-550109114732}"/>
+              </a:ext>
+            </a:extLst>
+          </p:cNvPr>
+          <p:cNvSpPr>
+            <a:spLocks noGrp="1"/>
+          </p:cNvSpPr>
+          <p:nvPr>
+            <p:ph sz="quarter" idx="10"/>
+          </p:nvPr>
+        </p:nvSpPr>
+        <p:spPr/>
+        <p:txBody>
+          <a:bodyPr/>
+          <a:lstStyle/>
+          <a:p>
+            <a:endParaRPr lang="ru-RU"/>
+          </a:p>
+        </p:txBody>
+      </p:sp>
+    </p:spTree>
+    <p:extLst>
+      <p:ext uri="{BB962C8B-B14F-4D97-AF65-F5344CB8AC3E}">
+        <p14:creationId xmlns:p14="http://schemas.microsoft.com/office/powerpoint/2010/main" val="4109042922"/>
+      </p:ext>
+    </p:extLst>
+  </p:cSld>
+  <p:clrMapOvr>
+    <a:masterClrMapping/>
+  </p:clrMapOvr>
+</p:sld>
+</file>
+
+<file path=ppt/slides/slide8.xml><?xml version="1.0" encoding="utf-8"?>
 <p:sld xmlns:a="http://schemas.openxmlformats.org/drawingml/2006/main" xmlns:r="http://schemas.openxmlformats.org/officeDocument/2006/relationships" xmlns:p="http://schemas.openxmlformats.org/presentationml/2006/main" showMasterSp="0">
   <p:cSld>
     <p:bg>
@@ -6238,7 +9755,7 @@
 </p:sld>
 </file>
 
-<file path=ppt/slides/slide6.xml><?xml version="1.0" encoding="utf-8"?>
+<file path=ppt/slides/slide9.xml><?xml version="1.0" encoding="utf-8"?>
 <p:sld xmlns:a="http://schemas.openxmlformats.org/drawingml/2006/main" xmlns:r="http://schemas.openxmlformats.org/officeDocument/2006/relationships" xmlns:p="http://schemas.openxmlformats.org/presentationml/2006/main">
   <p:cSld>
     <p:spTree>

--- a/presentation.pptx
+++ b/presentation.pptx
@@ -254,7 +254,7 @@
             <a:pPr rtl="0"/>
             <a:fld id="{3EF2CABD-ADFB-4662-86FE-964DAD288E0E}" type="datetime1">
               <a:rPr lang="ru-RU" smtClean="0"/>
-              <a:t>19.01.2024</a:t>
+              <a:t>20.01.2024</a:t>
             </a:fld>
             <a:endParaRPr lang="ru-RU"/>
           </a:p>
@@ -424,7 +424,7 @@
             <a:fld id="{68B812D4-DBF0-450F-B19D-420CCD76CB60}" type="datetime1">
               <a:rPr lang="ru-RU" smtClean="0"/>
               <a:pPr/>
-              <a:t>19.01.2024</a:t>
+              <a:t>20.01.2024</a:t>
             </a:fld>
             <a:endParaRPr lang="ru-RU" dirty="0"/>
           </a:p>
@@ -1019,7 +1019,7 @@
             <a:pPr rtl="0"/>
             <a:fld id="{0E309820-F966-41D6-9A9E-F094402396DD}" type="datetime1">
               <a:rPr lang="ru-RU" noProof="0" smtClean="0"/>
-              <a:t>19.01.2024</a:t>
+              <a:t>20.01.2024</a:t>
             </a:fld>
             <a:endParaRPr lang="ru-RU" noProof="0" dirty="0"/>
           </a:p>
@@ -1222,7 +1222,7 @@
             <a:pPr rtl="0"/>
             <a:fld id="{0E309820-F966-41D6-9A9E-F094402396DD}" type="datetime1">
               <a:rPr lang="ru-RU" noProof="0" smtClean="0"/>
-              <a:t>19.01.2024</a:t>
+              <a:t>20.01.2024</a:t>
             </a:fld>
             <a:endParaRPr lang="ru-RU" noProof="0" dirty="0"/>
           </a:p>
@@ -1435,7 +1435,7 @@
             <a:pPr rtl="0"/>
             <a:fld id="{0E309820-F966-41D6-9A9E-F094402396DD}" type="datetime1">
               <a:rPr lang="ru-RU" noProof="0" smtClean="0"/>
-              <a:t>19.01.2024</a:t>
+              <a:t>20.01.2024</a:t>
             </a:fld>
             <a:endParaRPr lang="ru-RU" noProof="0" dirty="0"/>
           </a:p>
@@ -1950,7 +1950,7 @@
             <a:pPr rtl="0"/>
             <a:fld id="{94BFA7FF-3CFD-4CAD-BB9E-67BC1F4C890D}" type="datetime1">
               <a:rPr lang="ru-RU" noProof="0" smtClean="0"/>
-              <a:t>19.01.2024</a:t>
+              <a:t>20.01.2024</a:t>
             </a:fld>
             <a:endParaRPr lang="ru-RU" noProof="0"/>
           </a:p>
@@ -2178,7 +2178,7 @@
             <a:pPr rtl="0"/>
             <a:fld id="{0E309820-F966-41D6-9A9E-F094402396DD}" type="datetime1">
               <a:rPr lang="ru-RU" noProof="0" smtClean="0"/>
-              <a:t>19.01.2024</a:t>
+              <a:t>20.01.2024</a:t>
             </a:fld>
             <a:endParaRPr lang="ru-RU" noProof="0" dirty="0"/>
           </a:p>
@@ -2458,7 +2458,7 @@
             <a:pPr rtl="0"/>
             <a:fld id="{0E309820-F966-41D6-9A9E-F094402396DD}" type="datetime1">
               <a:rPr lang="ru-RU" noProof="0" smtClean="0"/>
-              <a:t>19.01.2024</a:t>
+              <a:t>20.01.2024</a:t>
             </a:fld>
             <a:endParaRPr lang="ru-RU" noProof="0" dirty="0"/>
           </a:p>
@@ -2728,7 +2728,7 @@
             <a:pPr rtl="0"/>
             <a:fld id="{0E309820-F966-41D6-9A9E-F094402396DD}" type="datetime1">
               <a:rPr lang="ru-RU" noProof="0" smtClean="0"/>
-              <a:t>19.01.2024</a:t>
+              <a:t>20.01.2024</a:t>
             </a:fld>
             <a:endParaRPr lang="ru-RU" noProof="0" dirty="0"/>
           </a:p>
@@ -3145,7 +3145,7 @@
             <a:pPr rtl="0"/>
             <a:fld id="{0E309820-F966-41D6-9A9E-F094402396DD}" type="datetime1">
               <a:rPr lang="ru-RU" noProof="0" smtClean="0"/>
-              <a:t>19.01.2024</a:t>
+              <a:t>20.01.2024</a:t>
             </a:fld>
             <a:endParaRPr lang="ru-RU" noProof="0" dirty="0"/>
           </a:p>
@@ -3291,7 +3291,7 @@
             <a:pPr rtl="0"/>
             <a:fld id="{0E309820-F966-41D6-9A9E-F094402396DD}" type="datetime1">
               <a:rPr lang="ru-RU" noProof="0" smtClean="0"/>
-              <a:t>19.01.2024</a:t>
+              <a:t>20.01.2024</a:t>
             </a:fld>
             <a:endParaRPr lang="ru-RU" noProof="0" dirty="0"/>
           </a:p>
@@ -3409,7 +3409,7 @@
             <a:pPr rtl="0"/>
             <a:fld id="{0E309820-F966-41D6-9A9E-F094402396DD}" type="datetime1">
               <a:rPr lang="ru-RU" noProof="0" smtClean="0"/>
-              <a:t>19.01.2024</a:t>
+              <a:t>20.01.2024</a:t>
             </a:fld>
             <a:endParaRPr lang="ru-RU" noProof="0" dirty="0"/>
           </a:p>
@@ -3725,7 +3725,7 @@
             <a:pPr rtl="0"/>
             <a:fld id="{0E309820-F966-41D6-9A9E-F094402396DD}" type="datetime1">
               <a:rPr lang="ru-RU" noProof="0" smtClean="0"/>
-              <a:t>19.01.2024</a:t>
+              <a:t>20.01.2024</a:t>
             </a:fld>
             <a:endParaRPr lang="ru-RU" noProof="0" dirty="0"/>
           </a:p>
@@ -4018,7 +4018,7 @@
             <a:pPr rtl="0"/>
             <a:fld id="{0E309820-F966-41D6-9A9E-F094402396DD}" type="datetime1">
               <a:rPr lang="ru-RU" noProof="0" smtClean="0"/>
-              <a:t>19.01.2024</a:t>
+              <a:t>20.01.2024</a:t>
             </a:fld>
             <a:endParaRPr lang="ru-RU" noProof="0" dirty="0"/>
           </a:p>
@@ -4264,7 +4264,7 @@
             <a:pPr rtl="0"/>
             <a:fld id="{0E309820-F966-41D6-9A9E-F094402396DD}" type="datetime1">
               <a:rPr lang="ru-RU" noProof="0" smtClean="0"/>
-              <a:t>19.01.2024</a:t>
+              <a:t>20.01.2024</a:t>
             </a:fld>
             <a:endParaRPr lang="ru-RU" noProof="0" dirty="0"/>
           </a:p>
@@ -4981,18 +4981,21 @@
           <a:lstStyle/>
           <a:p>
             <a:r>
-              <a:rPr lang="en-US" sz="4800">
+              <a:rPr lang="en-US" sz="4800" dirty="0" err="1">
                 <a:solidFill>
                   <a:schemeClr val="bg1"/>
                 </a:solidFill>
               </a:rPr>
-              <a:t>Игра “Dungeon destroyer”</a:t>
+              <a:t>Игра</a:t>
             </a:r>
-            <a:endParaRPr lang="en-US" sz="4800" dirty="0">
-              <a:solidFill>
-                <a:schemeClr val="bg1"/>
-              </a:solidFill>
-            </a:endParaRPr>
+            <a:r>
+              <a:rPr lang="en-US" sz="4800" dirty="0">
+                <a:solidFill>
+                  <a:schemeClr val="bg1"/>
+                </a:solidFill>
+              </a:rPr>
+              <a:t> “Dungeon destroyer”</a:t>
+            </a:r>
           </a:p>
         </p:txBody>
       </p:sp>
@@ -5014,7 +5017,7 @@
         </p:spPr>
         <p:txBody>
           <a:bodyPr vert="horz" lIns="91440" tIns="45720" rIns="91440" bIns="45720" rtlCol="0">
-            <a:normAutofit fontScale="92500" lnSpcReduction="20000"/>
+            <a:normAutofit fontScale="77500" lnSpcReduction="20000"/>
           </a:bodyPr>
           <a:lstStyle/>
           <a:p>
@@ -5022,35 +5025,90 @@
               <a:buNone/>
             </a:pPr>
             <a:r>
-              <a:rPr lang="en-US" sz="2000">
+              <a:rPr lang="en-US" sz="2000" dirty="0" err="1">
                 <a:solidFill>
                   <a:schemeClr val="bg1"/>
                 </a:solidFill>
               </a:rPr>
-              <a:t>Авторы: Руднев Андрей Александрович</a:t>
+              <a:t>Авторы</a:t>
             </a:r>
+            <a:r>
+              <a:rPr lang="en-US" sz="2000" dirty="0">
+                <a:solidFill>
+                  <a:schemeClr val="bg1"/>
+                </a:solidFill>
+              </a:rPr>
+              <a:t>:</a:t>
+            </a:r>
+            <a:endParaRPr lang="ru-RU" sz="2000" dirty="0">
+              <a:solidFill>
+                <a:schemeClr val="bg1"/>
+              </a:solidFill>
+            </a:endParaRPr>
           </a:p>
           <a:p>
             <a:pPr marL="0" indent="0">
               <a:buNone/>
             </a:pPr>
             <a:r>
-              <a:rPr lang="en-US" sz="2000">
+              <a:rPr lang="en-US" sz="2000" dirty="0">
                 <a:solidFill>
                   <a:schemeClr val="bg1"/>
                 </a:solidFill>
               </a:rPr>
-              <a:t>Пигузов Арсений</a:t>
+              <a:t>Руднев Андрей </a:t>
             </a:r>
             <a:r>
-              <a:rPr lang="ru-RU" sz="2000">
+              <a:rPr lang="en-US" sz="2000" dirty="0" err="1">
+                <a:solidFill>
+                  <a:schemeClr val="bg1"/>
+                </a:solidFill>
+              </a:rPr>
+              <a:t>Александрович</a:t>
+            </a:r>
+            <a:endParaRPr lang="en-US" sz="2000" dirty="0">
+              <a:solidFill>
+                <a:schemeClr val="bg1"/>
+              </a:solidFill>
+            </a:endParaRPr>
+          </a:p>
+          <a:p>
+            <a:pPr marL="0" indent="0">
+              <a:buNone/>
+            </a:pPr>
+            <a:r>
+              <a:rPr lang="en-US" sz="2000" dirty="0" err="1">
+                <a:solidFill>
+                  <a:schemeClr val="bg1"/>
+                </a:solidFill>
+              </a:rPr>
+              <a:t>Пигузов</a:t>
+            </a:r>
+            <a:r>
+              <a:rPr lang="en-US" sz="2000" dirty="0">
+                <a:solidFill>
+                  <a:schemeClr val="bg1"/>
+                </a:solidFill>
+              </a:rPr>
+              <a:t> </a:t>
+            </a:r>
+            <a:r>
+              <a:rPr lang="en-US" sz="2000" dirty="0" err="1">
+                <a:solidFill>
+                  <a:schemeClr val="bg1"/>
+                </a:solidFill>
+              </a:rPr>
+              <a:t>Арсений</a:t>
+            </a:r>
+            <a:r>
+              <a:rPr lang="ru-RU" sz="2000" dirty="0">
                 <a:solidFill>
                   <a:schemeClr val="bg1"/>
                 </a:solidFill>
               </a:rPr>
               <a:t> Владимирович</a:t>
             </a:r>
-            <a:endParaRPr lang="en-US" sz="2000">
+            <a:endParaRPr lang="en-US" sz="2000" dirty="0">
               <a:solidFill>
                 <a:schemeClr val="bg1"/>
               </a:solidFill>
@@ -5061,12 +5119,20 @@
               <a:buNone/>
             </a:pPr>
             <a:r>
-              <a:rPr lang="ru-RU" sz="2000">
+              <a:rPr lang="ru-RU" sz="2000" dirty="0">
                 <a:solidFill>
                   <a:schemeClr val="bg1"/>
                 </a:solidFill>
               </a:rPr>
-              <a:t>Фурсов Иван Владимович</a:t>
+              <a:t>Фурсов Иван </a:t>
+            </a:r>
+            <a:r>
+              <a:rPr lang="ru-RU" sz="2000" dirty="0" err="1">
+                <a:solidFill>
+                  <a:schemeClr val="bg1"/>
+                </a:solidFill>
+              </a:rPr>
+              <a:t>Владимович</a:t>
             </a:r>
             <a:endParaRPr lang="en-US" sz="2000" dirty="0">
               <a:solidFill>
@@ -9599,7 +9665,7 @@
           <a:bodyPr/>
           <a:lstStyle/>
           <a:p>
-            <a:endParaRPr lang="ru-RU"/>
+            <a:endParaRPr lang="ru-RU" dirty="0"/>
           </a:p>
         </p:txBody>
       </p:sp>

--- a/presentation.pptx
+++ b/presentation.pptx
@@ -17,8 +17,8 @@
     <p:sldId id="278" r:id="rId5"/>
     <p:sldId id="273" r:id="rId6"/>
     <p:sldId id="276" r:id="rId7"/>
-    <p:sldId id="277" r:id="rId8"/>
-    <p:sldId id="274" r:id="rId9"/>
+    <p:sldId id="274" r:id="rId8"/>
+    <p:sldId id="277" r:id="rId9"/>
     <p:sldId id="275" r:id="rId10"/>
   </p:sldIdLst>
   <p:sldSz cx="12192000" cy="6858000"/>
@@ -133,8 +133,8 @@
             <p14:sldId id="278"/>
             <p14:sldId id="273"/>
             <p14:sldId id="276"/>
+            <p14:sldId id="274"/>
             <p14:sldId id="277"/>
-            <p14:sldId id="274"/>
             <p14:sldId id="275"/>
           </p14:sldIdLst>
         </p14:section>
@@ -254,7 +254,7 @@
             <a:pPr rtl="0"/>
             <a:fld id="{3EF2CABD-ADFB-4662-86FE-964DAD288E0E}" type="datetime1">
               <a:rPr lang="ru-RU" smtClean="0"/>
-              <a:t>20.01.2024</a:t>
+              <a:t>21.01.2024</a:t>
             </a:fld>
             <a:endParaRPr lang="ru-RU"/>
           </a:p>
@@ -424,7 +424,7 @@
             <a:fld id="{68B812D4-DBF0-450F-B19D-420CCD76CB60}" type="datetime1">
               <a:rPr lang="ru-RU" smtClean="0"/>
               <a:pPr/>
-              <a:t>20.01.2024</a:t>
+              <a:t>21.01.2024</a:t>
             </a:fld>
             <a:endParaRPr lang="ru-RU" dirty="0"/>
           </a:p>
@@ -1019,7 +1019,7 @@
             <a:pPr rtl="0"/>
             <a:fld id="{0E309820-F966-41D6-9A9E-F094402396DD}" type="datetime1">
               <a:rPr lang="ru-RU" noProof="0" smtClean="0"/>
-              <a:t>20.01.2024</a:t>
+              <a:t>21.01.2024</a:t>
             </a:fld>
             <a:endParaRPr lang="ru-RU" noProof="0" dirty="0"/>
           </a:p>
@@ -1222,7 +1222,7 @@
             <a:pPr rtl="0"/>
             <a:fld id="{0E309820-F966-41D6-9A9E-F094402396DD}" type="datetime1">
               <a:rPr lang="ru-RU" noProof="0" smtClean="0"/>
-              <a:t>20.01.2024</a:t>
+              <a:t>21.01.2024</a:t>
             </a:fld>
             <a:endParaRPr lang="ru-RU" noProof="0" dirty="0"/>
           </a:p>
@@ -1435,7 +1435,7 @@
             <a:pPr rtl="0"/>
             <a:fld id="{0E309820-F966-41D6-9A9E-F094402396DD}" type="datetime1">
               <a:rPr lang="ru-RU" noProof="0" smtClean="0"/>
-              <a:t>20.01.2024</a:t>
+              <a:t>21.01.2024</a:t>
             </a:fld>
             <a:endParaRPr lang="ru-RU" noProof="0" dirty="0"/>
           </a:p>
@@ -1950,7 +1950,7 @@
             <a:pPr rtl="0"/>
             <a:fld id="{94BFA7FF-3CFD-4CAD-BB9E-67BC1F4C890D}" type="datetime1">
               <a:rPr lang="ru-RU" noProof="0" smtClean="0"/>
-              <a:t>20.01.2024</a:t>
+              <a:t>21.01.2024</a:t>
             </a:fld>
             <a:endParaRPr lang="ru-RU" noProof="0"/>
           </a:p>
@@ -2178,7 +2178,7 @@
             <a:pPr rtl="0"/>
             <a:fld id="{0E309820-F966-41D6-9A9E-F094402396DD}" type="datetime1">
               <a:rPr lang="ru-RU" noProof="0" smtClean="0"/>
-              <a:t>20.01.2024</a:t>
+              <a:t>21.01.2024</a:t>
             </a:fld>
             <a:endParaRPr lang="ru-RU" noProof="0" dirty="0"/>
           </a:p>
@@ -2458,7 +2458,7 @@
             <a:pPr rtl="0"/>
             <a:fld id="{0E309820-F966-41D6-9A9E-F094402396DD}" type="datetime1">
               <a:rPr lang="ru-RU" noProof="0" smtClean="0"/>
-              <a:t>20.01.2024</a:t>
+              <a:t>21.01.2024</a:t>
             </a:fld>
             <a:endParaRPr lang="ru-RU" noProof="0" dirty="0"/>
           </a:p>
@@ -2728,7 +2728,7 @@
             <a:pPr rtl="0"/>
             <a:fld id="{0E309820-F966-41D6-9A9E-F094402396DD}" type="datetime1">
               <a:rPr lang="ru-RU" noProof="0" smtClean="0"/>
-              <a:t>20.01.2024</a:t>
+              <a:t>21.01.2024</a:t>
             </a:fld>
             <a:endParaRPr lang="ru-RU" noProof="0" dirty="0"/>
           </a:p>
@@ -3145,7 +3145,7 @@
             <a:pPr rtl="0"/>
             <a:fld id="{0E309820-F966-41D6-9A9E-F094402396DD}" type="datetime1">
               <a:rPr lang="ru-RU" noProof="0" smtClean="0"/>
-              <a:t>20.01.2024</a:t>
+              <a:t>21.01.2024</a:t>
             </a:fld>
             <a:endParaRPr lang="ru-RU" noProof="0" dirty="0"/>
           </a:p>
@@ -3291,7 +3291,7 @@
             <a:pPr rtl="0"/>
             <a:fld id="{0E309820-F966-41D6-9A9E-F094402396DD}" type="datetime1">
               <a:rPr lang="ru-RU" noProof="0" smtClean="0"/>
-              <a:t>20.01.2024</a:t>
+              <a:t>21.01.2024</a:t>
             </a:fld>
             <a:endParaRPr lang="ru-RU" noProof="0" dirty="0"/>
           </a:p>
@@ -3409,7 +3409,7 @@
             <a:pPr rtl="0"/>
             <a:fld id="{0E309820-F966-41D6-9A9E-F094402396DD}" type="datetime1">
               <a:rPr lang="ru-RU" noProof="0" smtClean="0"/>
-              <a:t>20.01.2024</a:t>
+              <a:t>21.01.2024</a:t>
             </a:fld>
             <a:endParaRPr lang="ru-RU" noProof="0" dirty="0"/>
           </a:p>
@@ -3725,7 +3725,7 @@
             <a:pPr rtl="0"/>
             <a:fld id="{0E309820-F966-41D6-9A9E-F094402396DD}" type="datetime1">
               <a:rPr lang="ru-RU" noProof="0" smtClean="0"/>
-              <a:t>20.01.2024</a:t>
+              <a:t>21.01.2024</a:t>
             </a:fld>
             <a:endParaRPr lang="ru-RU" noProof="0" dirty="0"/>
           </a:p>
@@ -4018,7 +4018,7 @@
             <a:pPr rtl="0"/>
             <a:fld id="{0E309820-F966-41D6-9A9E-F094402396DD}" type="datetime1">
               <a:rPr lang="ru-RU" noProof="0" smtClean="0"/>
-              <a:t>20.01.2024</a:t>
+              <a:t>21.01.2024</a:t>
             </a:fld>
             <a:endParaRPr lang="ru-RU" noProof="0" dirty="0"/>
           </a:p>
@@ -4264,7 +4264,7 @@
             <a:pPr rtl="0"/>
             <a:fld id="{0E309820-F966-41D6-9A9E-F094402396DD}" type="datetime1">
               <a:rPr lang="ru-RU" noProof="0" smtClean="0"/>
-              <a:t>20.01.2024</a:t>
+              <a:t>21.01.2024</a:t>
             </a:fld>
             <a:endParaRPr lang="ru-RU" noProof="0" dirty="0"/>
           </a:p>
@@ -9603,86 +9603,6 @@
 </file>
 
 <file path=ppt/slides/slide7.xml><?xml version="1.0" encoding="utf-8"?>
-<p:sld xmlns:a="http://schemas.openxmlformats.org/drawingml/2006/main" xmlns:r="http://schemas.openxmlformats.org/officeDocument/2006/relationships" xmlns:p="http://schemas.openxmlformats.org/presentationml/2006/main">
-  <p:cSld>
-    <p:spTree>
-      <p:nvGrpSpPr>
-        <p:cNvPr id="1" name=""/>
-        <p:cNvGrpSpPr/>
-        <p:nvPr/>
-      </p:nvGrpSpPr>
-      <p:grpSpPr>
-        <a:xfrm>
-          <a:off x="0" y="0"/>
-          <a:ext cx="0" cy="0"/>
-          <a:chOff x="0" y="0"/>
-          <a:chExt cx="0" cy="0"/>
-        </a:xfrm>
-      </p:grpSpPr>
-      <p:sp>
-        <p:nvSpPr>
-          <p:cNvPr id="2" name="Заголовок 1">
-            <a:extLst>
-              <a:ext uri="{FF2B5EF4-FFF2-40B4-BE49-F238E27FC236}">
-                <a16:creationId xmlns:a16="http://schemas.microsoft.com/office/drawing/2014/main" id="{683392EF-A0B1-971E-6D02-3C03DF4D7670}"/>
-              </a:ext>
-            </a:extLst>
-          </p:cNvPr>
-          <p:cNvSpPr>
-            <a:spLocks noGrp="1"/>
-          </p:cNvSpPr>
-          <p:nvPr>
-            <p:ph type="title"/>
-          </p:nvPr>
-        </p:nvSpPr>
-        <p:spPr/>
-        <p:txBody>
-          <a:bodyPr/>
-          <a:lstStyle/>
-          <a:p>
-            <a:endParaRPr lang="ru-RU" dirty="0"/>
-          </a:p>
-        </p:txBody>
-      </p:sp>
-      <p:sp>
-        <p:nvSpPr>
-          <p:cNvPr id="3" name="Объект 2">
-            <a:extLst>
-              <a:ext uri="{FF2B5EF4-FFF2-40B4-BE49-F238E27FC236}">
-                <a16:creationId xmlns:a16="http://schemas.microsoft.com/office/drawing/2014/main" id="{C3C9C848-8DAF-7B16-F636-550109114732}"/>
-              </a:ext>
-            </a:extLst>
-          </p:cNvPr>
-          <p:cNvSpPr>
-            <a:spLocks noGrp="1"/>
-          </p:cNvSpPr>
-          <p:nvPr>
-            <p:ph sz="quarter" idx="10"/>
-          </p:nvPr>
-        </p:nvSpPr>
-        <p:spPr/>
-        <p:txBody>
-          <a:bodyPr/>
-          <a:lstStyle/>
-          <a:p>
-            <a:endParaRPr lang="ru-RU" dirty="0"/>
-          </a:p>
-        </p:txBody>
-      </p:sp>
-    </p:spTree>
-    <p:extLst>
-      <p:ext uri="{BB962C8B-B14F-4D97-AF65-F5344CB8AC3E}">
-        <p14:creationId xmlns:p14="http://schemas.microsoft.com/office/powerpoint/2010/main" val="4109042922"/>
-      </p:ext>
-    </p:extLst>
-  </p:cSld>
-  <p:clrMapOvr>
-    <a:masterClrMapping/>
-  </p:clrMapOvr>
-</p:sld>
-</file>
-
-<file path=ppt/slides/slide8.xml><?xml version="1.0" encoding="utf-8"?>
 <p:sld xmlns:a="http://schemas.openxmlformats.org/drawingml/2006/main" xmlns:r="http://schemas.openxmlformats.org/officeDocument/2006/relationships" xmlns:p="http://schemas.openxmlformats.org/presentationml/2006/main" showMasterSp="0">
   <p:cSld>
     <p:bg>
@@ -9780,10 +9700,10 @@
       </p:sp>
       <p:pic>
         <p:nvPicPr>
-          <p:cNvPr id="9" name="Рисунок 8" descr="Изображение выглядит как текст, фантастика, Компьютерная игра, снимок экрана&#10;&#10;Автоматически созданное описание">
+          <p:cNvPr id="3" name="Рисунок 2" descr="Изображение выглядит как пиксель, снимок экрана, текст, Программное обеспечение для видеоигр&#10;&#10;Автоматически созданное описание">
             <a:extLst>
               <a:ext uri="{FF2B5EF4-FFF2-40B4-BE49-F238E27FC236}">
-                <a16:creationId xmlns:a16="http://schemas.microsoft.com/office/drawing/2014/main" id="{121000A8-5EF3-DABC-D9C4-83D3E4C6240D}"/>
+                <a16:creationId xmlns:a16="http://schemas.microsoft.com/office/drawing/2014/main" id="{72EFC49E-3AFF-589E-E146-FE869DCEE5AE}"/>
               </a:ext>
             </a:extLst>
           </p:cNvPr>
@@ -9800,8 +9720,8 @@
         </p:blipFill>
         <p:spPr>
           <a:xfrm>
-            <a:off x="6096000" y="1509066"/>
-            <a:ext cx="4635490" cy="4773863"/>
+            <a:off x="6096000" y="1468930"/>
+            <a:ext cx="4635489" cy="4808886"/>
           </a:xfrm>
           <a:prstGeom prst="rect">
             <a:avLst/>
@@ -9812,6 +9732,73 @@
     <p:extLst>
       <p:ext uri="{BB962C8B-B14F-4D97-AF65-F5344CB8AC3E}">
         <p14:creationId xmlns:p14="http://schemas.microsoft.com/office/powerpoint/2010/main" val="3032122871"/>
+      </p:ext>
+    </p:extLst>
+  </p:cSld>
+  <p:clrMapOvr>
+    <a:masterClrMapping/>
+  </p:clrMapOvr>
+</p:sld>
+</file>
+
+<file path=ppt/slides/slide8.xml><?xml version="1.0" encoding="utf-8"?>
+<p:sld xmlns:a="http://schemas.openxmlformats.org/drawingml/2006/main" xmlns:r="http://schemas.openxmlformats.org/officeDocument/2006/relationships" xmlns:p="http://schemas.openxmlformats.org/presentationml/2006/main">
+  <p:cSld>
+    <p:bg>
+      <p:bgPr>
+        <a:solidFill>
+          <a:schemeClr val="bg1"/>
+        </a:solidFill>
+        <a:effectLst/>
+      </p:bgPr>
+    </p:bg>
+    <p:spTree>
+      <p:nvGrpSpPr>
+        <p:cNvPr id="1" name=""/>
+        <p:cNvGrpSpPr/>
+        <p:nvPr/>
+      </p:nvGrpSpPr>
+      <p:grpSpPr>
+        <a:xfrm>
+          <a:off x="0" y="0"/>
+          <a:ext cx="0" cy="0"/>
+          <a:chOff x="0" y="0"/>
+          <a:chExt cx="0" cy="0"/>
+        </a:xfrm>
+      </p:grpSpPr>
+      <p:pic>
+        <p:nvPicPr>
+          <p:cNvPr id="5" name="Объект 4" descr="Изображение выглядит как снимок экрана, прямоугольный, Мультимедийное программное обеспечение, Графическое программное обеспечение&#10;&#10;Автоматически созданное описание">
+            <a:extLst>
+              <a:ext uri="{FF2B5EF4-FFF2-40B4-BE49-F238E27FC236}">
+                <a16:creationId xmlns:a16="http://schemas.microsoft.com/office/drawing/2014/main" id="{59455B7C-2EB3-9ACF-BF3E-9722B87C044F}"/>
+              </a:ext>
+            </a:extLst>
+          </p:cNvPr>
+          <p:cNvPicPr>
+            <a:picLocks noChangeAspect="1"/>
+          </p:cNvPicPr>
+          <p:nvPr/>
+        </p:nvPicPr>
+        <p:blipFill rotWithShape="1">
+          <a:blip r:embed="rId2"/>
+          <a:srcRect r="7993"/>
+          <a:stretch/>
+        </p:blipFill>
+        <p:spPr>
+          <a:xfrm>
+            <a:off x="3622816" y="643466"/>
+            <a:ext cx="4946368" cy="5571067"/>
+          </a:xfrm>
+          <a:prstGeom prst="rect">
+            <a:avLst/>
+          </a:prstGeom>
+        </p:spPr>
+      </p:pic>
+    </p:spTree>
+    <p:extLst>
+      <p:ext uri="{BB962C8B-B14F-4D97-AF65-F5344CB8AC3E}">
+        <p14:creationId xmlns:p14="http://schemas.microsoft.com/office/powerpoint/2010/main" val="4109042922"/>
       </p:ext>
     </p:extLst>
   </p:cSld>
@@ -9861,7 +9848,7 @@
           <a:p>
             <a:r>
               <a:rPr lang="ru-RU" dirty="0"/>
-              <a:t>Вывод</a:t>
+              <a:t>Итоги</a:t>
             </a:r>
           </a:p>
         </p:txBody>
@@ -9884,10 +9871,48 @@
         </p:nvSpPr>
         <p:spPr/>
         <p:txBody>
-          <a:bodyPr/>
+          <a:bodyPr>
+            <a:normAutofit/>
+          </a:bodyPr>
           <a:lstStyle/>
           <a:p>
-            <a:endParaRPr lang="ru-RU"/>
+            <a:pPr marL="0" indent="0">
+              <a:buNone/>
+            </a:pPr>
+            <a:r>
+              <a:rPr lang="ru-RU" sz="1600" dirty="0"/>
+              <a:t>Улучшить</a:t>
+            </a:r>
+          </a:p>
+          <a:p>
+            <a:r>
+              <a:rPr lang="ru-RU" sz="1600" dirty="0"/>
+              <a:t>Добавление нового оружия</a:t>
+            </a:r>
+          </a:p>
+          <a:p>
+            <a:r>
+              <a:rPr lang="ru-RU" sz="1600" dirty="0"/>
+              <a:t>Большее количество уровней</a:t>
+            </a:r>
+          </a:p>
+          <a:p>
+            <a:r>
+              <a:rPr lang="ru-RU" sz="1600" dirty="0"/>
+              <a:t>Разнообразие врагов</a:t>
+            </a:r>
+          </a:p>
+          <a:p>
+            <a:r>
+              <a:rPr lang="ru-RU" sz="1600" dirty="0"/>
+              <a:t>Прокачка персонажа</a:t>
+            </a:r>
+          </a:p>
+          <a:p>
+            <a:pPr marL="0" indent="0">
+              <a:buNone/>
+            </a:pPr>
+            <a:endParaRPr lang="ru-RU" sz="1600" dirty="0"/>
           </a:p>
         </p:txBody>
       </p:sp>

--- a/presentation.pptx
+++ b/presentation.pptx
@@ -5,10 +5,10 @@
     <p:sldMasterId id="2147483684" r:id="rId1"/>
   </p:sldMasterIdLst>
   <p:notesMasterIdLst>
-    <p:notesMasterId r:id="rId11"/>
+    <p:notesMasterId r:id="rId12"/>
   </p:notesMasterIdLst>
   <p:handoutMasterIdLst>
-    <p:handoutMasterId r:id="rId12"/>
+    <p:handoutMasterId r:id="rId13"/>
   </p:handoutMasterIdLst>
   <p:sldIdLst>
     <p:sldId id="256" r:id="rId2"/>
@@ -16,10 +16,11 @@
     <p:sldId id="272" r:id="rId4"/>
     <p:sldId id="278" r:id="rId5"/>
     <p:sldId id="273" r:id="rId6"/>
-    <p:sldId id="276" r:id="rId7"/>
-    <p:sldId id="274" r:id="rId8"/>
-    <p:sldId id="277" r:id="rId9"/>
-    <p:sldId id="275" r:id="rId10"/>
+    <p:sldId id="279" r:id="rId7"/>
+    <p:sldId id="276" r:id="rId8"/>
+    <p:sldId id="274" r:id="rId9"/>
+    <p:sldId id="277" r:id="rId10"/>
+    <p:sldId id="275" r:id="rId11"/>
   </p:sldIdLst>
   <p:sldSz cx="12192000" cy="6858000"/>
   <p:notesSz cx="6858000" cy="9144000"/>
@@ -132,6 +133,7 @@
             <p14:sldId id="272"/>
             <p14:sldId id="278"/>
             <p14:sldId id="273"/>
+            <p14:sldId id="279"/>
             <p14:sldId id="276"/>
             <p14:sldId id="274"/>
             <p14:sldId id="277"/>
@@ -5316,6 +5318,513 @@
 </p:sld>
 </file>
 
+<file path=ppt/slides/slide10.xml><?xml version="1.0" encoding="utf-8"?>
+<p:sld xmlns:a="http://schemas.openxmlformats.org/drawingml/2006/main" xmlns:r="http://schemas.openxmlformats.org/officeDocument/2006/relationships" xmlns:p="http://schemas.openxmlformats.org/presentationml/2006/main" showMasterSp="0">
+  <p:cSld>
+    <p:bg>
+      <p:bgPr>
+        <a:solidFill>
+          <a:schemeClr val="bg2">
+            <a:lumMod val="90000"/>
+          </a:schemeClr>
+        </a:solidFill>
+        <a:effectLst/>
+      </p:bgPr>
+    </p:bg>
+    <p:spTree>
+      <p:nvGrpSpPr>
+        <p:cNvPr id="1" name=""/>
+        <p:cNvGrpSpPr/>
+        <p:nvPr/>
+      </p:nvGrpSpPr>
+      <p:grpSpPr>
+        <a:xfrm>
+          <a:off x="0" y="0"/>
+          <a:ext cx="0" cy="0"/>
+          <a:chOff x="0" y="0"/>
+          <a:chExt cx="0" cy="0"/>
+        </a:xfrm>
+      </p:grpSpPr>
+      <p:sp>
+        <p:nvSpPr>
+          <p:cNvPr id="5" name="Прямоугольник 4">
+            <a:extLst>
+              <a:ext uri="{FF2B5EF4-FFF2-40B4-BE49-F238E27FC236}">
+                <a16:creationId xmlns:a16="http://schemas.microsoft.com/office/drawing/2014/main" id="{9185203E-E82C-755E-727D-CC0D93A6EF62}"/>
+              </a:ext>
+            </a:extLst>
+          </p:cNvPr>
+          <p:cNvSpPr/>
+          <p:nvPr/>
+        </p:nvSpPr>
+        <p:spPr>
+          <a:xfrm>
+            <a:off x="528832" y="335560"/>
+            <a:ext cx="3481431" cy="847288"/>
+          </a:xfrm>
+          <a:prstGeom prst="rect">
+            <a:avLst/>
+          </a:prstGeom>
+        </p:spPr>
+        <p:style>
+          <a:lnRef idx="2">
+            <a:schemeClr val="accent3">
+              <a:shade val="15000"/>
+            </a:schemeClr>
+          </a:lnRef>
+          <a:fillRef idx="1">
+            <a:schemeClr val="accent3"/>
+          </a:fillRef>
+          <a:effectRef idx="0">
+            <a:schemeClr val="accent3"/>
+          </a:effectRef>
+          <a:fontRef idx="minor">
+            <a:schemeClr val="lt1"/>
+          </a:fontRef>
+        </p:style>
+        <p:txBody>
+          <a:bodyPr rtlCol="0" anchor="ctr"/>
+          <a:lstStyle/>
+          <a:p>
+            <a:pPr algn="ctr"/>
+            <a:endParaRPr lang="ru-RU">
+              <a:ln w="0"/>
+              <a:solidFill>
+                <a:schemeClr val="tx1"/>
+              </a:solidFill>
+              <a:effectLst>
+                <a:outerShdw blurRad="38100" dist="19050" dir="2700000" algn="tl" rotWithShape="0">
+                  <a:schemeClr val="dk1">
+                    <a:alpha val="40000"/>
+                  </a:schemeClr>
+                </a:outerShdw>
+              </a:effectLst>
+            </a:endParaRPr>
+          </a:p>
+        </p:txBody>
+      </p:sp>
+      <p:sp>
+        <p:nvSpPr>
+          <p:cNvPr id="2" name="Заголовок 1">
+            <a:extLst>
+              <a:ext uri="{FF2B5EF4-FFF2-40B4-BE49-F238E27FC236}">
+                <a16:creationId xmlns:a16="http://schemas.microsoft.com/office/drawing/2014/main" id="{C098F19B-805A-FAB0-FDB9-98B200434096}"/>
+              </a:ext>
+            </a:extLst>
+          </p:cNvPr>
+          <p:cNvSpPr>
+            <a:spLocks noGrp="1"/>
+          </p:cNvSpPr>
+          <p:nvPr>
+            <p:ph type="title"/>
+          </p:nvPr>
+        </p:nvSpPr>
+        <p:spPr>
+          <a:xfrm>
+            <a:off x="1124452" y="230697"/>
+            <a:ext cx="2013032" cy="1057013"/>
+          </a:xfrm>
+        </p:spPr>
+        <p:txBody>
+          <a:bodyPr>
+            <a:noAutofit/>
+          </a:bodyPr>
+          <a:lstStyle/>
+          <a:p>
+            <a:r>
+              <a:rPr lang="ru-RU" sz="6000" b="1" dirty="0"/>
+              <a:t>Итоги</a:t>
+            </a:r>
+          </a:p>
+        </p:txBody>
+      </p:sp>
+      <p:sp>
+        <p:nvSpPr>
+          <p:cNvPr id="3" name="Объект 2">
+            <a:extLst>
+              <a:ext uri="{FF2B5EF4-FFF2-40B4-BE49-F238E27FC236}">
+                <a16:creationId xmlns:a16="http://schemas.microsoft.com/office/drawing/2014/main" id="{C5E96C2F-1C08-6598-C8B7-757FE11843D3}"/>
+              </a:ext>
+            </a:extLst>
+          </p:cNvPr>
+          <p:cNvSpPr>
+            <a:spLocks noGrp="1"/>
+          </p:cNvSpPr>
+          <p:nvPr>
+            <p:ph sz="quarter" idx="10"/>
+          </p:nvPr>
+        </p:nvSpPr>
+        <p:spPr>
+          <a:xfrm>
+            <a:off x="528832" y="1676240"/>
+            <a:ext cx="4416552" cy="2618923"/>
+          </a:xfrm>
+        </p:spPr>
+        <p:txBody>
+          <a:bodyPr>
+            <a:normAutofit/>
+          </a:bodyPr>
+          <a:lstStyle/>
+          <a:p>
+            <a:pPr marL="0" indent="0">
+              <a:buNone/>
+            </a:pPr>
+            <a:r>
+              <a:rPr lang="ru-RU" sz="2400" dirty="0"/>
+              <a:t>Улучшить</a:t>
+            </a:r>
+          </a:p>
+          <a:p>
+            <a:r>
+              <a:rPr lang="ru-RU" sz="2000" dirty="0"/>
+              <a:t>Добавление нового оружия</a:t>
+            </a:r>
+          </a:p>
+          <a:p>
+            <a:r>
+              <a:rPr lang="ru-RU" sz="2000" dirty="0"/>
+              <a:t>Большее количество уровней</a:t>
+            </a:r>
+          </a:p>
+          <a:p>
+            <a:r>
+              <a:rPr lang="ru-RU" sz="2000" dirty="0"/>
+              <a:t>Разнообразие врагов</a:t>
+            </a:r>
+          </a:p>
+          <a:p>
+            <a:r>
+              <a:rPr lang="ru-RU" sz="2000" dirty="0"/>
+              <a:t>Прокачка персонажа</a:t>
+            </a:r>
+          </a:p>
+          <a:p>
+            <a:r>
+              <a:rPr lang="ru-RU" sz="2000" dirty="0"/>
+              <a:t>Сражение с боссом</a:t>
+            </a:r>
+          </a:p>
+        </p:txBody>
+      </p:sp>
+    </p:spTree>
+    <p:extLst>
+      <p:ext uri="{BB962C8B-B14F-4D97-AF65-F5344CB8AC3E}">
+        <p14:creationId xmlns:p14="http://schemas.microsoft.com/office/powerpoint/2010/main" val="3845412708"/>
+      </p:ext>
+    </p:extLst>
+  </p:cSld>
+  <p:clrMapOvr>
+    <a:masterClrMapping/>
+  </p:clrMapOvr>
+  <p:timing>
+    <p:tnLst>
+      <p:par>
+        <p:cTn id="1" dur="indefinite" restart="never" nodeType="tmRoot">
+          <p:childTnLst>
+            <p:seq concurrent="1" nextAc="seek">
+              <p:cTn id="2" dur="indefinite" nodeType="mainSeq">
+                <p:childTnLst>
+                  <p:par>
+                    <p:cTn id="3" fill="hold">
+                      <p:stCondLst>
+                        <p:cond delay="indefinite"/>
+                      </p:stCondLst>
+                      <p:childTnLst>
+                        <p:par>
+                          <p:cTn id="4" fill="hold">
+                            <p:stCondLst>
+                              <p:cond delay="0"/>
+                            </p:stCondLst>
+                            <p:childTnLst>
+                              <p:par>
+                                <p:cTn id="5" presetID="10" presetClass="entr" presetSubtype="0" fill="hold" nodeType="clickEffect">
+                                  <p:stCondLst>
+                                    <p:cond delay="0"/>
+                                  </p:stCondLst>
+                                  <p:childTnLst>
+                                    <p:set>
+                                      <p:cBhvr>
+                                        <p:cTn id="6" dur="1" fill="hold">
+                                          <p:stCondLst>
+                                            <p:cond delay="0"/>
+                                          </p:stCondLst>
+                                        </p:cTn>
+                                        <p:tgtEl>
+                                          <p:spTgt spid="3">
+                                            <p:txEl>
+                                              <p:pRg st="0" end="0"/>
+                                            </p:txEl>
+                                          </p:spTgt>
+                                        </p:tgtEl>
+                                        <p:attrNameLst>
+                                          <p:attrName>style.visibility</p:attrName>
+                                        </p:attrNameLst>
+                                      </p:cBhvr>
+                                      <p:to>
+                                        <p:strVal val="visible"/>
+                                      </p:to>
+                                    </p:set>
+                                    <p:animEffect transition="in" filter="fade">
+                                      <p:cBhvr>
+                                        <p:cTn id="7" dur="500"/>
+                                        <p:tgtEl>
+                                          <p:spTgt spid="3">
+                                            <p:txEl>
+                                              <p:pRg st="0" end="0"/>
+                                            </p:txEl>
+                                          </p:spTgt>
+                                        </p:tgtEl>
+                                      </p:cBhvr>
+                                    </p:animEffect>
+                                  </p:childTnLst>
+                                </p:cTn>
+                              </p:par>
+                              <p:par>
+                                <p:cTn id="8" presetID="10" presetClass="entr" presetSubtype="0" fill="hold" nodeType="withEffect">
+                                  <p:stCondLst>
+                                    <p:cond delay="0"/>
+                                  </p:stCondLst>
+                                  <p:childTnLst>
+                                    <p:set>
+                                      <p:cBhvr>
+                                        <p:cTn id="9" dur="1" fill="hold">
+                                          <p:stCondLst>
+                                            <p:cond delay="0"/>
+                                          </p:stCondLst>
+                                        </p:cTn>
+                                        <p:tgtEl>
+                                          <p:spTgt spid="3">
+                                            <p:txEl>
+                                              <p:pRg st="1" end="1"/>
+                                            </p:txEl>
+                                          </p:spTgt>
+                                        </p:tgtEl>
+                                        <p:attrNameLst>
+                                          <p:attrName>style.visibility</p:attrName>
+                                        </p:attrNameLst>
+                                      </p:cBhvr>
+                                      <p:to>
+                                        <p:strVal val="visible"/>
+                                      </p:to>
+                                    </p:set>
+                                    <p:animEffect transition="in" filter="fade">
+                                      <p:cBhvr>
+                                        <p:cTn id="10" dur="500"/>
+                                        <p:tgtEl>
+                                          <p:spTgt spid="3">
+                                            <p:txEl>
+                                              <p:pRg st="1" end="1"/>
+                                            </p:txEl>
+                                          </p:spTgt>
+                                        </p:tgtEl>
+                                      </p:cBhvr>
+                                    </p:animEffect>
+                                  </p:childTnLst>
+                                </p:cTn>
+                              </p:par>
+                              <p:par>
+                                <p:cTn id="11" presetID="10" presetClass="entr" presetSubtype="0" fill="hold" nodeType="withEffect">
+                                  <p:stCondLst>
+                                    <p:cond delay="0"/>
+                                  </p:stCondLst>
+                                  <p:childTnLst>
+                                    <p:set>
+                                      <p:cBhvr>
+                                        <p:cTn id="12" dur="1" fill="hold">
+                                          <p:stCondLst>
+                                            <p:cond delay="0"/>
+                                          </p:stCondLst>
+                                        </p:cTn>
+                                        <p:tgtEl>
+                                          <p:spTgt spid="3">
+                                            <p:txEl>
+                                              <p:pRg st="2" end="2"/>
+                                            </p:txEl>
+                                          </p:spTgt>
+                                        </p:tgtEl>
+                                        <p:attrNameLst>
+                                          <p:attrName>style.visibility</p:attrName>
+                                        </p:attrNameLst>
+                                      </p:cBhvr>
+                                      <p:to>
+                                        <p:strVal val="visible"/>
+                                      </p:to>
+                                    </p:set>
+                                    <p:animEffect transition="in" filter="fade">
+                                      <p:cBhvr>
+                                        <p:cTn id="13" dur="500"/>
+                                        <p:tgtEl>
+                                          <p:spTgt spid="3">
+                                            <p:txEl>
+                                              <p:pRg st="2" end="2"/>
+                                            </p:txEl>
+                                          </p:spTgt>
+                                        </p:tgtEl>
+                                      </p:cBhvr>
+                                    </p:animEffect>
+                                  </p:childTnLst>
+                                </p:cTn>
+                              </p:par>
+                              <p:par>
+                                <p:cTn id="14" presetID="10" presetClass="entr" presetSubtype="0" fill="hold" nodeType="withEffect">
+                                  <p:stCondLst>
+                                    <p:cond delay="0"/>
+                                  </p:stCondLst>
+                                  <p:childTnLst>
+                                    <p:set>
+                                      <p:cBhvr>
+                                        <p:cTn id="15" dur="1" fill="hold">
+                                          <p:stCondLst>
+                                            <p:cond delay="0"/>
+                                          </p:stCondLst>
+                                        </p:cTn>
+                                        <p:tgtEl>
+                                          <p:spTgt spid="3">
+                                            <p:txEl>
+                                              <p:pRg st="3" end="3"/>
+                                            </p:txEl>
+                                          </p:spTgt>
+                                        </p:tgtEl>
+                                        <p:attrNameLst>
+                                          <p:attrName>style.visibility</p:attrName>
+                                        </p:attrNameLst>
+                                      </p:cBhvr>
+                                      <p:to>
+                                        <p:strVal val="visible"/>
+                                      </p:to>
+                                    </p:set>
+                                    <p:animEffect transition="in" filter="fade">
+                                      <p:cBhvr>
+                                        <p:cTn id="16" dur="500"/>
+                                        <p:tgtEl>
+                                          <p:spTgt spid="3">
+                                            <p:txEl>
+                                              <p:pRg st="3" end="3"/>
+                                            </p:txEl>
+                                          </p:spTgt>
+                                        </p:tgtEl>
+                                      </p:cBhvr>
+                                    </p:animEffect>
+                                  </p:childTnLst>
+                                </p:cTn>
+                              </p:par>
+                              <p:par>
+                                <p:cTn id="17" presetID="10" presetClass="entr" presetSubtype="0" fill="hold" nodeType="withEffect">
+                                  <p:stCondLst>
+                                    <p:cond delay="0"/>
+                                  </p:stCondLst>
+                                  <p:childTnLst>
+                                    <p:set>
+                                      <p:cBhvr>
+                                        <p:cTn id="18" dur="1" fill="hold">
+                                          <p:stCondLst>
+                                            <p:cond delay="0"/>
+                                          </p:stCondLst>
+                                        </p:cTn>
+                                        <p:tgtEl>
+                                          <p:spTgt spid="3">
+                                            <p:txEl>
+                                              <p:pRg st="4" end="4"/>
+                                            </p:txEl>
+                                          </p:spTgt>
+                                        </p:tgtEl>
+                                        <p:attrNameLst>
+                                          <p:attrName>style.visibility</p:attrName>
+                                        </p:attrNameLst>
+                                      </p:cBhvr>
+                                      <p:to>
+                                        <p:strVal val="visible"/>
+                                      </p:to>
+                                    </p:set>
+                                    <p:animEffect transition="in" filter="fade">
+                                      <p:cBhvr>
+                                        <p:cTn id="19" dur="500"/>
+                                        <p:tgtEl>
+                                          <p:spTgt spid="3">
+                                            <p:txEl>
+                                              <p:pRg st="4" end="4"/>
+                                            </p:txEl>
+                                          </p:spTgt>
+                                        </p:tgtEl>
+                                      </p:cBhvr>
+                                    </p:animEffect>
+                                  </p:childTnLst>
+                                </p:cTn>
+                              </p:par>
+                              <p:par>
+                                <p:cTn id="20" presetID="10" presetClass="entr" presetSubtype="0" fill="hold" nodeType="withEffect">
+                                  <p:stCondLst>
+                                    <p:cond delay="0"/>
+                                  </p:stCondLst>
+                                  <p:childTnLst>
+                                    <p:set>
+                                      <p:cBhvr>
+                                        <p:cTn id="21" dur="1" fill="hold">
+                                          <p:stCondLst>
+                                            <p:cond delay="0"/>
+                                          </p:stCondLst>
+                                        </p:cTn>
+                                        <p:tgtEl>
+                                          <p:spTgt spid="3">
+                                            <p:txEl>
+                                              <p:pRg st="5" end="5"/>
+                                            </p:txEl>
+                                          </p:spTgt>
+                                        </p:tgtEl>
+                                        <p:attrNameLst>
+                                          <p:attrName>style.visibility</p:attrName>
+                                        </p:attrNameLst>
+                                      </p:cBhvr>
+                                      <p:to>
+                                        <p:strVal val="visible"/>
+                                      </p:to>
+                                    </p:set>
+                                    <p:animEffect transition="in" filter="fade">
+                                      <p:cBhvr>
+                                        <p:cTn id="22" dur="500"/>
+                                        <p:tgtEl>
+                                          <p:spTgt spid="3">
+                                            <p:txEl>
+                                              <p:pRg st="5" end="5"/>
+                                            </p:txEl>
+                                          </p:spTgt>
+                                        </p:tgtEl>
+                                      </p:cBhvr>
+                                    </p:animEffect>
+                                  </p:childTnLst>
+                                </p:cTn>
+                              </p:par>
+                            </p:childTnLst>
+                          </p:cTn>
+                        </p:par>
+                      </p:childTnLst>
+                    </p:cTn>
+                  </p:par>
+                </p:childTnLst>
+              </p:cTn>
+              <p:prevCondLst>
+                <p:cond evt="onPrev" delay="0">
+                  <p:tgtEl>
+                    <p:sldTgt/>
+                  </p:tgtEl>
+                </p:cond>
+              </p:prevCondLst>
+              <p:nextCondLst>
+                <p:cond evt="onNext" delay="0">
+                  <p:tgtEl>
+                    <p:sldTgt/>
+                  </p:tgtEl>
+                </p:cond>
+              </p:nextCondLst>
+            </p:seq>
+          </p:childTnLst>
+        </p:cTn>
+      </p:par>
+    </p:tnLst>
+  </p:timing>
+</p:sld>
+</file>
+
 <file path=ppt/slides/slide2.xml><?xml version="1.0" encoding="utf-8"?>
 <p:sld xmlns:a="http://schemas.openxmlformats.org/drawingml/2006/main" xmlns:r="http://schemas.openxmlformats.org/officeDocument/2006/relationships" xmlns:p="http://schemas.openxmlformats.org/presentationml/2006/main">
   <p:cSld>
@@ -5591,152 +6100,6 @@
       <p:transition/>
     </mc:Fallback>
   </mc:AlternateContent>
-  <p:timing>
-    <p:tnLst>
-      <p:par>
-        <p:cTn id="1" dur="indefinite" restart="never" nodeType="tmRoot">
-          <p:childTnLst>
-            <p:seq concurrent="1" nextAc="seek">
-              <p:cTn id="2" dur="indefinite" nodeType="mainSeq">
-                <p:childTnLst>
-                  <p:par>
-                    <p:cTn id="3" fill="hold">
-                      <p:stCondLst>
-                        <p:cond delay="indefinite"/>
-                        <p:cond evt="onBegin" delay="0">
-                          <p:tn val="2"/>
-                        </p:cond>
-                      </p:stCondLst>
-                      <p:childTnLst>
-                        <p:par>
-                          <p:cTn id="4" fill="hold">
-                            <p:stCondLst>
-                              <p:cond delay="0"/>
-                            </p:stCondLst>
-                            <p:childTnLst>
-                              <p:par>
-                                <p:cTn id="5" presetID="10" presetClass="entr" presetSubtype="0" fill="hold" grpId="0" nodeType="withEffect">
-                                  <p:stCondLst>
-                                    <p:cond delay="1000"/>
-                                  </p:stCondLst>
-                                  <p:iterate>
-                                    <p:tmPct val="10000"/>
-                                  </p:iterate>
-                                  <p:childTnLst>
-                                    <p:set>
-                                      <p:cBhvr>
-                                        <p:cTn id="6" dur="1" fill="hold">
-                                          <p:stCondLst>
-                                            <p:cond delay="0"/>
-                                          </p:stCondLst>
-                                        </p:cTn>
-                                        <p:tgtEl>
-                                          <p:spTgt spid="5"/>
-                                        </p:tgtEl>
-                                        <p:attrNameLst>
-                                          <p:attrName>style.visibility</p:attrName>
-                                        </p:attrNameLst>
-                                      </p:cBhvr>
-                                      <p:to>
-                                        <p:strVal val="visible"/>
-                                      </p:to>
-                                    </p:set>
-                                    <p:animEffect transition="in" filter="fade">
-                                      <p:cBhvr>
-                                        <p:cTn id="7" dur="700"/>
-                                        <p:tgtEl>
-                                          <p:spTgt spid="5"/>
-                                        </p:tgtEl>
-                                      </p:cBhvr>
-                                    </p:animEffect>
-                                  </p:childTnLst>
-                                </p:cTn>
-                              </p:par>
-                            </p:childTnLst>
-                          </p:cTn>
-                        </p:par>
-                      </p:childTnLst>
-                    </p:cTn>
-                  </p:par>
-                  <p:par>
-                    <p:cTn id="8" fill="hold">
-                      <p:stCondLst>
-                        <p:cond delay="indefinite"/>
-                      </p:stCondLst>
-                      <p:childTnLst>
-                        <p:par>
-                          <p:cTn id="9" fill="hold">
-                            <p:stCondLst>
-                              <p:cond delay="0"/>
-                            </p:stCondLst>
-                            <p:childTnLst>
-                              <p:par>
-                                <p:cTn id="10" presetID="10" presetClass="entr" presetSubtype="0" fill="hold" grpId="0" nodeType="clickEffect">
-                                  <p:stCondLst>
-                                    <p:cond delay="0"/>
-                                  </p:stCondLst>
-                                  <p:childTnLst>
-                                    <p:set>
-                                      <p:cBhvr>
-                                        <p:cTn id="11" dur="1" fill="hold">
-                                          <p:stCondLst>
-                                            <p:cond delay="0"/>
-                                          </p:stCondLst>
-                                        </p:cTn>
-                                        <p:tgtEl>
-                                          <p:spTgt spid="10"/>
-                                        </p:tgtEl>
-                                        <p:attrNameLst>
-                                          <p:attrName>style.visibility</p:attrName>
-                                        </p:attrNameLst>
-                                      </p:cBhvr>
-                                      <p:to>
-                                        <p:strVal val="visible"/>
-                                      </p:to>
-                                    </p:set>
-                                    <p:animEffect transition="in" filter="fade">
-                                      <p:cBhvr>
-                                        <p:cTn id="12" dur="500"/>
-                                        <p:tgtEl>
-                                          <p:spTgt spid="10"/>
-                                        </p:tgtEl>
-                                      </p:cBhvr>
-                                    </p:animEffect>
-                                  </p:childTnLst>
-                                </p:cTn>
-                              </p:par>
-                            </p:childTnLst>
-                          </p:cTn>
-                        </p:par>
-                      </p:childTnLst>
-                    </p:cTn>
-                  </p:par>
-                </p:childTnLst>
-              </p:cTn>
-              <p:prevCondLst>
-                <p:cond evt="onPrev" delay="0">
-                  <p:tgtEl>
-                    <p:sldTgt/>
-                  </p:tgtEl>
-                </p:cond>
-              </p:prevCondLst>
-              <p:nextCondLst>
-                <p:cond evt="onNext" delay="0">
-                  <p:tgtEl>
-                    <p:sldTgt/>
-                  </p:tgtEl>
-                </p:cond>
-              </p:nextCondLst>
-            </p:seq>
-          </p:childTnLst>
-        </p:cTn>
-      </p:par>
-    </p:tnLst>
-    <p:bldLst>
-      <p:bldP spid="5" grpId="0"/>
-      <p:bldP spid="10" grpId="0"/>
-    </p:bldLst>
-  </p:timing>
 </p:sld>
 </file>
 
@@ -5889,12 +6252,12 @@
           <a:p>
             <a:pPr algn="ctr"/>
             <a:r>
-              <a:rPr lang="ru-RU" sz="6000">
+              <a:rPr lang="ru-RU" sz="6000" dirty="0">
                 <a:solidFill>
                   <a:srgbClr val="FFFFFF"/>
                 </a:solidFill>
               </a:rPr>
-              <a:t>Реализация</a:t>
+              <a:t>Создание</a:t>
             </a:r>
             <a:endParaRPr lang="en-US" sz="6000" dirty="0">
               <a:solidFill>
@@ -6136,7 +6499,7 @@
           <a:lstStyle/>
           <a:p>
             <a:r>
-              <a:rPr lang="en-US" sz="1800">
+              <a:rPr lang="en-US" sz="1800" dirty="0">
                 <a:solidFill>
                   <a:schemeClr val="tx2"/>
                 </a:solidFill>
@@ -6146,40 +6509,28 @@
           </a:p>
           <a:p>
             <a:r>
-              <a:rPr lang="en-US" sz="1800">
+              <a:rPr lang="en-US" sz="1800" dirty="0" err="1">
                 <a:solidFill>
                   <a:schemeClr val="tx2"/>
                 </a:solidFill>
               </a:rPr>
               <a:t>Os</a:t>
             </a:r>
-          </a:p>
-          <a:p>
-            <a:r>
-              <a:rPr lang="en-US" sz="1800">
+            <a:endParaRPr lang="en-US" sz="1800" dirty="0">
+              <a:solidFill>
+                <a:schemeClr val="tx2"/>
+              </a:solidFill>
+            </a:endParaRPr>
+          </a:p>
+          <a:p>
+            <a:r>
+              <a:rPr lang="en-US" sz="1800" dirty="0">
                 <a:solidFill>
                   <a:schemeClr val="tx2"/>
                 </a:solidFill>
               </a:rPr>
               <a:t>Sys</a:t>
             </a:r>
-          </a:p>
-          <a:p>
-            <a:r>
-              <a:rPr lang="en-US" sz="1800">
-                <a:solidFill>
-                  <a:schemeClr val="tx2"/>
-                </a:solidFill>
-              </a:rPr>
-              <a:t>Random</a:t>
-            </a:r>
-          </a:p>
-          <a:p>
-            <a:endParaRPr lang="en-US" sz="1800" dirty="0">
-              <a:solidFill>
-                <a:schemeClr val="tx2"/>
-              </a:solidFill>
-            </a:endParaRPr>
           </a:p>
         </p:txBody>
       </p:sp>
@@ -9240,6 +9591,634 @@
           <a:chExt cx="0" cy="0"/>
         </a:xfrm>
       </p:grpSpPr>
+      <p:sp useBgFill="1">
+        <p:nvSpPr>
+          <p:cNvPr id="12" name="Rectangle 11">
+            <a:extLst>
+              <a:ext uri="{FF2B5EF4-FFF2-40B4-BE49-F238E27FC236}">
+                <a16:creationId xmlns:a16="http://schemas.microsoft.com/office/drawing/2014/main" id="{F13C74B1-5B17-4795-BED0-7140497B445A}"/>
+              </a:ext>
+              <a:ext uri="{C183D7F6-B498-43B3-948B-1728B52AA6E4}">
+                <adec:decorative xmlns:adec="http://schemas.microsoft.com/office/drawing/2017/decorative" val="1"/>
+              </a:ext>
+            </a:extLst>
+          </p:cNvPr>
+          <p:cNvSpPr>
+            <a:spLocks noGrp="1" noRot="1" noChangeAspect="1" noMove="1" noResize="1" noEditPoints="1" noAdjustHandles="1" noChangeArrowheads="1" noChangeShapeType="1" noTextEdit="1"/>
+          </p:cNvSpPr>
+          <p:nvPr>
+            <p:extLst>
+              <p:ext uri="{386F3935-93C4-4BCD-93E2-E3B085C9AB24}">
+                <p16:designElem xmlns:p16="http://schemas.microsoft.com/office/powerpoint/2015/main" val="1"/>
+              </p:ext>
+            </p:extLst>
+          </p:nvPr>
+        </p:nvSpPr>
+        <p:spPr>
+          <a:xfrm>
+            <a:off x="0" y="0"/>
+            <a:ext cx="12188952" cy="6858000"/>
+          </a:xfrm>
+          <a:prstGeom prst="rect">
+            <a:avLst/>
+          </a:prstGeom>
+          <a:ln>
+            <a:noFill/>
+          </a:ln>
+        </p:spPr>
+        <p:style>
+          <a:lnRef idx="2">
+            <a:schemeClr val="accent1">
+              <a:shade val="50000"/>
+            </a:schemeClr>
+          </a:lnRef>
+          <a:fillRef idx="1">
+            <a:schemeClr val="accent1"/>
+          </a:fillRef>
+          <a:effectRef idx="0">
+            <a:schemeClr val="accent1"/>
+          </a:effectRef>
+          <a:fontRef idx="minor">
+            <a:schemeClr val="lt1"/>
+          </a:fontRef>
+        </p:style>
+        <p:txBody>
+          <a:bodyPr rtlCol="0" anchor="ctr"/>
+          <a:lstStyle/>
+          <a:p>
+            <a:pPr algn="ctr"/>
+            <a:endParaRPr lang="en-US"/>
+          </a:p>
+        </p:txBody>
+      </p:sp>
+      <p:sp>
+        <p:nvSpPr>
+          <p:cNvPr id="2" name="Заголовок 1">
+            <a:extLst>
+              <a:ext uri="{FF2B5EF4-FFF2-40B4-BE49-F238E27FC236}">
+                <a16:creationId xmlns:a16="http://schemas.microsoft.com/office/drawing/2014/main" id="{D6A3BB11-81E7-E883-BD8C-B2AB296E7914}"/>
+              </a:ext>
+            </a:extLst>
+          </p:cNvPr>
+          <p:cNvSpPr>
+            <a:spLocks noGrp="1"/>
+          </p:cNvSpPr>
+          <p:nvPr>
+            <p:ph type="title"/>
+          </p:nvPr>
+        </p:nvSpPr>
+        <p:spPr>
+          <a:xfrm>
+            <a:off x="640080" y="325369"/>
+            <a:ext cx="4368602" cy="1956841"/>
+          </a:xfrm>
+        </p:spPr>
+        <p:txBody>
+          <a:bodyPr vert="horz" lIns="91440" tIns="45720" rIns="91440" bIns="45720" rtlCol="0" anchor="b">
+            <a:normAutofit/>
+          </a:bodyPr>
+          <a:lstStyle/>
+          <a:p>
+            <a:r>
+              <a:rPr lang="ru-RU" sz="5400" dirty="0">
+                <a:solidFill>
+                  <a:schemeClr val="tx1"/>
+                </a:solidFill>
+              </a:rPr>
+              <a:t>Реализация</a:t>
+            </a:r>
+            <a:endParaRPr lang="en-US" sz="5400" dirty="0">
+              <a:solidFill>
+                <a:schemeClr val="tx1"/>
+              </a:solidFill>
+            </a:endParaRPr>
+          </a:p>
+        </p:txBody>
+      </p:sp>
+      <p:sp>
+        <p:nvSpPr>
+          <p:cNvPr id="14" name="sketchy line">
+            <a:extLst>
+              <a:ext uri="{FF2B5EF4-FFF2-40B4-BE49-F238E27FC236}">
+                <a16:creationId xmlns:a16="http://schemas.microsoft.com/office/drawing/2014/main" id="{D4974D33-8DC5-464E-8C6D-BE58F0669C17}"/>
+              </a:ext>
+              <a:ext uri="{C183D7F6-B498-43B3-948B-1728B52AA6E4}">
+                <adec:decorative xmlns:adec="http://schemas.microsoft.com/office/drawing/2017/decorative" val="1"/>
+              </a:ext>
+            </a:extLst>
+          </p:cNvPr>
+          <p:cNvSpPr>
+            <a:spLocks noGrp="1" noRot="1" noChangeAspect="1" noMove="1" noResize="1" noEditPoints="1" noAdjustHandles="1" noChangeArrowheads="1" noChangeShapeType="1" noTextEdit="1"/>
+          </p:cNvSpPr>
+          <p:nvPr>
+            <p:extLst>
+              <p:ext uri="{386F3935-93C4-4BCD-93E2-E3B085C9AB24}">
+                <p16:designElem xmlns:p16="http://schemas.microsoft.com/office/powerpoint/2015/main" val="1"/>
+              </p:ext>
+            </p:extLst>
+          </p:nvPr>
+        </p:nvSpPr>
+        <p:spPr>
+          <a:xfrm>
+            <a:off x="640080" y="2586994"/>
+            <a:ext cx="3474720" cy="18288"/>
+          </a:xfrm>
+          <a:custGeom>
+            <a:avLst/>
+            <a:gdLst>
+              <a:gd name="connsiteX0" fmla="*/ 0 w 3474720"/>
+              <a:gd name="connsiteY0" fmla="*/ 0 h 18288"/>
+              <a:gd name="connsiteX1" fmla="*/ 694944 w 3474720"/>
+              <a:gd name="connsiteY1" fmla="*/ 0 h 18288"/>
+              <a:gd name="connsiteX2" fmla="*/ 1355141 w 3474720"/>
+              <a:gd name="connsiteY2" fmla="*/ 0 h 18288"/>
+              <a:gd name="connsiteX3" fmla="*/ 2015338 w 3474720"/>
+              <a:gd name="connsiteY3" fmla="*/ 0 h 18288"/>
+              <a:gd name="connsiteX4" fmla="*/ 2779776 w 3474720"/>
+              <a:gd name="connsiteY4" fmla="*/ 0 h 18288"/>
+              <a:gd name="connsiteX5" fmla="*/ 3474720 w 3474720"/>
+              <a:gd name="connsiteY5" fmla="*/ 0 h 18288"/>
+              <a:gd name="connsiteX6" fmla="*/ 3474720 w 3474720"/>
+              <a:gd name="connsiteY6" fmla="*/ 18288 h 18288"/>
+              <a:gd name="connsiteX7" fmla="*/ 2779776 w 3474720"/>
+              <a:gd name="connsiteY7" fmla="*/ 18288 h 18288"/>
+              <a:gd name="connsiteX8" fmla="*/ 2189074 w 3474720"/>
+              <a:gd name="connsiteY8" fmla="*/ 18288 h 18288"/>
+              <a:gd name="connsiteX9" fmla="*/ 1528877 w 3474720"/>
+              <a:gd name="connsiteY9" fmla="*/ 18288 h 18288"/>
+              <a:gd name="connsiteX10" fmla="*/ 868680 w 3474720"/>
+              <a:gd name="connsiteY10" fmla="*/ 18288 h 18288"/>
+              <a:gd name="connsiteX11" fmla="*/ 0 w 3474720"/>
+              <a:gd name="connsiteY11" fmla="*/ 18288 h 18288"/>
+              <a:gd name="connsiteX12" fmla="*/ 0 w 3474720"/>
+              <a:gd name="connsiteY12" fmla="*/ 0 h 18288"/>
+            </a:gdLst>
+            <a:ahLst/>
+            <a:cxnLst>
+              <a:cxn ang="0">
+                <a:pos x="connsiteX0" y="connsiteY0"/>
+              </a:cxn>
+              <a:cxn ang="0">
+                <a:pos x="connsiteX1" y="connsiteY1"/>
+              </a:cxn>
+              <a:cxn ang="0">
+                <a:pos x="connsiteX2" y="connsiteY2"/>
+              </a:cxn>
+              <a:cxn ang="0">
+                <a:pos x="connsiteX3" y="connsiteY3"/>
+              </a:cxn>
+              <a:cxn ang="0">
+                <a:pos x="connsiteX4" y="connsiteY4"/>
+              </a:cxn>
+              <a:cxn ang="0">
+                <a:pos x="connsiteX5" y="connsiteY5"/>
+              </a:cxn>
+              <a:cxn ang="0">
+                <a:pos x="connsiteX6" y="connsiteY6"/>
+              </a:cxn>
+              <a:cxn ang="0">
+                <a:pos x="connsiteX7" y="connsiteY7"/>
+              </a:cxn>
+              <a:cxn ang="0">
+                <a:pos x="connsiteX8" y="connsiteY8"/>
+              </a:cxn>
+              <a:cxn ang="0">
+                <a:pos x="connsiteX9" y="connsiteY9"/>
+              </a:cxn>
+              <a:cxn ang="0">
+                <a:pos x="connsiteX10" y="connsiteY10"/>
+              </a:cxn>
+              <a:cxn ang="0">
+                <a:pos x="connsiteX11" y="connsiteY11"/>
+              </a:cxn>
+              <a:cxn ang="0">
+                <a:pos x="connsiteX12" y="connsiteY12"/>
+              </a:cxn>
+            </a:cxnLst>
+            <a:rect l="l" t="t" r="r" b="b"/>
+            <a:pathLst>
+              <a:path w="3474720" h="18288" fill="none" extrusionOk="0">
+                <a:moveTo>
+                  <a:pt x="0" y="0"/>
+                </a:moveTo>
+                <a:cubicBezTo>
+                  <a:pt x="224454" y="-14544"/>
+                  <a:pt x="495407" y="26540"/>
+                  <a:pt x="694944" y="0"/>
+                </a:cubicBezTo>
+                <a:cubicBezTo>
+                  <a:pt x="894481" y="-26540"/>
+                  <a:pt x="1130063" y="24713"/>
+                  <a:pt x="1355141" y="0"/>
+                </a:cubicBezTo>
+                <a:cubicBezTo>
+                  <a:pt x="1580219" y="-24713"/>
+                  <a:pt x="1820099" y="26695"/>
+                  <a:pt x="2015338" y="0"/>
+                </a:cubicBezTo>
+                <a:cubicBezTo>
+                  <a:pt x="2210577" y="-26695"/>
+                  <a:pt x="2402045" y="165"/>
+                  <a:pt x="2779776" y="0"/>
+                </a:cubicBezTo>
+                <a:cubicBezTo>
+                  <a:pt x="3157507" y="-165"/>
+                  <a:pt x="3286859" y="-15571"/>
+                  <a:pt x="3474720" y="0"/>
+                </a:cubicBezTo>
+                <a:cubicBezTo>
+                  <a:pt x="3474286" y="7551"/>
+                  <a:pt x="3474253" y="9822"/>
+                  <a:pt x="3474720" y="18288"/>
+                </a:cubicBezTo>
+                <a:cubicBezTo>
+                  <a:pt x="3233904" y="29845"/>
+                  <a:pt x="2945134" y="-5256"/>
+                  <a:pt x="2779776" y="18288"/>
+                </a:cubicBezTo>
+                <a:cubicBezTo>
+                  <a:pt x="2614418" y="41832"/>
+                  <a:pt x="2339768" y="22709"/>
+                  <a:pt x="2189074" y="18288"/>
+                </a:cubicBezTo>
+                <a:cubicBezTo>
+                  <a:pt x="2038380" y="13867"/>
+                  <a:pt x="1817434" y="-4947"/>
+                  <a:pt x="1528877" y="18288"/>
+                </a:cubicBezTo>
+                <a:cubicBezTo>
+                  <a:pt x="1240320" y="41523"/>
+                  <a:pt x="1042447" y="37198"/>
+                  <a:pt x="868680" y="18288"/>
+                </a:cubicBezTo>
+                <a:cubicBezTo>
+                  <a:pt x="694913" y="-622"/>
+                  <a:pt x="233232" y="44909"/>
+                  <a:pt x="0" y="18288"/>
+                </a:cubicBezTo>
+                <a:cubicBezTo>
+                  <a:pt x="60" y="11696"/>
+                  <a:pt x="66" y="3758"/>
+                  <a:pt x="0" y="0"/>
+                </a:cubicBezTo>
+                <a:close/>
+              </a:path>
+              <a:path w="3474720" h="18288" stroke="0" extrusionOk="0">
+                <a:moveTo>
+                  <a:pt x="0" y="0"/>
+                </a:moveTo>
+                <a:cubicBezTo>
+                  <a:pt x="202328" y="-14716"/>
+                  <a:pt x="332722" y="-11499"/>
+                  <a:pt x="625450" y="0"/>
+                </a:cubicBezTo>
+                <a:cubicBezTo>
+                  <a:pt x="918178" y="11499"/>
+                  <a:pt x="1096688" y="5123"/>
+                  <a:pt x="1389888" y="0"/>
+                </a:cubicBezTo>
+                <a:cubicBezTo>
+                  <a:pt x="1683088" y="-5123"/>
+                  <a:pt x="1835981" y="-14038"/>
+                  <a:pt x="1980590" y="0"/>
+                </a:cubicBezTo>
+                <a:cubicBezTo>
+                  <a:pt x="2125199" y="14038"/>
+                  <a:pt x="2396099" y="-7203"/>
+                  <a:pt x="2571293" y="0"/>
+                </a:cubicBezTo>
+                <a:cubicBezTo>
+                  <a:pt x="2746487" y="7203"/>
+                  <a:pt x="3041609" y="-12036"/>
+                  <a:pt x="3474720" y="0"/>
+                </a:cubicBezTo>
+                <a:cubicBezTo>
+                  <a:pt x="3474638" y="4406"/>
+                  <a:pt x="3474631" y="9982"/>
+                  <a:pt x="3474720" y="18288"/>
+                </a:cubicBezTo>
+                <a:cubicBezTo>
+                  <a:pt x="3324873" y="21876"/>
+                  <a:pt x="3136771" y="12587"/>
+                  <a:pt x="2814523" y="18288"/>
+                </a:cubicBezTo>
+                <a:cubicBezTo>
+                  <a:pt x="2492275" y="23989"/>
+                  <a:pt x="2294402" y="47111"/>
+                  <a:pt x="2154326" y="18288"/>
+                </a:cubicBezTo>
+                <a:cubicBezTo>
+                  <a:pt x="2014250" y="-10535"/>
+                  <a:pt x="1820317" y="33903"/>
+                  <a:pt x="1494130" y="18288"/>
+                </a:cubicBezTo>
+                <a:cubicBezTo>
+                  <a:pt x="1167943" y="2673"/>
+                  <a:pt x="948432" y="14868"/>
+                  <a:pt x="729691" y="18288"/>
+                </a:cubicBezTo>
+                <a:cubicBezTo>
+                  <a:pt x="510950" y="21708"/>
+                  <a:pt x="264032" y="24354"/>
+                  <a:pt x="0" y="18288"/>
+                </a:cubicBezTo>
+                <a:cubicBezTo>
+                  <a:pt x="189" y="14288"/>
+                  <a:pt x="-703" y="3747"/>
+                  <a:pt x="0" y="0"/>
+                </a:cubicBezTo>
+                <a:close/>
+              </a:path>
+            </a:pathLst>
+          </a:custGeom>
+          <a:solidFill>
+            <a:schemeClr val="accent2"/>
+          </a:solidFill>
+          <a:ln w="44450" cap="rnd">
+            <a:solidFill>
+              <a:schemeClr val="accent2"/>
+            </a:solidFill>
+            <a:round/>
+            <a:extLst>
+              <a:ext uri="{C807C97D-BFC1-408E-A445-0C87EB9F89A2}">
+                <ask:lineSketchStyleProps xmlns:ask="http://schemas.microsoft.com/office/drawing/2018/sketchyshapes" sd="2863741219">
+                  <a:prstGeom prst="rect">
+                    <a:avLst/>
+                  </a:prstGeom>
+                  <ask:type>
+                    <ask:lineSketchFreehand/>
+                  </ask:type>
+                </ask:lineSketchStyleProps>
+              </a:ext>
+            </a:extLst>
+          </a:ln>
+        </p:spPr>
+        <p:style>
+          <a:lnRef idx="2">
+            <a:schemeClr val="accent1">
+              <a:shade val="50000"/>
+            </a:schemeClr>
+          </a:lnRef>
+          <a:fillRef idx="1">
+            <a:schemeClr val="accent1"/>
+          </a:fillRef>
+          <a:effectRef idx="0">
+            <a:schemeClr val="accent1"/>
+          </a:effectRef>
+          <a:fontRef idx="minor">
+            <a:schemeClr val="lt1"/>
+          </a:fontRef>
+        </p:style>
+        <p:txBody>
+          <a:bodyPr rtlCol="0" anchor="ctr"/>
+          <a:lstStyle/>
+          <a:p>
+            <a:pPr algn="ctr"/>
+            <a:endParaRPr lang="en-US"/>
+          </a:p>
+        </p:txBody>
+      </p:sp>
+      <p:sp>
+        <p:nvSpPr>
+          <p:cNvPr id="9" name="Content Placeholder 8">
+            <a:extLst>
+              <a:ext uri="{FF2B5EF4-FFF2-40B4-BE49-F238E27FC236}">
+                <a16:creationId xmlns:a16="http://schemas.microsoft.com/office/drawing/2014/main" id="{B8F5EF3E-BAA8-F263-3E06-17C068D536B2}"/>
+              </a:ext>
+            </a:extLst>
+          </p:cNvPr>
+          <p:cNvSpPr>
+            <a:spLocks noGrp="1"/>
+          </p:cNvSpPr>
+          <p:nvPr>
+            <p:ph sz="quarter" idx="10"/>
+          </p:nvPr>
+        </p:nvSpPr>
+        <p:spPr>
+          <a:xfrm>
+            <a:off x="640080" y="2872899"/>
+            <a:ext cx="4243589" cy="3320668"/>
+          </a:xfrm>
+        </p:spPr>
+        <p:txBody>
+          <a:bodyPr vert="horz" lIns="91440" tIns="45720" rIns="91440" bIns="45720" rtlCol="0">
+            <a:normAutofit/>
+          </a:bodyPr>
+          <a:lstStyle/>
+          <a:p>
+            <a:r>
+              <a:rPr lang="en-US" sz="2200" dirty="0">
+                <a:solidFill>
+                  <a:schemeClr val="tx1"/>
+                </a:solidFill>
+              </a:rPr>
+              <a:t>24 </a:t>
+            </a:r>
+            <a:r>
+              <a:rPr lang="ru-RU" sz="2200" dirty="0">
+                <a:solidFill>
+                  <a:schemeClr val="tx1"/>
+                </a:solidFill>
+              </a:rPr>
+              <a:t>класса</a:t>
+            </a:r>
+          </a:p>
+          <a:p>
+            <a:r>
+              <a:rPr lang="ru-RU" sz="2200" dirty="0">
+                <a:solidFill>
+                  <a:schemeClr val="tx1"/>
+                </a:solidFill>
+              </a:rPr>
+              <a:t>77 функций</a:t>
+            </a:r>
+            <a:endParaRPr lang="en-US" sz="2200" dirty="0">
+              <a:solidFill>
+                <a:schemeClr val="tx1"/>
+              </a:solidFill>
+            </a:endParaRPr>
+          </a:p>
+        </p:txBody>
+      </p:sp>
+      <p:pic>
+        <p:nvPicPr>
+          <p:cNvPr id="5" name="Объект 4" descr="Изображение выглядит как текст, снимок экрана&#10;&#10;Автоматически созданное описание">
+            <a:extLst>
+              <a:ext uri="{FF2B5EF4-FFF2-40B4-BE49-F238E27FC236}">
+                <a16:creationId xmlns:a16="http://schemas.microsoft.com/office/drawing/2014/main" id="{6B47DC20-2C87-BAD3-4740-2A2FB08E073C}"/>
+              </a:ext>
+            </a:extLst>
+          </p:cNvPr>
+          <p:cNvPicPr>
+            <a:picLocks noChangeAspect="1"/>
+          </p:cNvPicPr>
+          <p:nvPr/>
+        </p:nvPicPr>
+        <p:blipFill rotWithShape="1">
+          <a:blip r:embed="rId2"/>
+          <a:srcRect r="35054" b="1"/>
+          <a:stretch/>
+        </p:blipFill>
+        <p:spPr>
+          <a:xfrm>
+            <a:off x="5311702" y="10"/>
+            <a:ext cx="6878775" cy="6857990"/>
+          </a:xfrm>
+          <a:custGeom>
+            <a:avLst/>
+            <a:gdLst/>
+            <a:ahLst/>
+            <a:cxnLst/>
+            <a:rect l="l" t="t" r="r" b="b"/>
+            <a:pathLst>
+              <a:path w="6878775" h="6858000">
+                <a:moveTo>
+                  <a:pt x="1102973" y="0"/>
+                </a:moveTo>
+                <a:lnTo>
+                  <a:pt x="1160688" y="0"/>
+                </a:lnTo>
+                <a:lnTo>
+                  <a:pt x="983189" y="331786"/>
+                </a:lnTo>
+                <a:cubicBezTo>
+                  <a:pt x="914866" y="469145"/>
+                  <a:pt x="850355" y="608712"/>
+                  <a:pt x="789261" y="750263"/>
+                </a:cubicBezTo>
+                <a:cubicBezTo>
+                  <a:pt x="774307" y="784928"/>
+                  <a:pt x="759992" y="819849"/>
+                  <a:pt x="745295" y="854514"/>
+                </a:cubicBezTo>
+                <a:cubicBezTo>
+                  <a:pt x="756682" y="845393"/>
+                  <a:pt x="765489" y="833492"/>
+                  <a:pt x="770857" y="819975"/>
+                </a:cubicBezTo>
+                <a:cubicBezTo>
+                  <a:pt x="879943" y="589569"/>
+                  <a:pt x="999605" y="365513"/>
+                  <a:pt x="1131329" y="148742"/>
+                </a:cubicBezTo>
+                <a:lnTo>
+                  <a:pt x="1227589" y="0"/>
+                </a:lnTo>
+                <a:lnTo>
+                  <a:pt x="6878775" y="0"/>
+                </a:lnTo>
+                <a:lnTo>
+                  <a:pt x="6878775" y="6858000"/>
+                </a:lnTo>
+                <a:lnTo>
+                  <a:pt x="713521" y="6858000"/>
+                </a:lnTo>
+                <a:lnTo>
+                  <a:pt x="625642" y="6670527"/>
+                </a:lnTo>
+                <a:cubicBezTo>
+                  <a:pt x="507232" y="6398531"/>
+                  <a:pt x="403083" y="6118381"/>
+                  <a:pt x="312785" y="5830359"/>
+                </a:cubicBezTo>
+                <a:cubicBezTo>
+                  <a:pt x="278149" y="5719759"/>
+                  <a:pt x="248879" y="5607635"/>
+                  <a:pt x="212198" y="5480401"/>
+                </a:cubicBezTo>
+                <a:cubicBezTo>
+                  <a:pt x="212208" y="5491601"/>
+                  <a:pt x="212803" y="5502788"/>
+                  <a:pt x="213988" y="5513923"/>
+                </a:cubicBezTo>
+                <a:cubicBezTo>
+                  <a:pt x="264089" y="5723695"/>
+                  <a:pt x="307290" y="5935370"/>
+                  <a:pt x="365826" y="6142729"/>
+                </a:cubicBezTo>
+                <a:cubicBezTo>
+                  <a:pt x="433152" y="6380817"/>
+                  <a:pt x="510068" y="6614016"/>
+                  <a:pt x="597975" y="6841549"/>
+                </a:cubicBezTo>
+                <a:lnTo>
+                  <a:pt x="604824" y="6858000"/>
+                </a:lnTo>
+                <a:lnTo>
+                  <a:pt x="552056" y="6858000"/>
+                </a:lnTo>
+                <a:lnTo>
+                  <a:pt x="539576" y="6828295"/>
+                </a:lnTo>
+                <a:cubicBezTo>
+                  <a:pt x="380597" y="6414594"/>
+                  <a:pt x="260223" y="5988893"/>
+                  <a:pt x="171555" y="5552906"/>
+                </a:cubicBezTo>
+                <a:cubicBezTo>
+                  <a:pt x="91163" y="5157998"/>
+                  <a:pt x="43746" y="4758899"/>
+                  <a:pt x="12305" y="4357388"/>
+                </a:cubicBezTo>
+                <a:cubicBezTo>
+                  <a:pt x="-14281" y="4013908"/>
+                  <a:pt x="4507" y="3672965"/>
+                  <a:pt x="46684" y="3331516"/>
+                </a:cubicBezTo>
+                <a:cubicBezTo>
+                  <a:pt x="127203" y="2664286"/>
+                  <a:pt x="277819" y="2007265"/>
+                  <a:pt x="496065" y="1371196"/>
+                </a:cubicBezTo>
+                <a:cubicBezTo>
+                  <a:pt x="636273" y="966066"/>
+                  <a:pt x="800445" y="573253"/>
+                  <a:pt x="995723" y="196614"/>
+                </a:cubicBezTo>
+                <a:close/>
+              </a:path>
+            </a:pathLst>
+          </a:custGeom>
+        </p:spPr>
+      </p:pic>
+    </p:spTree>
+    <p:extLst>
+      <p:ext uri="{BB962C8B-B14F-4D97-AF65-F5344CB8AC3E}">
+        <p14:creationId xmlns:p14="http://schemas.microsoft.com/office/powerpoint/2010/main" val="2840262687"/>
+      </p:ext>
+    </p:extLst>
+  </p:cSld>
+  <p:clrMapOvr>
+    <a:masterClrMapping/>
+  </p:clrMapOvr>
+</p:sld>
+</file>
+
+<file path=ppt/slides/slide7.xml><?xml version="1.0" encoding="utf-8"?>
+<p:sld xmlns:a="http://schemas.openxmlformats.org/drawingml/2006/main" xmlns:r="http://schemas.openxmlformats.org/officeDocument/2006/relationships" xmlns:p="http://schemas.openxmlformats.org/presentationml/2006/main">
+  <p:cSld>
+    <p:bg>
+      <p:bgPr>
+        <a:solidFill>
+          <a:schemeClr val="bg1"/>
+        </a:solidFill>
+        <a:effectLst/>
+      </p:bgPr>
+    </p:bg>
+    <p:spTree>
+      <p:nvGrpSpPr>
+        <p:cNvPr id="1" name=""/>
+        <p:cNvGrpSpPr/>
+        <p:nvPr/>
+      </p:nvGrpSpPr>
+      <p:grpSpPr>
+        <a:xfrm>
+          <a:off x="0" y="0"/>
+          <a:ext cx="0" cy="0"/>
+          <a:chOff x="0" y="0"/>
+          <a:chExt cx="0" cy="0"/>
+        </a:xfrm>
+      </p:grpSpPr>
       <p:sp>
         <p:nvSpPr>
           <p:cNvPr id="1031" name="Rectangle 1030">
@@ -9381,67 +10360,49 @@
           <a:lstStyle/>
           <a:p>
             <a:r>
-              <a:rPr lang="en-US" sz="4000">
+              <a:rPr lang="en-US" sz="4000" dirty="0" err="1">
                 <a:solidFill>
                   <a:srgbClr val="FFFFFF"/>
                 </a:solidFill>
               </a:rPr>
-              <a:t>Модельки и спрайты</a:t>
+              <a:t>Модел</a:t>
+            </a:r>
+            <a:r>
+              <a:rPr lang="ru-RU" sz="4000" dirty="0">
+                <a:solidFill>
+                  <a:srgbClr val="FFFFFF"/>
+                </a:solidFill>
+              </a:rPr>
+              <a:t>и</a:t>
+            </a:r>
+            <a:r>
+              <a:rPr lang="en-US" sz="4000" dirty="0">
+                <a:solidFill>
+                  <a:srgbClr val="FFFFFF"/>
+                </a:solidFill>
+              </a:rPr>
+              <a:t> и </a:t>
+            </a:r>
+            <a:r>
+              <a:rPr lang="en-US" sz="4000" dirty="0" err="1">
+                <a:solidFill>
+                  <a:srgbClr val="FFFFFF"/>
+                </a:solidFill>
+              </a:rPr>
+              <a:t>спрайты</a:t>
             </a:r>
             <a:br>
-              <a:rPr lang="en-US" sz="4000">
+              <a:rPr lang="en-US" sz="4000" dirty="0">
                 <a:solidFill>
                   <a:srgbClr val="FFFFFF"/>
                 </a:solidFill>
               </a:rPr>
             </a:br>
-            <a:endParaRPr lang="en-US" sz="4000">
+            <a:endParaRPr lang="en-US" sz="4000" dirty="0">
               <a:solidFill>
                 <a:srgbClr val="FFFFFF"/>
               </a:solidFill>
             </a:endParaRPr>
-          </a:p>
-        </p:txBody>
-      </p:sp>
-      <p:sp>
-        <p:nvSpPr>
-          <p:cNvPr id="3" name="Объект 2">
-            <a:extLst>
-              <a:ext uri="{FF2B5EF4-FFF2-40B4-BE49-F238E27FC236}">
-                <a16:creationId xmlns:a16="http://schemas.microsoft.com/office/drawing/2014/main" id="{FF6E43FC-0234-CE3F-5E23-E3C9A8D1B74D}"/>
-              </a:ext>
-            </a:extLst>
-          </p:cNvPr>
-          <p:cNvSpPr>
-            <a:spLocks noGrp="1"/>
-          </p:cNvSpPr>
-          <p:nvPr>
-            <p:ph sz="quarter" idx="10"/>
-          </p:nvPr>
-        </p:nvSpPr>
-        <p:spPr>
-          <a:xfrm>
-            <a:off x="762000" y="4792531"/>
-            <a:ext cx="5334000" cy="1089423"/>
-          </a:xfrm>
-        </p:spPr>
-        <p:txBody>
-          <a:bodyPr vert="horz" lIns="91440" tIns="45720" rIns="91440" bIns="45720" rtlCol="0" anchor="b">
-            <a:normAutofit/>
-          </a:bodyPr>
-          <a:lstStyle/>
-          <a:p>
-            <a:pPr marL="0" indent="0">
-              <a:buNone/>
-            </a:pPr>
-            <a:r>
-              <a:rPr lang="en-US" sz="1800">
-                <a:solidFill>
-                  <a:srgbClr val="FFFFFF"/>
-                </a:solidFill>
-              </a:rPr>
-              <a:t>Все картинки в игре нарисованы нейро сетью</a:t>
-            </a:r>
           </a:p>
         </p:txBody>
       </p:sp>
@@ -9507,102 +10468,10 @@
   <p:clrMapOvr>
     <a:masterClrMapping/>
   </p:clrMapOvr>
-  <p:timing>
-    <p:tnLst>
-      <p:par>
-        <p:cTn id="1" dur="indefinite" restart="never" nodeType="tmRoot">
-          <p:childTnLst>
-            <p:seq concurrent="1" nextAc="seek">
-              <p:cTn id="2" dur="indefinite" nodeType="mainSeq">
-                <p:childTnLst>
-                  <p:par>
-                    <p:cTn id="3" fill="hold">
-                      <p:stCondLst>
-                        <p:cond delay="indefinite"/>
-                        <p:cond evt="onBegin" delay="0">
-                          <p:tn val="2"/>
-                        </p:cond>
-                      </p:stCondLst>
-                      <p:childTnLst>
-                        <p:par>
-                          <p:cTn id="4" fill="hold">
-                            <p:stCondLst>
-                              <p:cond delay="0"/>
-                            </p:stCondLst>
-                            <p:childTnLst>
-                              <p:par>
-                                <p:cTn id="5" presetID="10" presetClass="entr" presetSubtype="0" fill="hold" grpId="0" nodeType="withEffect">
-                                  <p:stCondLst>
-                                    <p:cond delay="1000"/>
-                                  </p:stCondLst>
-                                  <p:iterate type="lt">
-                                    <p:tmPct val="10000"/>
-                                  </p:iterate>
-                                  <p:childTnLst>
-                                    <p:set>
-                                      <p:cBhvr>
-                                        <p:cTn id="6" dur="1" fill="hold">
-                                          <p:stCondLst>
-                                            <p:cond delay="0"/>
-                                          </p:stCondLst>
-                                        </p:cTn>
-                                        <p:tgtEl>
-                                          <p:spTgt spid="2"/>
-                                        </p:tgtEl>
-                                        <p:attrNameLst>
-                                          <p:attrName>style.visibility</p:attrName>
-                                        </p:attrNameLst>
-                                      </p:cBhvr>
-                                      <p:to>
-                                        <p:strVal val="visible"/>
-                                      </p:to>
-                                    </p:set>
-                                    <p:animEffect transition="in" filter="fade">
-                                      <p:cBhvr>
-                                        <p:cTn id="7" dur="400"/>
-                                        <p:tgtEl>
-                                          <p:spTgt spid="2"/>
-                                        </p:tgtEl>
-                                      </p:cBhvr>
-                                    </p:animEffect>
-                                  </p:childTnLst>
-                                </p:cTn>
-                              </p:par>
-                            </p:childTnLst>
-                          </p:cTn>
-                        </p:par>
-                      </p:childTnLst>
-                    </p:cTn>
-                  </p:par>
-                </p:childTnLst>
-              </p:cTn>
-              <p:prevCondLst>
-                <p:cond evt="onPrev" delay="0">
-                  <p:tgtEl>
-                    <p:sldTgt/>
-                  </p:tgtEl>
-                </p:cond>
-              </p:prevCondLst>
-              <p:nextCondLst>
-                <p:cond evt="onNext" delay="0">
-                  <p:tgtEl>
-                    <p:sldTgt/>
-                  </p:tgtEl>
-                </p:cond>
-              </p:nextCondLst>
-            </p:seq>
-          </p:childTnLst>
-        </p:cTn>
-      </p:par>
-    </p:tnLst>
-    <p:bldLst>
-      <p:bldP spid="2" grpId="0"/>
-    </p:bldLst>
-  </p:timing>
 </p:sld>
 </file>
 
-<file path=ppt/slides/slide7.xml><?xml version="1.0" encoding="utf-8"?>
+<file path=ppt/slides/slide8.xml><?xml version="1.0" encoding="utf-8"?>
 <p:sld xmlns:a="http://schemas.openxmlformats.org/drawingml/2006/main" xmlns:r="http://schemas.openxmlformats.org/officeDocument/2006/relationships" xmlns:p="http://schemas.openxmlformats.org/presentationml/2006/main" showMasterSp="0">
   <p:cSld>
     <p:bg>
@@ -9659,45 +10528,6 @@
           </a:xfrm>
         </p:spPr>
       </p:pic>
-      <p:sp>
-        <p:nvSpPr>
-          <p:cNvPr id="6" name="TextBox 5">
-            <a:extLst>
-              <a:ext uri="{FF2B5EF4-FFF2-40B4-BE49-F238E27FC236}">
-                <a16:creationId xmlns:a16="http://schemas.microsoft.com/office/drawing/2014/main" id="{F38EBF76-931D-7206-0695-42281DAEDC6A}"/>
-              </a:ext>
-            </a:extLst>
-          </p:cNvPr>
-          <p:cNvSpPr txBox="1"/>
-          <p:nvPr/>
-        </p:nvSpPr>
-        <p:spPr>
-          <a:xfrm>
-            <a:off x="594341" y="649716"/>
-            <a:ext cx="4865615" cy="646331"/>
-          </a:xfrm>
-          <a:prstGeom prst="rect">
-            <a:avLst/>
-          </a:prstGeom>
-          <a:noFill/>
-        </p:spPr>
-        <p:txBody>
-          <a:bodyPr wrap="square" rtlCol="0">
-            <a:spAutoFit/>
-          </a:bodyPr>
-          <a:lstStyle/>
-          <a:p>
-            <a:r>
-              <a:rPr lang="ru-RU" sz="3600" dirty="0">
-                <a:solidFill>
-                  <a:schemeClr val="bg1"/>
-                </a:solidFill>
-              </a:rPr>
-              <a:t>Реализованы меню</a:t>
-            </a:r>
-          </a:p>
-        </p:txBody>
-      </p:sp>
       <p:pic>
         <p:nvPicPr>
           <p:cNvPr id="3" name="Рисунок 2" descr="Изображение выглядит как пиксель, снимок экрана, текст, Программное обеспечение для видеоигр&#10;&#10;Автоматически созданное описание">
@@ -9741,13 +10571,15 @@
 </p:sld>
 </file>
 
-<file path=ppt/slides/slide8.xml><?xml version="1.0" encoding="utf-8"?>
-<p:sld xmlns:a="http://schemas.openxmlformats.org/drawingml/2006/main" xmlns:r="http://schemas.openxmlformats.org/officeDocument/2006/relationships" xmlns:p="http://schemas.openxmlformats.org/presentationml/2006/main">
+<file path=ppt/slides/slide9.xml><?xml version="1.0" encoding="utf-8"?>
+<p:sld xmlns:a="http://schemas.openxmlformats.org/drawingml/2006/main" xmlns:r="http://schemas.openxmlformats.org/officeDocument/2006/relationships" xmlns:p="http://schemas.openxmlformats.org/presentationml/2006/main" showMasterSp="0">
   <p:cSld>
     <p:bg>
       <p:bgPr>
         <a:solidFill>
-          <a:schemeClr val="bg1"/>
+          <a:schemeClr val="bg2">
+            <a:lumMod val="50000"/>
+          </a:schemeClr>
         </a:solidFill>
         <a:effectLst/>
       </p:bgPr>
@@ -9799,127 +10631,6 @@
     <p:extLst>
       <p:ext uri="{BB962C8B-B14F-4D97-AF65-F5344CB8AC3E}">
         <p14:creationId xmlns:p14="http://schemas.microsoft.com/office/powerpoint/2010/main" val="4109042922"/>
-      </p:ext>
-    </p:extLst>
-  </p:cSld>
-  <p:clrMapOvr>
-    <a:masterClrMapping/>
-  </p:clrMapOvr>
-</p:sld>
-</file>
-
-<file path=ppt/slides/slide9.xml><?xml version="1.0" encoding="utf-8"?>
-<p:sld xmlns:a="http://schemas.openxmlformats.org/drawingml/2006/main" xmlns:r="http://schemas.openxmlformats.org/officeDocument/2006/relationships" xmlns:p="http://schemas.openxmlformats.org/presentationml/2006/main">
-  <p:cSld>
-    <p:spTree>
-      <p:nvGrpSpPr>
-        <p:cNvPr id="1" name=""/>
-        <p:cNvGrpSpPr/>
-        <p:nvPr/>
-      </p:nvGrpSpPr>
-      <p:grpSpPr>
-        <a:xfrm>
-          <a:off x="0" y="0"/>
-          <a:ext cx="0" cy="0"/>
-          <a:chOff x="0" y="0"/>
-          <a:chExt cx="0" cy="0"/>
-        </a:xfrm>
-      </p:grpSpPr>
-      <p:sp>
-        <p:nvSpPr>
-          <p:cNvPr id="2" name="Заголовок 1">
-            <a:extLst>
-              <a:ext uri="{FF2B5EF4-FFF2-40B4-BE49-F238E27FC236}">
-                <a16:creationId xmlns:a16="http://schemas.microsoft.com/office/drawing/2014/main" id="{C098F19B-805A-FAB0-FDB9-98B200434096}"/>
-              </a:ext>
-            </a:extLst>
-          </p:cNvPr>
-          <p:cNvSpPr>
-            <a:spLocks noGrp="1"/>
-          </p:cNvSpPr>
-          <p:nvPr>
-            <p:ph type="title"/>
-          </p:nvPr>
-        </p:nvSpPr>
-        <p:spPr/>
-        <p:txBody>
-          <a:bodyPr/>
-          <a:lstStyle/>
-          <a:p>
-            <a:r>
-              <a:rPr lang="ru-RU" dirty="0"/>
-              <a:t>Итоги</a:t>
-            </a:r>
-          </a:p>
-        </p:txBody>
-      </p:sp>
-      <p:sp>
-        <p:nvSpPr>
-          <p:cNvPr id="3" name="Объект 2">
-            <a:extLst>
-              <a:ext uri="{FF2B5EF4-FFF2-40B4-BE49-F238E27FC236}">
-                <a16:creationId xmlns:a16="http://schemas.microsoft.com/office/drawing/2014/main" id="{C5E96C2F-1C08-6598-C8B7-757FE11843D3}"/>
-              </a:ext>
-            </a:extLst>
-          </p:cNvPr>
-          <p:cNvSpPr>
-            <a:spLocks noGrp="1"/>
-          </p:cNvSpPr>
-          <p:nvPr>
-            <p:ph sz="quarter" idx="10"/>
-          </p:nvPr>
-        </p:nvSpPr>
-        <p:spPr/>
-        <p:txBody>
-          <a:bodyPr>
-            <a:normAutofit/>
-          </a:bodyPr>
-          <a:lstStyle/>
-          <a:p>
-            <a:pPr marL="0" indent="0">
-              <a:buNone/>
-            </a:pPr>
-            <a:r>
-              <a:rPr lang="ru-RU" sz="1600" dirty="0"/>
-              <a:t>Улучшить</a:t>
-            </a:r>
-          </a:p>
-          <a:p>
-            <a:r>
-              <a:rPr lang="ru-RU" sz="1600" dirty="0"/>
-              <a:t>Добавление нового оружия</a:t>
-            </a:r>
-          </a:p>
-          <a:p>
-            <a:r>
-              <a:rPr lang="ru-RU" sz="1600" dirty="0"/>
-              <a:t>Большее количество уровней</a:t>
-            </a:r>
-          </a:p>
-          <a:p>
-            <a:r>
-              <a:rPr lang="ru-RU" sz="1600" dirty="0"/>
-              <a:t>Разнообразие врагов</a:t>
-            </a:r>
-          </a:p>
-          <a:p>
-            <a:r>
-              <a:rPr lang="ru-RU" sz="1600" dirty="0"/>
-              <a:t>Прокачка персонажа</a:t>
-            </a:r>
-          </a:p>
-          <a:p>
-            <a:pPr marL="0" indent="0">
-              <a:buNone/>
-            </a:pPr>
-            <a:endParaRPr lang="ru-RU" sz="1600" dirty="0"/>
-          </a:p>
-        </p:txBody>
-      </p:sp>
-    </p:spTree>
-    <p:extLst>
-      <p:ext uri="{BB962C8B-B14F-4D97-AF65-F5344CB8AC3E}">
-        <p14:creationId xmlns:p14="http://schemas.microsoft.com/office/powerpoint/2010/main" val="3845412708"/>
       </p:ext>
     </p:extLst>
   </p:cSld>
